--- a/slides/kernel_modules.pptx
+++ b/slides/kernel_modules.pptx
@@ -1,33 +1,33 @@
 
 <file path=ppt/presentation.xml><?xml version="1.0" encoding="utf-8"?>
-<p:presentation xmlns:a="http://schemas.openxmlformats.org/drawingml/2006/main" xmlns:r="http://schemas.openxmlformats.org/officeDocument/2006/relationships" xmlns:p="http://schemas.openxmlformats.org/presentationml/2006/main">
+<p:presentation xmlns:a="http://schemas.openxmlformats.org/drawingml/2006/main" xmlns:r="http://schemas.openxmlformats.org/officeDocument/2006/relationships" xmlns:p="http://schemas.openxmlformats.org/presentationml/2006/main" saveSubsetFonts="1">
   <p:sldMasterIdLst>
-    <p:sldMasterId id="2147483648" r:id="rId5"/>
+    <p:sldMasterId id="2147483648" r:id="rId1"/>
   </p:sldMasterIdLst>
   <p:notesMasterIdLst>
-    <p:notesMasterId r:id="rId7"/>
+    <p:notesMasterId r:id="rId20"/>
   </p:notesMasterIdLst>
   <p:sldIdLst>
-    <p:sldId id="256" r:id="rId8"/>
-    <p:sldId id="257" r:id="rId9"/>
-    <p:sldId id="258" r:id="rId10"/>
-    <p:sldId id="259" r:id="rId11"/>
-    <p:sldId id="260" r:id="rId12"/>
-    <p:sldId id="261" r:id="rId13"/>
-    <p:sldId id="262" r:id="rId14"/>
-    <p:sldId id="263" r:id="rId15"/>
-    <p:sldId id="264" r:id="rId16"/>
-    <p:sldId id="265" r:id="rId17"/>
-    <p:sldId id="266" r:id="rId18"/>
-    <p:sldId id="267" r:id="rId19"/>
-    <p:sldId id="268" r:id="rId20"/>
-    <p:sldId id="269" r:id="rId21"/>
-    <p:sldId id="270" r:id="rId22"/>
-    <p:sldId id="271" r:id="rId23"/>
-    <p:sldId id="272" r:id="rId24"/>
-    <p:sldId id="273" r:id="rId25"/>
+    <p:sldId id="256" r:id="rId2"/>
+    <p:sldId id="257" r:id="rId3"/>
+    <p:sldId id="258" r:id="rId4"/>
+    <p:sldId id="259" r:id="rId5"/>
+    <p:sldId id="260" r:id="rId6"/>
+    <p:sldId id="261" r:id="rId7"/>
+    <p:sldId id="262" r:id="rId8"/>
+    <p:sldId id="263" r:id="rId9"/>
+    <p:sldId id="264" r:id="rId10"/>
+    <p:sldId id="265" r:id="rId11"/>
+    <p:sldId id="266" r:id="rId12"/>
+    <p:sldId id="267" r:id="rId13"/>
+    <p:sldId id="268" r:id="rId14"/>
+    <p:sldId id="269" r:id="rId15"/>
+    <p:sldId id="270" r:id="rId16"/>
+    <p:sldId id="271" r:id="rId17"/>
+    <p:sldId id="272" r:id="rId18"/>
+    <p:sldId id="273" r:id="rId19"/>
   </p:sldIdLst>
-  <p:sldSz cx="9144000" cy="6858000"/>
+  <p:sldSz cx="9144000" cy="6858000" type="screen4x3"/>
   <p:notesSz cx="6858000" cy="9144000"/>
   <p:defaultTextStyle>
     <a:defPPr marL="0" marR="0" indent="0" algn="l" defTabSz="914400" rtl="0" fontAlgn="auto" latinLnBrk="1" hangingPunct="0">
@@ -45,7 +45,7 @@
       <a:buFontTx/>
       <a:buNone/>
       <a:tabLst/>
-      <a:defRPr b="0" baseline="0" cap="none" i="0" spc="0" strike="noStrike" sz="1800" u="none" kumimoji="0" normalizeH="0">
+      <a:defRPr kumimoji="0" sz="1800" b="0" i="0" u="none" strike="noStrike" cap="none" spc="0" normalizeH="0" baseline="0">
         <a:ln>
           <a:noFill/>
         </a:ln>
@@ -71,7 +71,7 @@
       <a:buFontTx/>
       <a:buNone/>
       <a:tabLst/>
-      <a:defRPr b="0" baseline="0" cap="none" i="0" spc="0" strike="noStrike" sz="1400" u="none" kumimoji="0" normalizeH="0">
+      <a:defRPr kumimoji="0" sz="1400" b="0" i="0" u="none" strike="noStrike" cap="none" spc="0" normalizeH="0" baseline="0">
         <a:ln>
           <a:noFill/>
         </a:ln>
@@ -101,7 +101,7 @@
       <a:buFontTx/>
       <a:buNone/>
       <a:tabLst/>
-      <a:defRPr b="0" baseline="0" cap="none" i="0" spc="0" strike="noStrike" sz="1400" u="none" kumimoji="0" normalizeH="0">
+      <a:defRPr kumimoji="0" sz="1400" b="0" i="0" u="none" strike="noStrike" cap="none" spc="0" normalizeH="0" baseline="0">
         <a:ln>
           <a:noFill/>
         </a:ln>
@@ -131,7 +131,7 @@
       <a:buFontTx/>
       <a:buNone/>
       <a:tabLst/>
-      <a:defRPr b="0" baseline="0" cap="none" i="0" spc="0" strike="noStrike" sz="1400" u="none" kumimoji="0" normalizeH="0">
+      <a:defRPr kumimoji="0" sz="1400" b="0" i="0" u="none" strike="noStrike" cap="none" spc="0" normalizeH="0" baseline="0">
         <a:ln>
           <a:noFill/>
         </a:ln>
@@ -161,7 +161,7 @@
       <a:buFontTx/>
       <a:buNone/>
       <a:tabLst/>
-      <a:defRPr b="0" baseline="0" cap="none" i="0" spc="0" strike="noStrike" sz="1400" u="none" kumimoji="0" normalizeH="0">
+      <a:defRPr kumimoji="0" sz="1400" b="0" i="0" u="none" strike="noStrike" cap="none" spc="0" normalizeH="0" baseline="0">
         <a:ln>
           <a:noFill/>
         </a:ln>
@@ -191,7 +191,7 @@
       <a:buFontTx/>
       <a:buNone/>
       <a:tabLst/>
-      <a:defRPr b="0" baseline="0" cap="none" i="0" spc="0" strike="noStrike" sz="1400" u="none" kumimoji="0" normalizeH="0">
+      <a:defRPr kumimoji="0" sz="1400" b="0" i="0" u="none" strike="noStrike" cap="none" spc="0" normalizeH="0" baseline="0">
         <a:ln>
           <a:noFill/>
         </a:ln>
@@ -221,7 +221,7 @@
       <a:buFontTx/>
       <a:buNone/>
       <a:tabLst/>
-      <a:defRPr b="0" baseline="0" cap="none" i="0" spc="0" strike="noStrike" sz="1400" u="none" kumimoji="0" normalizeH="0">
+      <a:defRPr kumimoji="0" sz="1400" b="0" i="0" u="none" strike="noStrike" cap="none" spc="0" normalizeH="0" baseline="0">
         <a:ln>
           <a:noFill/>
         </a:ln>
@@ -251,7 +251,7 @@
       <a:buFontTx/>
       <a:buNone/>
       <a:tabLst/>
-      <a:defRPr b="0" baseline="0" cap="none" i="0" spc="0" strike="noStrike" sz="1400" u="none" kumimoji="0" normalizeH="0">
+      <a:defRPr kumimoji="0" sz="1400" b="0" i="0" u="none" strike="noStrike" cap="none" spc="0" normalizeH="0" baseline="0">
         <a:ln>
           <a:noFill/>
         </a:ln>
@@ -281,7 +281,7 @@
       <a:buFontTx/>
       <a:buNone/>
       <a:tabLst/>
-      <a:defRPr b="0" baseline="0" cap="none" i="0" spc="0" strike="noStrike" sz="1400" u="none" kumimoji="0" normalizeH="0">
+      <a:defRPr kumimoji="0" sz="1400" b="0" i="0" u="none" strike="noStrike" cap="none" spc="0" normalizeH="0" baseline="0">
         <a:ln>
           <a:noFill/>
         </a:ln>
@@ -311,7 +311,7 @@
       <a:buFontTx/>
       <a:buNone/>
       <a:tabLst/>
-      <a:defRPr b="0" baseline="0" cap="none" i="0" spc="0" strike="noStrike" sz="1400" u="none" kumimoji="0" normalizeH="0">
+      <a:defRPr kumimoji="0" sz="1400" b="0" i="0" u="none" strike="noStrike" cap="none" spc="0" normalizeH="0" baseline="0">
         <a:ln>
           <a:noFill/>
         </a:ln>
@@ -330,13 +330,14 @@
 </p:presentation>
 </file>
 
-<file path=ppt/commentAuthors.xml><?xml version="1.0" encoding="utf-8"?>
-<p:cmAuthorLst xmlns:a="http://schemas.openxmlformats.org/drawingml/2006/main" xmlns:r="http://schemas.openxmlformats.org/officeDocument/2006/relationships" xmlns:p="http://schemas.openxmlformats.org/presentationml/2006/main"/>
-</file>
-
 <file path=ppt/notesMasters/notesMaster1.xml><?xml version="1.0" encoding="utf-8"?>
 <p:notesMaster xmlns:a="http://schemas.openxmlformats.org/drawingml/2006/main" xmlns:r="http://schemas.openxmlformats.org/officeDocument/2006/relationships" xmlns:p="http://schemas.openxmlformats.org/presentationml/2006/main">
   <p:cSld>
+    <p:bg>
+      <p:bgRef idx="1001">
+        <a:schemeClr val="bg1"/>
+      </p:bgRef>
+    </p:bg>
     <p:spTree>
       <p:nvGrpSpPr>
         <p:cNvPr id="1" name=""/>
@@ -354,7 +355,9 @@
       <p:sp>
         <p:nvSpPr>
           <p:cNvPr id="28" name="Shape 28"/>
-          <p:cNvSpPr/>
+          <p:cNvSpPr>
+            <a:spLocks noGrp="1" noRot="1" noChangeAspect="1"/>
+          </p:cNvSpPr>
           <p:nvPr>
             <p:ph type="sldImg"/>
           </p:nvPr>
@@ -372,14 +375,16 @@
           <a:bodyPr/>
           <a:lstStyle/>
           <a:p>
-            <a:pPr/>
+            <a:endParaRPr/>
           </a:p>
         </p:txBody>
       </p:sp>
       <p:sp>
         <p:nvSpPr>
           <p:cNvPr id="29" name="Shape 29"/>
-          <p:cNvSpPr/>
+          <p:cNvSpPr>
+            <a:spLocks noGrp="1"/>
+          </p:cNvSpPr>
           <p:nvPr>
             <p:ph type="body" sz="quarter" idx="1"/>
           </p:nvPr>
@@ -397,7 +402,7 @@
           <a:bodyPr/>
           <a:lstStyle/>
           <a:p>
-            <a:pPr/>
+            <a:endParaRPr/>
           </a:p>
         </p:txBody>
       </p:sp>
@@ -509,7 +514,7 @@
 </file>
 
 <file path=ppt/slideLayouts/slideLayout1.xml><?xml version="1.0" encoding="utf-8"?>
-<p:sldLayout xmlns:a="http://schemas.openxmlformats.org/drawingml/2006/main" xmlns:r="http://schemas.openxmlformats.org/officeDocument/2006/relationships" xmlns:p="http://schemas.openxmlformats.org/presentationml/2006/main" type="tx" showMasterSp="1" showMasterPhAnim="1">
+<p:sldLayout xmlns:a="http://schemas.openxmlformats.org/drawingml/2006/main" xmlns:r="http://schemas.openxmlformats.org/officeDocument/2006/relationships" xmlns:p="http://schemas.openxmlformats.org/presentationml/2006/main" type="tx">
   <p:cSld name="Title Slide">
     <p:spTree>
       <p:nvGrpSpPr>
@@ -528,7 +533,9 @@
       <p:sp>
         <p:nvSpPr>
           <p:cNvPr id="11" name="Shape 11"/>
-          <p:cNvSpPr/>
+          <p:cNvSpPr>
+            <a:spLocks noGrp="1"/>
+          </p:cNvSpPr>
           <p:nvPr>
             <p:ph type="title"/>
           </p:nvPr>
@@ -546,7 +553,6 @@
           <a:bodyPr/>
           <a:lstStyle/>
           <a:p>
-            <a:pPr/>
             <a:r>
               <a:t>Title Text</a:t>
             </a:r>
@@ -556,7 +562,9 @@
       <p:sp>
         <p:nvSpPr>
           <p:cNvPr id="12" name="Shape 12"/>
-          <p:cNvSpPr/>
+          <p:cNvSpPr>
+            <a:spLocks noGrp="1"/>
+          </p:cNvSpPr>
           <p:nvPr>
             <p:ph type="body" sz="half" idx="1"/>
           </p:nvPr>
@@ -574,7 +582,6 @@
           <a:bodyPr/>
           <a:lstStyle/>
           <a:p>
-            <a:pPr/>
             <a:r>
               <a:t>Body Level One</a:t>
             </a:r>
@@ -608,7 +615,9 @@
       <p:sp>
         <p:nvSpPr>
           <p:cNvPr id="13" name="Shape 13"/>
-          <p:cNvSpPr/>
+          <p:cNvSpPr>
+            <a:spLocks noGrp="1"/>
+          </p:cNvSpPr>
           <p:nvPr>
             <p:ph type="sldNum" sz="quarter" idx="2"/>
           </p:nvPr>
@@ -635,8 +644,10 @@
             </a:lvl1pPr>
           </a:lstStyle>
           <a:p>
-            <a:pPr/>
-            <a:fld id="{86CB4B4D-7CA3-9044-876B-883B54F8677D}" type="slidenum"/>
+            <a:fld id="{86CB4B4D-7CA3-9044-876B-883B54F8677D}" type="slidenum">
+              <a:t>‹#›</a:t>
+            </a:fld>
+            <a:endParaRPr/>
           </a:p>
         </p:txBody>
       </p:sp>
@@ -645,12 +656,12 @@
   <p:clrMapOvr>
     <a:masterClrMapping/>
   </p:clrMapOvr>
-  <p:transition xmlns:p14="http://schemas.microsoft.com/office/powerpoint/2010/main" spd="med" advClick="1"/>
+  <p:transition spd="med"/>
 </p:sldLayout>
 </file>
 
 <file path=ppt/slideLayouts/slideLayout2.xml><?xml version="1.0" encoding="utf-8"?>
-<p:sldLayout xmlns:a="http://schemas.openxmlformats.org/drawingml/2006/main" xmlns:r="http://schemas.openxmlformats.org/officeDocument/2006/relationships" xmlns:p="http://schemas.openxmlformats.org/presentationml/2006/main" type="tx" showMasterSp="1" showMasterPhAnim="1">
+<p:sldLayout xmlns:a="http://schemas.openxmlformats.org/drawingml/2006/main" xmlns:r="http://schemas.openxmlformats.org/officeDocument/2006/relationships" xmlns:p="http://schemas.openxmlformats.org/presentationml/2006/main" type="tx">
   <p:cSld name="Title and Body">
     <p:spTree>
       <p:nvGrpSpPr>
@@ -669,7 +680,9 @@
       <p:sp>
         <p:nvSpPr>
           <p:cNvPr id="20" name="Shape 20"/>
-          <p:cNvSpPr/>
+          <p:cNvSpPr>
+            <a:spLocks noGrp="1"/>
+          </p:cNvSpPr>
           <p:nvPr>
             <p:ph type="title"/>
           </p:nvPr>
@@ -683,7 +696,6 @@
           <a:bodyPr/>
           <a:lstStyle/>
           <a:p>
-            <a:pPr/>
             <a:r>
               <a:t>Title Text</a:t>
             </a:r>
@@ -693,7 +705,9 @@
       <p:sp>
         <p:nvSpPr>
           <p:cNvPr id="21" name="Shape 21"/>
-          <p:cNvSpPr/>
+          <p:cNvSpPr>
+            <a:spLocks noGrp="1"/>
+          </p:cNvSpPr>
           <p:nvPr>
             <p:ph type="body" idx="1"/>
           </p:nvPr>
@@ -707,7 +721,6 @@
           <a:bodyPr/>
           <a:lstStyle/>
           <a:p>
-            <a:pPr/>
             <a:r>
               <a:t>Body Level One</a:t>
             </a:r>
@@ -741,7 +754,9 @@
       <p:sp>
         <p:nvSpPr>
           <p:cNvPr id="22" name="Shape 22"/>
-          <p:cNvSpPr/>
+          <p:cNvSpPr>
+            <a:spLocks noGrp="1"/>
+          </p:cNvSpPr>
           <p:nvPr>
             <p:ph type="sldNum" sz="quarter" idx="2"/>
           </p:nvPr>
@@ -755,8 +770,10 @@
           <a:bodyPr/>
           <a:lstStyle/>
           <a:p>
-            <a:pPr/>
-            <a:fld id="{86CB4B4D-7CA3-9044-876B-883B54F8677D}" type="slidenum"/>
+            <a:fld id="{86CB4B4D-7CA3-9044-876B-883B54F8677D}" type="slidenum">
+              <a:t>‹#›</a:t>
+            </a:fld>
+            <a:endParaRPr/>
           </a:p>
         </p:txBody>
       </p:sp>
@@ -765,7 +782,7 @@
   <p:clrMapOvr>
     <a:masterClrMapping/>
   </p:clrMapOvr>
-  <p:transition xmlns:p14="http://schemas.microsoft.com/office/powerpoint/2010/main" spd="med" advClick="1"/>
+  <p:transition spd="med"/>
 </p:sldLayout>
 </file>
 
@@ -779,6 +796,7 @@
             <a:lumOff val="44000"/>
           </a:schemeClr>
         </a:solidFill>
+        <a:effectLst/>
       </p:bgPr>
     </p:bg>
     <p:spTree>
@@ -798,7 +816,9 @@
       <p:sp>
         <p:nvSpPr>
           <p:cNvPr id="2" name="Shape 2"/>
-          <p:cNvSpPr/>
+          <p:cNvSpPr>
+            <a:spLocks noGrp="1"/>
+          </p:cNvSpPr>
           <p:nvPr>
             <p:ph type="title"/>
           </p:nvPr>
@@ -824,7 +844,6 @@
           <a:bodyPr lIns="91424" tIns="91424" rIns="91424" bIns="91424"/>
           <a:lstStyle/>
           <a:p>
-            <a:pPr/>
             <a:r>
               <a:t>Title Text</a:t>
             </a:r>
@@ -834,7 +853,9 @@
       <p:sp>
         <p:nvSpPr>
           <p:cNvPr id="3" name="Shape 3"/>
-          <p:cNvSpPr/>
+          <p:cNvSpPr>
+            <a:spLocks noGrp="1"/>
+          </p:cNvSpPr>
           <p:nvPr>
             <p:ph type="body" idx="1"/>
           </p:nvPr>
@@ -860,7 +881,6 @@
           <a:bodyPr lIns="91424" tIns="91424" rIns="91424" bIns="91424"/>
           <a:lstStyle/>
           <a:p>
-            <a:pPr/>
             <a:r>
               <a:t>Body Level One</a:t>
             </a:r>
@@ -894,7 +914,9 @@
       <p:sp>
         <p:nvSpPr>
           <p:cNvPr id="4" name="Shape 4"/>
-          <p:cNvSpPr/>
+          <p:cNvSpPr>
+            <a:spLocks noGrp="1"/>
+          </p:cNvSpPr>
           <p:nvPr>
             <p:ph type="sldNum" sz="quarter" idx="2"/>
           </p:nvPr>
@@ -926,8 +948,10 @@
             </a:lvl1pPr>
           </a:lstStyle>
           <a:p>
-            <a:pPr/>
-            <a:fld id="{86CB4B4D-7CA3-9044-876B-883B54F8677D}" type="slidenum"/>
+            <a:fld id="{86CB4B4D-7CA3-9044-876B-883B54F8677D}" type="slidenum">
+              <a:t>‹#›</a:t>
+            </a:fld>
+            <a:endParaRPr/>
           </a:p>
         </p:txBody>
       </p:sp>
@@ -935,10 +959,10 @@
   </p:cSld>
   <p:clrMap bg1="lt1" tx1="dk1" bg2="lt2" tx2="dk2" accent1="accent1" accent2="accent2" accent3="accent3" accent4="accent4" accent5="accent5" accent6="accent6" hlink="hlink" folHlink="folHlink"/>
   <p:sldLayoutIdLst>
-    <p:sldLayoutId id="2147483649" r:id="rId2"/>
-    <p:sldLayoutId id="2147483650" r:id="rId3"/>
+    <p:sldLayoutId id="2147483649" r:id="rId1"/>
+    <p:sldLayoutId id="2147483650" r:id="rId2"/>
   </p:sldLayoutIdLst>
-  <p:transition xmlns:p14="http://schemas.microsoft.com/office/powerpoint/2010/main" spd="med" advClick="1"/>
+  <p:transition spd="med"/>
   <p:txStyles>
     <p:titleStyle>
       <a:lvl1pPr marL="0" marR="0" indent="0" algn="l" defTabSz="914400" latinLnBrk="0">
@@ -956,7 +980,7 @@
         <a:buFontTx/>
         <a:buNone/>
         <a:tabLst/>
-        <a:defRPr b="0" baseline="0" cap="none" i="0" spc="0" strike="noStrike" sz="4400" u="none">
+        <a:defRPr sz="4400" b="0" i="0" u="none" strike="noStrike" cap="none" spc="0" baseline="0">
           <a:ln>
             <a:noFill/>
           </a:ln>
@@ -985,7 +1009,7 @@
         <a:buFontTx/>
         <a:buNone/>
         <a:tabLst/>
-        <a:defRPr b="0" baseline="0" cap="none" i="0" spc="0" strike="noStrike" sz="4400" u="none">
+        <a:defRPr sz="4400" b="0" i="0" u="none" strike="noStrike" cap="none" spc="0" baseline="0">
           <a:ln>
             <a:noFill/>
           </a:ln>
@@ -1014,7 +1038,7 @@
         <a:buFontTx/>
         <a:buNone/>
         <a:tabLst/>
-        <a:defRPr b="0" baseline="0" cap="none" i="0" spc="0" strike="noStrike" sz="4400" u="none">
+        <a:defRPr sz="4400" b="0" i="0" u="none" strike="noStrike" cap="none" spc="0" baseline="0">
           <a:ln>
             <a:noFill/>
           </a:ln>
@@ -1043,7 +1067,7 @@
         <a:buFontTx/>
         <a:buNone/>
         <a:tabLst/>
-        <a:defRPr b="0" baseline="0" cap="none" i="0" spc="0" strike="noStrike" sz="4400" u="none">
+        <a:defRPr sz="4400" b="0" i="0" u="none" strike="noStrike" cap="none" spc="0" baseline="0">
           <a:ln>
             <a:noFill/>
           </a:ln>
@@ -1072,7 +1096,7 @@
         <a:buFontTx/>
         <a:buNone/>
         <a:tabLst/>
-        <a:defRPr b="0" baseline="0" cap="none" i="0" spc="0" strike="noStrike" sz="4400" u="none">
+        <a:defRPr sz="4400" b="0" i="0" u="none" strike="noStrike" cap="none" spc="0" baseline="0">
           <a:ln>
             <a:noFill/>
           </a:ln>
@@ -1101,7 +1125,7 @@
         <a:buFontTx/>
         <a:buNone/>
         <a:tabLst/>
-        <a:defRPr b="0" baseline="0" cap="none" i="0" spc="0" strike="noStrike" sz="4400" u="none">
+        <a:defRPr sz="4400" b="0" i="0" u="none" strike="noStrike" cap="none" spc="0" baseline="0">
           <a:ln>
             <a:noFill/>
           </a:ln>
@@ -1130,7 +1154,7 @@
         <a:buFontTx/>
         <a:buNone/>
         <a:tabLst/>
-        <a:defRPr b="0" baseline="0" cap="none" i="0" spc="0" strike="noStrike" sz="4400" u="none">
+        <a:defRPr sz="4400" b="0" i="0" u="none" strike="noStrike" cap="none" spc="0" baseline="0">
           <a:ln>
             <a:noFill/>
           </a:ln>
@@ -1159,7 +1183,7 @@
         <a:buFontTx/>
         <a:buNone/>
         <a:tabLst/>
-        <a:defRPr b="0" baseline="0" cap="none" i="0" spc="0" strike="noStrike" sz="4400" u="none">
+        <a:defRPr sz="4400" b="0" i="0" u="none" strike="noStrike" cap="none" spc="0" baseline="0">
           <a:ln>
             <a:noFill/>
           </a:ln>
@@ -1188,7 +1212,7 @@
         <a:buFontTx/>
         <a:buNone/>
         <a:tabLst/>
-        <a:defRPr b="0" baseline="0" cap="none" i="0" spc="0" strike="noStrike" sz="4400" u="none">
+        <a:defRPr sz="4400" b="0" i="0" u="none" strike="noStrike" cap="none" spc="0" baseline="0">
           <a:ln>
             <a:noFill/>
           </a:ln>
@@ -1219,7 +1243,7 @@
         <a:buFontTx/>
         <a:buChar char="•"/>
         <a:tabLst/>
-        <a:defRPr b="0" baseline="0" cap="none" i="0" spc="0" strike="noStrike" sz="3200" u="none">
+        <a:defRPr sz="3200" b="0" i="0" u="none" strike="noStrike" cap="none" spc="0" baseline="0">
           <a:ln>
             <a:noFill/>
           </a:ln>
@@ -1248,7 +1272,7 @@
         <a:buFontTx/>
         <a:buChar char="•"/>
         <a:tabLst/>
-        <a:defRPr b="0" baseline="0" cap="none" i="0" spc="0" strike="noStrike" sz="3200" u="none">
+        <a:defRPr sz="3200" b="0" i="0" u="none" strike="noStrike" cap="none" spc="0" baseline="0">
           <a:ln>
             <a:noFill/>
           </a:ln>
@@ -1277,7 +1301,7 @@
         <a:buFontTx/>
         <a:buChar char="•"/>
         <a:tabLst/>
-        <a:defRPr b="0" baseline="0" cap="none" i="0" spc="0" strike="noStrike" sz="3200" u="none">
+        <a:defRPr sz="3200" b="0" i="0" u="none" strike="noStrike" cap="none" spc="0" baseline="0">
           <a:ln>
             <a:noFill/>
           </a:ln>
@@ -1306,7 +1330,7 @@
         <a:buFontTx/>
         <a:buChar char="•"/>
         <a:tabLst/>
-        <a:defRPr b="0" baseline="0" cap="none" i="0" spc="0" strike="noStrike" sz="3200" u="none">
+        <a:defRPr sz="3200" b="0" i="0" u="none" strike="noStrike" cap="none" spc="0" baseline="0">
           <a:ln>
             <a:noFill/>
           </a:ln>
@@ -1335,7 +1359,7 @@
         <a:buFontTx/>
         <a:buChar char="•"/>
         <a:tabLst/>
-        <a:defRPr b="0" baseline="0" cap="none" i="0" spc="0" strike="noStrike" sz="3200" u="none">
+        <a:defRPr sz="3200" b="0" i="0" u="none" strike="noStrike" cap="none" spc="0" baseline="0">
           <a:ln>
             <a:noFill/>
           </a:ln>
@@ -1364,7 +1388,7 @@
         <a:buFontTx/>
         <a:buChar char="•"/>
         <a:tabLst/>
-        <a:defRPr b="0" baseline="0" cap="none" i="0" spc="0" strike="noStrike" sz="3200" u="none">
+        <a:defRPr sz="3200" b="0" i="0" u="none" strike="noStrike" cap="none" spc="0" baseline="0">
           <a:ln>
             <a:noFill/>
           </a:ln>
@@ -1393,7 +1417,7 @@
         <a:buFontTx/>
         <a:buChar char="•"/>
         <a:tabLst/>
-        <a:defRPr b="0" baseline="0" cap="none" i="0" spc="0" strike="noStrike" sz="3200" u="none">
+        <a:defRPr sz="3200" b="0" i="0" u="none" strike="noStrike" cap="none" spc="0" baseline="0">
           <a:ln>
             <a:noFill/>
           </a:ln>
@@ -1422,7 +1446,7 @@
         <a:buFontTx/>
         <a:buChar char="•"/>
         <a:tabLst/>
-        <a:defRPr b="0" baseline="0" cap="none" i="0" spc="0" strike="noStrike" sz="3200" u="none">
+        <a:defRPr sz="3200" b="0" i="0" u="none" strike="noStrike" cap="none" spc="0" baseline="0">
           <a:ln>
             <a:noFill/>
           </a:ln>
@@ -1451,7 +1475,7 @@
         <a:buFontTx/>
         <a:buChar char="•"/>
         <a:tabLst/>
-        <a:defRPr b="0" baseline="0" cap="none" i="0" spc="0" strike="noStrike" sz="3200" u="none">
+        <a:defRPr sz="3200" b="0" i="0" u="none" strike="noStrike" cap="none" spc="0" baseline="0">
           <a:ln>
             <a:noFill/>
           </a:ln>
@@ -1482,7 +1506,7 @@
         <a:buFontTx/>
         <a:buNone/>
         <a:tabLst/>
-        <a:defRPr b="0" baseline="0" cap="none" i="0" spc="0" strike="noStrike" sz="1400" u="none">
+        <a:defRPr sz="1400" b="0" i="0" u="none" strike="noStrike" cap="none" spc="0" baseline="0">
           <a:ln>
             <a:noFill/>
           </a:ln>
@@ -1511,7 +1535,7 @@
         <a:buFontTx/>
         <a:buNone/>
         <a:tabLst/>
-        <a:defRPr b="0" baseline="0" cap="none" i="0" spc="0" strike="noStrike" sz="1400" u="none">
+        <a:defRPr sz="1400" b="0" i="0" u="none" strike="noStrike" cap="none" spc="0" baseline="0">
           <a:ln>
             <a:noFill/>
           </a:ln>
@@ -1540,7 +1564,7 @@
         <a:buFontTx/>
         <a:buNone/>
         <a:tabLst/>
-        <a:defRPr b="0" baseline="0" cap="none" i="0" spc="0" strike="noStrike" sz="1400" u="none">
+        <a:defRPr sz="1400" b="0" i="0" u="none" strike="noStrike" cap="none" spc="0" baseline="0">
           <a:ln>
             <a:noFill/>
           </a:ln>
@@ -1569,7 +1593,7 @@
         <a:buFontTx/>
         <a:buNone/>
         <a:tabLst/>
-        <a:defRPr b="0" baseline="0" cap="none" i="0" spc="0" strike="noStrike" sz="1400" u="none">
+        <a:defRPr sz="1400" b="0" i="0" u="none" strike="noStrike" cap="none" spc="0" baseline="0">
           <a:ln>
             <a:noFill/>
           </a:ln>
@@ -1598,7 +1622,7 @@
         <a:buFontTx/>
         <a:buNone/>
         <a:tabLst/>
-        <a:defRPr b="0" baseline="0" cap="none" i="0" spc="0" strike="noStrike" sz="1400" u="none">
+        <a:defRPr sz="1400" b="0" i="0" u="none" strike="noStrike" cap="none" spc="0" baseline="0">
           <a:ln>
             <a:noFill/>
           </a:ln>
@@ -1627,7 +1651,7 @@
         <a:buFontTx/>
         <a:buNone/>
         <a:tabLst/>
-        <a:defRPr b="0" baseline="0" cap="none" i="0" spc="0" strike="noStrike" sz="1400" u="none">
+        <a:defRPr sz="1400" b="0" i="0" u="none" strike="noStrike" cap="none" spc="0" baseline="0">
           <a:ln>
             <a:noFill/>
           </a:ln>
@@ -1656,7 +1680,7 @@
         <a:buFontTx/>
         <a:buNone/>
         <a:tabLst/>
-        <a:defRPr b="0" baseline="0" cap="none" i="0" spc="0" strike="noStrike" sz="1400" u="none">
+        <a:defRPr sz="1400" b="0" i="0" u="none" strike="noStrike" cap="none" spc="0" baseline="0">
           <a:ln>
             <a:noFill/>
           </a:ln>
@@ -1685,7 +1709,7 @@
         <a:buFontTx/>
         <a:buNone/>
         <a:tabLst/>
-        <a:defRPr b="0" baseline="0" cap="none" i="0" spc="0" strike="noStrike" sz="1400" u="none">
+        <a:defRPr sz="1400" b="0" i="0" u="none" strike="noStrike" cap="none" spc="0" baseline="0">
           <a:ln>
             <a:noFill/>
           </a:ln>
@@ -1714,7 +1738,7 @@
         <a:buFontTx/>
         <a:buNone/>
         <a:tabLst/>
-        <a:defRPr b="0" baseline="0" cap="none" i="0" spc="0" strike="noStrike" sz="1400" u="none">
+        <a:defRPr sz="1400" b="0" i="0" u="none" strike="noStrike" cap="none" spc="0" baseline="0">
           <a:ln>
             <a:noFill/>
           </a:ln>
@@ -1734,7 +1758,7 @@
 </file>
 
 <file path=ppt/slides/slide1.xml><?xml version="1.0" encoding="utf-8"?>
-<p:sld xmlns:a="http://schemas.openxmlformats.org/drawingml/2006/main" xmlns:r="http://schemas.openxmlformats.org/officeDocument/2006/relationships" xmlns:p="http://schemas.openxmlformats.org/presentationml/2006/main" showMasterSp="1" showMasterPhAnim="1">
+<p:sld xmlns:a="http://schemas.openxmlformats.org/drawingml/2006/main" xmlns:r="http://schemas.openxmlformats.org/officeDocument/2006/relationships" xmlns:p="http://schemas.openxmlformats.org/presentationml/2006/main">
   <p:cSld>
     <p:spTree>
       <p:nvGrpSpPr>
@@ -1753,7 +1777,9 @@
       <p:sp>
         <p:nvSpPr>
           <p:cNvPr id="31" name="Shape 31"/>
-          <p:cNvSpPr/>
+          <p:cNvSpPr>
+            <a:spLocks noGrp="1"/>
+          </p:cNvSpPr>
           <p:nvPr>
             <p:ph type="title"/>
           </p:nvPr>
@@ -1769,7 +1795,7 @@
         </p:spPr>
         <p:txBody>
           <a:bodyPr lIns="45699" tIns="45699" rIns="45699" bIns="45699">
-            <a:normAutofit fontScale="100000" lnSpcReduction="0"/>
+            <a:normAutofit/>
           </a:bodyPr>
           <a:lstStyle>
             <a:lvl1pPr>
@@ -1790,7 +1816,9 @@
       <p:sp>
         <p:nvSpPr>
           <p:cNvPr id="32" name="Shape 32"/>
-          <p:cNvSpPr/>
+          <p:cNvSpPr>
+            <a:spLocks noGrp="1"/>
+          </p:cNvSpPr>
           <p:nvPr>
             <p:ph type="body" sz="quarter" idx="1"/>
           </p:nvPr>
@@ -1806,7 +1834,7 @@
         </p:spPr>
         <p:txBody>
           <a:bodyPr lIns="45699" tIns="45699" rIns="45699" bIns="45699">
-            <a:normAutofit fontScale="100000" lnSpcReduction="0"/>
+            <a:normAutofit/>
           </a:bodyPr>
           <a:lstStyle>
             <a:lvl1pPr marL="0" indent="0">
@@ -1815,7 +1843,6 @@
             </a:lvl1pPr>
           </a:lstStyle>
           <a:p>
-            <a:pPr/>
             <a:r>
               <a:t>Kartik Gopalan</a:t>
             </a:r>
@@ -1827,12 +1854,19 @@
   <p:clrMapOvr>
     <a:masterClrMapping/>
   </p:clrMapOvr>
-  <p:transition xmlns:p14="http://schemas.microsoft.com/office/powerpoint/2010/main" spd="med" advClick="1"/>
+  <p:transition spd="med"/>
+  <p:timing>
+    <p:tnLst>
+      <p:par>
+        <p:cTn id="1" dur="indefinite" restart="never" nodeType="tmRoot"/>
+      </p:par>
+    </p:tnLst>
+  </p:timing>
 </p:sld>
 </file>
 
 <file path=ppt/slides/slide10.xml><?xml version="1.0" encoding="utf-8"?>
-<p:sld xmlns:a="http://schemas.openxmlformats.org/drawingml/2006/main" xmlns:r="http://schemas.openxmlformats.org/officeDocument/2006/relationships" xmlns:p="http://schemas.openxmlformats.org/presentationml/2006/main" showMasterSp="1" showMasterPhAnim="1">
+<p:sld xmlns:a="http://schemas.openxmlformats.org/drawingml/2006/main" xmlns:r="http://schemas.openxmlformats.org/officeDocument/2006/relationships" xmlns:p="http://schemas.openxmlformats.org/presentationml/2006/main">
   <p:cSld>
     <p:spTree>
       <p:nvGrpSpPr>
@@ -1851,7 +1885,9 @@
       <p:sp>
         <p:nvSpPr>
           <p:cNvPr id="63" name="Shape 63"/>
-          <p:cNvSpPr/>
+          <p:cNvSpPr>
+            <a:spLocks noGrp="1"/>
+          </p:cNvSpPr>
           <p:nvPr>
             <p:ph type="title"/>
           </p:nvPr>
@@ -1867,7 +1903,7 @@
         </p:spPr>
         <p:txBody>
           <a:bodyPr lIns="45699" tIns="45699" rIns="45699" bIns="45699">
-            <a:normAutofit fontScale="100000" lnSpcReduction="0"/>
+            <a:normAutofit/>
           </a:bodyPr>
           <a:lstStyle>
             <a:lvl1pPr>
@@ -1888,7 +1924,9 @@
       <p:sp>
         <p:nvSpPr>
           <p:cNvPr id="64" name="Shape 64"/>
-          <p:cNvSpPr/>
+          <p:cNvSpPr>
+            <a:spLocks noGrp="1"/>
+          </p:cNvSpPr>
           <p:nvPr>
             <p:ph type="body" idx="1"/>
           </p:nvPr>
@@ -1904,7 +1942,7 @@
         </p:spPr>
         <p:txBody>
           <a:bodyPr lIns="45699" tIns="45699" rIns="45699" bIns="45699">
-            <a:normAutofit fontScale="100000" lnSpcReduction="0"/>
+            <a:normAutofit/>
           </a:bodyPr>
           <a:lstStyle/>
           <a:p>
@@ -1921,10 +1959,9 @@
               <a:rPr sz="2400"/>
               <a:t>Command line: </a:t>
             </a:r>
-            <a:endParaRPr sz="2400"/>
-          </a:p>
-          <a:p>
-            <a:pPr lvl="1" marL="661307" indent="-204107">
+          </a:p>
+          <a:p>
+            <a:pPr marL="661307" lvl="1" indent="-204107">
               <a:lnSpc>
                 <a:spcPct val="80000"/>
               </a:lnSpc>
@@ -1981,10 +2018,9 @@
               <a:rPr sz="2400"/>
               <a:t>Module code has:</a:t>
             </a:r>
-            <a:endParaRPr sz="2400"/>
-          </a:p>
-          <a:p>
-            <a:pPr lvl="1" marL="285750" indent="171450">
+          </a:p>
+          <a:p>
+            <a:pPr marL="285750" lvl="1" indent="171450">
               <a:lnSpc>
                 <a:spcPct val="80000"/>
               </a:lnSpc>
@@ -2011,7 +2047,7 @@
             </a:r>
           </a:p>
           <a:p>
-            <a:pPr lvl="1" marL="285750" indent="171450">
+            <a:pPr marL="285750" lvl="1" indent="171450">
               <a:lnSpc>
                 <a:spcPct val="80000"/>
               </a:lnSpc>
@@ -2050,7 +2086,7 @@
             </a:endParaRPr>
           </a:p>
           <a:p>
-            <a:pPr lvl="1" marL="285750" indent="171450">
+            <a:pPr marL="285750" lvl="1" indent="171450">
               <a:lnSpc>
                 <a:spcPct val="80000"/>
               </a:lnSpc>
@@ -2089,7 +2125,7 @@
             </a:r>
           </a:p>
           <a:p>
-            <a:pPr lvl="1" marL="285750" indent="171450">
+            <a:pPr marL="285750" lvl="1" indent="171450">
               <a:lnSpc>
                 <a:spcPct val="80000"/>
               </a:lnSpc>
@@ -2153,10 +2189,9 @@
               <a:rPr sz="2400"/>
               <a:t>See example module</a:t>
             </a:r>
-            <a:endParaRPr sz="2400"/>
-          </a:p>
-          <a:p>
-            <a:pPr lvl="1" marL="742950" indent="-285750">
+          </a:p>
+          <a:p>
+            <a:pPr marL="742950" lvl="1" indent="-285750">
               <a:lnSpc>
                 <a:spcPct val="80000"/>
               </a:lnSpc>
@@ -2182,12 +2217,19 @@
   <p:clrMapOvr>
     <a:masterClrMapping/>
   </p:clrMapOvr>
-  <p:transition xmlns:p14="http://schemas.microsoft.com/office/powerpoint/2010/main" spd="med" advClick="1"/>
+  <p:transition spd="med"/>
+  <p:timing>
+    <p:tnLst>
+      <p:par>
+        <p:cTn id="1" dur="indefinite" restart="never" nodeType="tmRoot"/>
+      </p:par>
+    </p:tnLst>
+  </p:timing>
 </p:sld>
 </file>
 
 <file path=ppt/slides/slide11.xml><?xml version="1.0" encoding="utf-8"?>
-<p:sld xmlns:a="http://schemas.openxmlformats.org/drawingml/2006/main" xmlns:r="http://schemas.openxmlformats.org/officeDocument/2006/relationships" xmlns:p="http://schemas.openxmlformats.org/presentationml/2006/main" showMasterSp="1" showMasterPhAnim="1">
+<p:sld xmlns:a="http://schemas.openxmlformats.org/drawingml/2006/main" xmlns:r="http://schemas.openxmlformats.org/officeDocument/2006/relationships" xmlns:p="http://schemas.openxmlformats.org/presentationml/2006/main">
   <p:cSld>
     <p:spTree>
       <p:nvGrpSpPr>
@@ -2206,7 +2248,9 @@
       <p:sp>
         <p:nvSpPr>
           <p:cNvPr id="66" name="Shape 66"/>
-          <p:cNvSpPr/>
+          <p:cNvSpPr>
+            <a:spLocks noGrp="1"/>
+          </p:cNvSpPr>
           <p:nvPr>
             <p:ph type="title"/>
           </p:nvPr>
@@ -2220,7 +2264,6 @@
           <a:bodyPr/>
           <a:lstStyle/>
           <a:p>
-            <a:pPr/>
             <a:r>
               <a:t>Implementing character devices in Linux</a:t>
             </a:r>
@@ -2230,7 +2273,9 @@
       <p:sp>
         <p:nvSpPr>
           <p:cNvPr id="67" name="Shape 67"/>
-          <p:cNvSpPr/>
+          <p:cNvSpPr>
+            <a:spLocks noGrp="1"/>
+          </p:cNvSpPr>
           <p:nvPr>
             <p:ph type="body" sz="half" idx="1"/>
           </p:nvPr>
@@ -2248,14 +2293,16 @@
           <a:bodyPr/>
           <a:lstStyle/>
           <a:p>
-            <a:pPr/>
+            <a:endParaRPr/>
           </a:p>
         </p:txBody>
       </p:sp>
       <p:sp>
         <p:nvSpPr>
           <p:cNvPr id="68" name="Shape 68"/>
-          <p:cNvSpPr/>
+          <p:cNvSpPr>
+            <a:spLocks noGrp="1"/>
+          </p:cNvSpPr>
           <p:nvPr>
             <p:ph type="sldNum" sz="quarter" idx="2"/>
           </p:nvPr>
@@ -2274,8 +2321,10 @@
           <a:bodyPr/>
           <a:lstStyle/>
           <a:p>
-            <a:pPr/>
-            <a:fld id="{86CB4B4D-7CA3-9044-876B-883B54F8677D}" type="slidenum"/>
+            <a:fld id="{86CB4B4D-7CA3-9044-876B-883B54F8677D}" type="slidenum">
+              <a:t>11</a:t>
+            </a:fld>
+            <a:endParaRPr/>
           </a:p>
         </p:txBody>
       </p:sp>
@@ -2284,12 +2333,19 @@
   <p:clrMapOvr>
     <a:masterClrMapping/>
   </p:clrMapOvr>
-  <p:transition xmlns:p14="http://schemas.microsoft.com/office/powerpoint/2010/main" spd="med" advClick="1"/>
+  <p:transition spd="med"/>
+  <p:timing>
+    <p:tnLst>
+      <p:par>
+        <p:cTn id="1" dur="indefinite" restart="never" nodeType="tmRoot"/>
+      </p:par>
+    </p:tnLst>
+  </p:timing>
 </p:sld>
 </file>
 
 <file path=ppt/slides/slide12.xml><?xml version="1.0" encoding="utf-8"?>
-<p:sld xmlns:a="http://schemas.openxmlformats.org/drawingml/2006/main" xmlns:r="http://schemas.openxmlformats.org/officeDocument/2006/relationships" xmlns:p="http://schemas.openxmlformats.org/presentationml/2006/main" showMasterSp="1" showMasterPhAnim="1">
+<p:sld xmlns:a="http://schemas.openxmlformats.org/drawingml/2006/main" xmlns:r="http://schemas.openxmlformats.org/officeDocument/2006/relationships" xmlns:p="http://schemas.openxmlformats.org/presentationml/2006/main">
   <p:cSld>
     <p:spTree>
       <p:nvGrpSpPr>
@@ -2308,7 +2364,9 @@
       <p:sp>
         <p:nvSpPr>
           <p:cNvPr id="70" name="Shape 70"/>
-          <p:cNvSpPr/>
+          <p:cNvSpPr>
+            <a:spLocks noGrp="1"/>
+          </p:cNvSpPr>
           <p:nvPr>
             <p:ph type="title"/>
           </p:nvPr>
@@ -2320,11 +2378,10 @@
         </p:spPr>
         <p:txBody>
           <a:bodyPr>
-            <a:normAutofit fontScale="100000" lnSpcReduction="0"/>
+            <a:normAutofit/>
           </a:bodyPr>
           <a:lstStyle/>
           <a:p>
-            <a:pPr/>
             <a:r>
               <a:t>Device Classification</a:t>
             </a:r>
@@ -2334,7 +2391,9 @@
       <p:sp>
         <p:nvSpPr>
           <p:cNvPr id="71" name="Shape 71"/>
-          <p:cNvSpPr/>
+          <p:cNvSpPr>
+            <a:spLocks noGrp="1"/>
+          </p:cNvSpPr>
           <p:nvPr>
             <p:ph type="body" idx="1"/>
           </p:nvPr>
@@ -2346,7 +2405,7 @@
         </p:spPr>
         <p:txBody>
           <a:bodyPr>
-            <a:normAutofit fontScale="100000" lnSpcReduction="0"/>
+            <a:normAutofit/>
           </a:bodyPr>
           <a:lstStyle/>
           <a:p>
@@ -2361,7 +2420,7 @@
             </a:r>
           </a:p>
           <a:p>
-            <a:pPr lvl="1" marL="441579" indent="-209169" defTabSz="557784">
+            <a:pPr marL="441579" lvl="1" indent="-209169" defTabSz="557784">
               <a:spcBef>
                 <a:spcPts val="300"/>
               </a:spcBef>
@@ -2372,7 +2431,7 @@
             </a:r>
           </a:p>
           <a:p>
-            <a:pPr lvl="1" marL="441579" indent="-209169" defTabSz="557784">
+            <a:pPr marL="441579" lvl="1" indent="-209169" defTabSz="557784">
               <a:spcBef>
                 <a:spcPts val="300"/>
               </a:spcBef>
@@ -2389,6 +2448,7 @@
               </a:spcBef>
               <a:defRPr sz="1952"/>
             </a:pPr>
+            <a:endParaRPr/>
           </a:p>
           <a:p>
             <a:pPr marL="195713" indent="-195713" defTabSz="557784">
@@ -2402,7 +2462,7 @@
             </a:r>
           </a:p>
           <a:p>
-            <a:pPr lvl="1" marL="441579" indent="-209169" defTabSz="557784">
+            <a:pPr marL="441579" lvl="1" indent="-209169" defTabSz="557784">
               <a:spcBef>
                 <a:spcPts val="300"/>
               </a:spcBef>
@@ -2413,7 +2473,7 @@
             </a:r>
           </a:p>
           <a:p>
-            <a:pPr lvl="1" marL="441579" indent="-209169" defTabSz="557784">
+            <a:pPr marL="441579" lvl="1" indent="-209169" defTabSz="557784">
               <a:spcBef>
                 <a:spcPts val="300"/>
               </a:spcBef>
@@ -2424,12 +2484,13 @@
             </a:r>
           </a:p>
           <a:p>
-            <a:pPr lvl="1" marL="441579" indent="-209169" defTabSz="557784">
+            <a:pPr marL="441579" lvl="1" indent="-209169" defTabSz="557784">
               <a:spcBef>
                 <a:spcPts val="300"/>
               </a:spcBef>
               <a:defRPr sz="1952"/>
             </a:pPr>
+            <a:endParaRPr/>
           </a:p>
           <a:p>
             <a:pPr marL="195713" indent="-195713" defTabSz="557784">
@@ -2443,7 +2504,7 @@
             </a:r>
           </a:p>
           <a:p>
-            <a:pPr lvl="1" marL="441579" indent="-209169" defTabSz="557784">
+            <a:pPr marL="441579" lvl="1" indent="-209169" defTabSz="557784">
               <a:spcBef>
                 <a:spcPts val="300"/>
               </a:spcBef>
@@ -2454,7 +2515,7 @@
             </a:r>
           </a:p>
           <a:p>
-            <a:pPr lvl="1" marL="441579" indent="-209169" defTabSz="557784">
+            <a:pPr marL="441579" lvl="1" indent="-209169" defTabSz="557784">
               <a:spcBef>
                 <a:spcPts val="300"/>
               </a:spcBef>
@@ -2465,7 +2526,7 @@
             </a:r>
           </a:p>
           <a:p>
-            <a:pPr lvl="1" marL="441579" indent="-209169" defTabSz="557784">
+            <a:pPr marL="441579" lvl="1" indent="-209169" defTabSz="557784">
               <a:spcBef>
                 <a:spcPts val="300"/>
               </a:spcBef>
@@ -2482,6 +2543,7 @@
               </a:spcBef>
               <a:defRPr sz="1952"/>
             </a:pPr>
+            <a:endParaRPr/>
           </a:p>
           <a:p>
             <a:pPr marL="195713" indent="-195713" defTabSz="557784">
@@ -2495,7 +2557,7 @@
             </a:r>
           </a:p>
           <a:p>
-            <a:pPr lvl="1" marL="441579" indent="-209169" defTabSz="557784">
+            <a:pPr marL="441579" lvl="1" indent="-209169" defTabSz="557784">
               <a:spcBef>
                 <a:spcPts val="300"/>
               </a:spcBef>
@@ -2506,7 +2568,7 @@
             </a:r>
           </a:p>
           <a:p>
-            <a:pPr lvl="1" marL="441579" indent="-209169" defTabSz="557784">
+            <a:pPr marL="441579" lvl="1" indent="-209169" defTabSz="557784">
               <a:spcBef>
                 <a:spcPts val="300"/>
               </a:spcBef>
@@ -2521,7 +2583,9 @@
       <p:sp>
         <p:nvSpPr>
           <p:cNvPr id="72" name="Shape 72"/>
-          <p:cNvSpPr/>
+          <p:cNvSpPr>
+            <a:spLocks noGrp="1"/>
+          </p:cNvSpPr>
           <p:nvPr>
             <p:ph type="sldNum" sz="quarter" idx="2"/>
           </p:nvPr>
@@ -2538,7 +2602,7 @@
         </p:spPr>
         <p:txBody>
           <a:bodyPr>
-            <a:normAutofit fontScale="100000" lnSpcReduction="0"/>
+            <a:normAutofit/>
           </a:bodyPr>
           <a:lstStyle/>
           <a:p>
@@ -2547,7 +2611,9 @@
             </a:pPr>
             <a:fld id="{86CB4B4D-7CA3-9044-876B-883B54F8677D}" type="slidenum">
               <a:rPr sz="1400"/>
+              <a:t>12</a:t>
             </a:fld>
+            <a:endParaRPr sz="1400"/>
           </a:p>
         </p:txBody>
       </p:sp>
@@ -2556,12 +2622,19 @@
   <p:clrMapOvr>
     <a:masterClrMapping/>
   </p:clrMapOvr>
-  <p:transition xmlns:p14="http://schemas.microsoft.com/office/powerpoint/2010/main" spd="med" advClick="1"/>
+  <p:transition spd="med"/>
+  <p:timing>
+    <p:tnLst>
+      <p:par>
+        <p:cTn id="1" dur="indefinite" restart="never" nodeType="tmRoot"/>
+      </p:par>
+    </p:tnLst>
+  </p:timing>
 </p:sld>
 </file>
 
 <file path=ppt/slides/slide13.xml><?xml version="1.0" encoding="utf-8"?>
-<p:sld xmlns:a="http://schemas.openxmlformats.org/drawingml/2006/main" xmlns:r="http://schemas.openxmlformats.org/officeDocument/2006/relationships" xmlns:p="http://schemas.openxmlformats.org/presentationml/2006/main" showMasterSp="1" showMasterPhAnim="1">
+<p:sld xmlns:a="http://schemas.openxmlformats.org/drawingml/2006/main" xmlns:r="http://schemas.openxmlformats.org/officeDocument/2006/relationships" xmlns:p="http://schemas.openxmlformats.org/presentationml/2006/main">
   <p:cSld>
     <p:spTree>
       <p:nvGrpSpPr>
@@ -2580,7 +2653,9 @@
       <p:sp>
         <p:nvSpPr>
           <p:cNvPr id="74" name="Shape 74"/>
-          <p:cNvSpPr/>
+          <p:cNvSpPr>
+            <a:spLocks noGrp="1"/>
+          </p:cNvSpPr>
           <p:nvPr>
             <p:ph type="title"/>
           </p:nvPr>
@@ -2604,7 +2679,9 @@
       <p:sp>
         <p:nvSpPr>
           <p:cNvPr id="75" name="Shape 75"/>
-          <p:cNvSpPr/>
+          <p:cNvSpPr>
+            <a:spLocks noGrp="1"/>
+          </p:cNvSpPr>
           <p:nvPr>
             <p:ph type="body" idx="1"/>
           </p:nvPr>
@@ -2618,31 +2695,28 @@
           <a:bodyPr/>
           <a:lstStyle/>
           <a:p>
-            <a:pPr/>
             <a:r>
               <a:t>These are character devices used for simple device drivers.</a:t>
             </a:r>
           </a:p>
           <a:p>
-            <a:pPr/>
-          </a:p>
-          <a:p>
-            <a:pPr/>
+            <a:endParaRPr/>
+          </a:p>
+          <a:p>
             <a:r>
               <a:t>All miscellaneous devices share a major number (10).</a:t>
             </a:r>
           </a:p>
           <a:p>
-            <a:pPr/>
-          </a:p>
-          <a:p>
-            <a:pPr/>
+            <a:endParaRPr/>
+          </a:p>
+          <a:p>
             <a:r>
               <a:t>But each device gets its own minor number</a:t>
             </a:r>
           </a:p>
           <a:p>
-            <a:pPr lvl="1" marL="381000" indent="0"/>
+            <a:pPr marL="381000" lvl="1" indent="0"/>
             <a:r>
               <a:t>Requested at registration time</a:t>
             </a:r>
@@ -2652,7 +2726,9 @@
       <p:sp>
         <p:nvSpPr>
           <p:cNvPr id="76" name="Shape 76"/>
-          <p:cNvSpPr/>
+          <p:cNvSpPr>
+            <a:spLocks noGrp="1"/>
+          </p:cNvSpPr>
           <p:nvPr>
             <p:ph type="sldNum" sz="quarter" idx="2"/>
           </p:nvPr>
@@ -2684,8 +2760,10 @@
             </a:lvl1pPr>
           </a:lstStyle>
           <a:p>
-            <a:pPr/>
-            <a:fld id="{86CB4B4D-7CA3-9044-876B-883B54F8677D}" type="slidenum"/>
+            <a:fld id="{86CB4B4D-7CA3-9044-876B-883B54F8677D}" type="slidenum">
+              <a:t>13</a:t>
+            </a:fld>
+            <a:endParaRPr/>
           </a:p>
         </p:txBody>
       </p:sp>
@@ -2694,12 +2772,19 @@
   <p:clrMapOvr>
     <a:masterClrMapping/>
   </p:clrMapOvr>
-  <p:transition xmlns:p14="http://schemas.microsoft.com/office/powerpoint/2010/main" spd="med" advClick="1"/>
+  <p:transition spd="med"/>
+  <p:timing>
+    <p:tnLst>
+      <p:par>
+        <p:cTn id="1" dur="indefinite" restart="never" nodeType="tmRoot"/>
+      </p:par>
+    </p:tnLst>
+  </p:timing>
 </p:sld>
 </file>
 
 <file path=ppt/slides/slide14.xml><?xml version="1.0" encoding="utf-8"?>
-<p:sld xmlns:a="http://schemas.openxmlformats.org/drawingml/2006/main" xmlns:r="http://schemas.openxmlformats.org/officeDocument/2006/relationships" xmlns:p="http://schemas.openxmlformats.org/presentationml/2006/main" showMasterSp="1" showMasterPhAnim="1">
+<p:sld xmlns:a="http://schemas.openxmlformats.org/drawingml/2006/main" xmlns:r="http://schemas.openxmlformats.org/officeDocument/2006/relationships" xmlns:p="http://schemas.openxmlformats.org/presentationml/2006/main">
   <p:cSld>
     <p:spTree>
       <p:nvGrpSpPr>
@@ -2718,7 +2803,9 @@
       <p:sp>
         <p:nvSpPr>
           <p:cNvPr id="78" name="Shape 78"/>
-          <p:cNvSpPr/>
+          <p:cNvSpPr>
+            <a:spLocks noGrp="1"/>
+          </p:cNvSpPr>
           <p:nvPr>
             <p:ph type="title"/>
           </p:nvPr>
@@ -2756,7 +2843,9 @@
       <p:sp>
         <p:nvSpPr>
           <p:cNvPr id="79" name="Shape 79"/>
-          <p:cNvSpPr/>
+          <p:cNvSpPr>
+            <a:spLocks noGrp="1"/>
+          </p:cNvSpPr>
           <p:nvPr>
             <p:ph type="body" idx="1"/>
           </p:nvPr>
@@ -2774,13 +2863,12 @@
           <a:bodyPr/>
           <a:lstStyle/>
           <a:p>
-            <a:pPr/>
             <a:r>
               <a:t> Step 1: Declare a device struct</a:t>
             </a:r>
           </a:p>
           <a:p>
-            <a:pPr/>
+            <a:endParaRPr/>
           </a:p>
           <a:p>
             <a:pPr marL="0" indent="0" defTabSz="457200">
@@ -2904,13 +2992,16 @@
                 <a:sym typeface="Times"/>
               </a:defRPr>
             </a:pPr>
+            <a:endParaRPr/>
           </a:p>
         </p:txBody>
       </p:sp>
       <p:sp>
         <p:nvSpPr>
           <p:cNvPr id="80" name="Shape 80"/>
-          <p:cNvSpPr/>
+          <p:cNvSpPr>
+            <a:spLocks noGrp="1"/>
+          </p:cNvSpPr>
           <p:nvPr>
             <p:ph type="sldNum" sz="quarter" idx="2"/>
           </p:nvPr>
@@ -2942,8 +3033,10 @@
             </a:lvl1pPr>
           </a:lstStyle>
           <a:p>
-            <a:pPr/>
-            <a:fld id="{86CB4B4D-7CA3-9044-876B-883B54F8677D}" type="slidenum"/>
+            <a:fld id="{86CB4B4D-7CA3-9044-876B-883B54F8677D}" type="slidenum">
+              <a:t>14</a:t>
+            </a:fld>
+            <a:endParaRPr/>
           </a:p>
         </p:txBody>
       </p:sp>
@@ -2952,12 +3045,19 @@
   <p:clrMapOvr>
     <a:masterClrMapping/>
   </p:clrMapOvr>
-  <p:transition xmlns:p14="http://schemas.microsoft.com/office/powerpoint/2010/main" spd="med" advClick="1"/>
+  <p:transition spd="med"/>
+  <p:timing>
+    <p:tnLst>
+      <p:par>
+        <p:cTn id="1" dur="indefinite" restart="never" nodeType="tmRoot"/>
+      </p:par>
+    </p:tnLst>
+  </p:timing>
 </p:sld>
 </file>
 
 <file path=ppt/slides/slide15.xml><?xml version="1.0" encoding="utf-8"?>
-<p:sld xmlns:a="http://schemas.openxmlformats.org/drawingml/2006/main" xmlns:r="http://schemas.openxmlformats.org/officeDocument/2006/relationships" xmlns:p="http://schemas.openxmlformats.org/presentationml/2006/main" showMasterSp="1" showMasterPhAnim="1">
+<p:sld xmlns:a="http://schemas.openxmlformats.org/drawingml/2006/main" xmlns:r="http://schemas.openxmlformats.org/officeDocument/2006/relationships" xmlns:p="http://schemas.openxmlformats.org/presentationml/2006/main">
   <p:cSld>
     <p:spTree>
       <p:nvGrpSpPr>
@@ -2976,7 +3076,9 @@
       <p:sp>
         <p:nvSpPr>
           <p:cNvPr id="82" name="Shape 82"/>
-          <p:cNvSpPr/>
+          <p:cNvSpPr>
+            <a:spLocks noGrp="1"/>
+          </p:cNvSpPr>
           <p:nvPr>
             <p:ph type="title"/>
           </p:nvPr>
@@ -3014,7 +3116,9 @@
       <p:sp>
         <p:nvSpPr>
           <p:cNvPr id="83" name="Shape 83"/>
-          <p:cNvSpPr/>
+          <p:cNvSpPr>
+            <a:spLocks noGrp="1"/>
+          </p:cNvSpPr>
           <p:nvPr>
             <p:ph type="body" idx="1"/>
           </p:nvPr>
@@ -3032,13 +3136,12 @@
           <a:bodyPr/>
           <a:lstStyle/>
           <a:p>
-            <a:pPr/>
             <a:r>
               <a:t> Step 2: Declare the file operations struct</a:t>
             </a:r>
           </a:p>
           <a:p>
-            <a:pPr/>
+            <a:endParaRPr/>
           </a:p>
           <a:p>
             <a:pPr marL="0" indent="0" defTabSz="457200">
@@ -3225,6 +3328,7 @@
                 <a:sym typeface="Times"/>
               </a:defRPr>
             </a:pPr>
+            <a:endParaRPr/>
           </a:p>
           <a:p>
             <a:pPr marL="0" indent="0" defTabSz="457200">
@@ -3252,7 +3356,9 @@
       <p:sp>
         <p:nvSpPr>
           <p:cNvPr id="84" name="Shape 84"/>
-          <p:cNvSpPr/>
+          <p:cNvSpPr>
+            <a:spLocks noGrp="1"/>
+          </p:cNvSpPr>
           <p:nvPr>
             <p:ph type="sldNum" sz="quarter" idx="2"/>
           </p:nvPr>
@@ -3284,8 +3390,10 @@
             </a:lvl1pPr>
           </a:lstStyle>
           <a:p>
-            <a:pPr/>
-            <a:fld id="{86CB4B4D-7CA3-9044-876B-883B54F8677D}" type="slidenum"/>
+            <a:fld id="{86CB4B4D-7CA3-9044-876B-883B54F8677D}" type="slidenum">
+              <a:t>15</a:t>
+            </a:fld>
+            <a:endParaRPr/>
           </a:p>
         </p:txBody>
       </p:sp>
@@ -3294,12 +3402,19 @@
   <p:clrMapOvr>
     <a:masterClrMapping/>
   </p:clrMapOvr>
-  <p:transition xmlns:p14="http://schemas.microsoft.com/office/powerpoint/2010/main" spd="med" advClick="1"/>
+  <p:transition spd="med"/>
+  <p:timing>
+    <p:tnLst>
+      <p:par>
+        <p:cTn id="1" dur="indefinite" restart="never" nodeType="tmRoot"/>
+      </p:par>
+    </p:tnLst>
+  </p:timing>
 </p:sld>
 </file>
 
 <file path=ppt/slides/slide16.xml><?xml version="1.0" encoding="utf-8"?>
-<p:sld xmlns:a="http://schemas.openxmlformats.org/drawingml/2006/main" xmlns:r="http://schemas.openxmlformats.org/officeDocument/2006/relationships" xmlns:p="http://schemas.openxmlformats.org/presentationml/2006/main" showMasterSp="1" showMasterPhAnim="1">
+<p:sld xmlns:a="http://schemas.openxmlformats.org/drawingml/2006/main" xmlns:r="http://schemas.openxmlformats.org/officeDocument/2006/relationships" xmlns:p="http://schemas.openxmlformats.org/presentationml/2006/main">
   <p:cSld>
     <p:spTree>
       <p:nvGrpSpPr>
@@ -3318,7 +3433,9 @@
       <p:sp>
         <p:nvSpPr>
           <p:cNvPr id="86" name="Shape 86"/>
-          <p:cNvSpPr/>
+          <p:cNvSpPr>
+            <a:spLocks noGrp="1"/>
+          </p:cNvSpPr>
           <p:nvPr>
             <p:ph type="title"/>
           </p:nvPr>
@@ -3356,7 +3473,9 @@
       <p:sp>
         <p:nvSpPr>
           <p:cNvPr id="87" name="Shape 87"/>
-          <p:cNvSpPr/>
+          <p:cNvSpPr>
+            <a:spLocks noGrp="1"/>
+          </p:cNvSpPr>
           <p:nvPr>
             <p:ph type="body" idx="1"/>
           </p:nvPr>
@@ -3374,13 +3493,12 @@
           <a:bodyPr/>
           <a:lstStyle/>
           <a:p>
-            <a:pPr/>
             <a:r>
               <a:t> Step 3: register the device with kernel</a:t>
             </a:r>
           </a:p>
           <a:p>
-            <a:pPr lvl="1" marL="381000" indent="0"/>
+            <a:pPr marL="381000" lvl="1" indent="0"/>
             <a:r>
               <a:t>usually in the module initialization code</a:t>
             </a:r>
@@ -3528,6 +3646,7 @@
                 <a:sym typeface="Times"/>
               </a:defRPr>
             </a:pPr>
+            <a:endParaRPr/>
           </a:p>
           <a:p>
             <a:pPr marL="0" indent="0" defTabSz="457200">
@@ -3567,6 +3686,7 @@
                 <a:sym typeface="Times"/>
               </a:defRPr>
             </a:pPr>
+            <a:endParaRPr/>
           </a:p>
           <a:p>
             <a:pPr marL="0" indent="0" defTabSz="457200">
@@ -3678,7 +3798,9 @@
       <p:sp>
         <p:nvSpPr>
           <p:cNvPr id="88" name="Shape 88"/>
-          <p:cNvSpPr/>
+          <p:cNvSpPr>
+            <a:spLocks noGrp="1"/>
+          </p:cNvSpPr>
           <p:nvPr>
             <p:ph type="sldNum" sz="quarter" idx="2"/>
           </p:nvPr>
@@ -3710,8 +3832,10 @@
             </a:lvl1pPr>
           </a:lstStyle>
           <a:p>
-            <a:pPr/>
-            <a:fld id="{86CB4B4D-7CA3-9044-876B-883B54F8677D}" type="slidenum"/>
+            <a:fld id="{86CB4B4D-7CA3-9044-876B-883B54F8677D}" type="slidenum">
+              <a:t>16</a:t>
+            </a:fld>
+            <a:endParaRPr/>
           </a:p>
         </p:txBody>
       </p:sp>
@@ -3720,12 +3844,19 @@
   <p:clrMapOvr>
     <a:masterClrMapping/>
   </p:clrMapOvr>
-  <p:transition xmlns:p14="http://schemas.microsoft.com/office/powerpoint/2010/main" spd="med" advClick="1"/>
+  <p:transition spd="med"/>
+  <p:timing>
+    <p:tnLst>
+      <p:par>
+        <p:cTn id="1" dur="indefinite" restart="never" nodeType="tmRoot"/>
+      </p:par>
+    </p:tnLst>
+  </p:timing>
 </p:sld>
 </file>
 
 <file path=ppt/slides/slide17.xml><?xml version="1.0" encoding="utf-8"?>
-<p:sld xmlns:a="http://schemas.openxmlformats.org/drawingml/2006/main" xmlns:r="http://schemas.openxmlformats.org/officeDocument/2006/relationships" xmlns:p="http://schemas.openxmlformats.org/presentationml/2006/main" showMasterSp="1" showMasterPhAnim="1">
+<p:sld xmlns:a="http://schemas.openxmlformats.org/drawingml/2006/main" xmlns:r="http://schemas.openxmlformats.org/officeDocument/2006/relationships" xmlns:p="http://schemas.openxmlformats.org/presentationml/2006/main">
   <p:cSld>
     <p:spTree>
       <p:nvGrpSpPr>
@@ -3744,7 +3875,9 @@
       <p:sp>
         <p:nvSpPr>
           <p:cNvPr id="90" name="Shape 90"/>
-          <p:cNvSpPr/>
+          <p:cNvSpPr>
+            <a:spLocks noGrp="1"/>
+          </p:cNvSpPr>
           <p:nvPr>
             <p:ph type="title"/>
           </p:nvPr>
@@ -3782,7 +3915,9 @@
       <p:sp>
         <p:nvSpPr>
           <p:cNvPr id="91" name="Shape 91"/>
-          <p:cNvSpPr/>
+          <p:cNvSpPr>
+            <a:spLocks noGrp="1"/>
+          </p:cNvSpPr>
           <p:nvPr>
             <p:ph type="body" idx="1"/>
           </p:nvPr>
@@ -3800,8 +3935,8 @@
           <a:bodyPr/>
           <a:lstStyle/>
           <a:p>
-            <a:pPr/>
-            <a:r>
+            <a:r>
+              <a:rPr dirty="0"/>
               <a:t> Step 4: Implement the fops functions</a:t>
             </a:r>
           </a:p>
@@ -3823,7 +3958,20 @@
               </a:defRPr>
             </a:pPr>
             <a:r>
-              <a:t>static ssize_t reverse_read(struct file *file, char __user * out, size_t size, loff_t * off)</a:t>
+              <a:rPr dirty="0"/>
+              <a:t>static ssize_t </a:t>
+            </a:r>
+            <a:r>
+              <a:rPr lang="en-US" dirty="0" smtClean="0"/>
+              <a:t>my</a:t>
+            </a:r>
+            <a:r>
+              <a:rPr dirty="0" smtClean="0"/>
+              <a:t>_read(struct </a:t>
+            </a:r>
+            <a:r>
+              <a:rPr dirty="0"/>
+              <a:t>file *file, char __user * out, size_t size, loff_t * off)</a:t>
             </a:r>
           </a:p>
           <a:p>
@@ -3844,6 +3992,7 @@
               </a:defRPr>
             </a:pPr>
             <a:r>
+              <a:rPr dirty="0"/>
               <a:t>{</a:t>
             </a:r>
           </a:p>
@@ -3864,9 +4013,10 @@
                 <a:sym typeface="Times"/>
               </a:defRPr>
             </a:pPr>
-          </a:p>
-          <a:p>
-            <a:pPr lvl="2" marL="0" indent="457200" defTabSz="457200">
+            <a:endParaRPr dirty="0"/>
+          </a:p>
+          <a:p>
+            <a:pPr marL="0" lvl="2" indent="457200" defTabSz="457200">
               <a:spcBef>
                 <a:spcPts val="0"/>
               </a:spcBef>
@@ -3883,11 +4033,12 @@
               </a:defRPr>
             </a:pPr>
             <a:r>
+              <a:rPr dirty="0"/>
               <a:t>….</a:t>
             </a:r>
           </a:p>
           <a:p>
-            <a:pPr lvl="3" marL="0" indent="685800" defTabSz="457200">
+            <a:pPr marL="0" lvl="3" indent="685800" defTabSz="457200">
               <a:spcBef>
                 <a:spcPts val="0"/>
               </a:spcBef>
@@ -3904,11 +4055,12 @@
               </a:defRPr>
             </a:pPr>
             <a:r>
+              <a:rPr dirty="0"/>
               <a:t>sprintf(buf, “Hello World\n”);</a:t>
             </a:r>
           </a:p>
           <a:p>
-            <a:pPr lvl="3" marL="0" indent="685800" defTabSz="457200">
+            <a:pPr marL="0" lvl="3" indent="685800" defTabSz="457200">
               <a:spcBef>
                 <a:spcPts val="0"/>
               </a:spcBef>
@@ -3925,11 +4077,12 @@
               </a:defRPr>
             </a:pPr>
             <a:r>
+              <a:rPr dirty="0"/>
               <a:t>copy_to_user(out, buf, strlen(buf)+1);</a:t>
             </a:r>
           </a:p>
           <a:p>
-            <a:pPr lvl="2" marL="0" indent="457200" defTabSz="457200">
+            <a:pPr marL="0" lvl="2" indent="457200" defTabSz="457200">
               <a:spcBef>
                 <a:spcPts val="0"/>
               </a:spcBef>
@@ -3946,6 +4099,7 @@
               </a:defRPr>
             </a:pPr>
             <a:r>
+              <a:rPr dirty="0"/>
               <a:t>….</a:t>
             </a:r>
           </a:p>
@@ -3967,6 +4121,7 @@
               </a:defRPr>
             </a:pPr>
             <a:r>
+              <a:rPr dirty="0"/>
               <a:t>}</a:t>
             </a:r>
           </a:p>
@@ -3987,6 +4142,7 @@
                 <a:sym typeface="Times"/>
               </a:defRPr>
             </a:pPr>
+            <a:endParaRPr dirty="0"/>
           </a:p>
           <a:p>
             <a:pPr marL="0" indent="0" defTabSz="457200">
@@ -4006,6 +4162,7 @@
               </a:defRPr>
             </a:pPr>
             <a:r>
+              <a:rPr dirty="0"/>
               <a:t>Don’t forget to </a:t>
             </a:r>
           </a:p>
@@ -4025,6 +4182,7 @@
               </a:defRPr>
             </a:pPr>
             <a:r>
+              <a:rPr dirty="0"/>
               <a:t>allocate memory for buf</a:t>
             </a:r>
           </a:p>
@@ -4044,6 +4202,7 @@
               </a:defRPr>
             </a:pPr>
             <a:r>
+              <a:rPr dirty="0"/>
               <a:t>Check if out points to a valid user memory location using access_OK()</a:t>
             </a:r>
           </a:p>
@@ -4063,6 +4222,7 @@
               </a:defRPr>
             </a:pPr>
             <a:r>
+              <a:rPr dirty="0"/>
               <a:t>check for errors during copy_to_user()</a:t>
             </a:r>
           </a:p>
@@ -4071,7 +4231,9 @@
       <p:sp>
         <p:nvSpPr>
           <p:cNvPr id="92" name="Shape 92"/>
-          <p:cNvSpPr/>
+          <p:cNvSpPr>
+            <a:spLocks noGrp="1"/>
+          </p:cNvSpPr>
           <p:nvPr>
             <p:ph type="sldNum" sz="quarter" idx="2"/>
           </p:nvPr>
@@ -4103,8 +4265,10 @@
             </a:lvl1pPr>
           </a:lstStyle>
           <a:p>
-            <a:pPr/>
-            <a:fld id="{86CB4B4D-7CA3-9044-876B-883B54F8677D}" type="slidenum"/>
+            <a:fld id="{86CB4B4D-7CA3-9044-876B-883B54F8677D}" type="slidenum">
+              <a:t>17</a:t>
+            </a:fld>
+            <a:endParaRPr/>
           </a:p>
         </p:txBody>
       </p:sp>
@@ -4113,12 +4277,19 @@
   <p:clrMapOvr>
     <a:masterClrMapping/>
   </p:clrMapOvr>
-  <p:transition xmlns:p14="http://schemas.microsoft.com/office/powerpoint/2010/main" spd="med" advClick="1"/>
+  <p:transition spd="med"/>
+  <p:timing>
+    <p:tnLst>
+      <p:par>
+        <p:cTn id="1" dur="indefinite" restart="never" nodeType="tmRoot"/>
+      </p:par>
+    </p:tnLst>
+  </p:timing>
 </p:sld>
 </file>
 
 <file path=ppt/slides/slide18.xml><?xml version="1.0" encoding="utf-8"?>
-<p:sld xmlns:a="http://schemas.openxmlformats.org/drawingml/2006/main" xmlns:r="http://schemas.openxmlformats.org/officeDocument/2006/relationships" xmlns:p="http://schemas.openxmlformats.org/presentationml/2006/main" showMasterSp="1" showMasterPhAnim="1">
+<p:sld xmlns:a="http://schemas.openxmlformats.org/drawingml/2006/main" xmlns:r="http://schemas.openxmlformats.org/officeDocument/2006/relationships" xmlns:p="http://schemas.openxmlformats.org/presentationml/2006/main">
   <p:cSld>
     <p:spTree>
       <p:nvGrpSpPr>
@@ -4137,7 +4308,9 @@
       <p:sp>
         <p:nvSpPr>
           <p:cNvPr id="94" name="Shape 94"/>
-          <p:cNvSpPr/>
+          <p:cNvSpPr>
+            <a:spLocks noGrp="1"/>
+          </p:cNvSpPr>
           <p:nvPr>
             <p:ph type="title"/>
           </p:nvPr>
@@ -4153,7 +4326,7 @@
         </p:spPr>
         <p:txBody>
           <a:bodyPr lIns="45699" tIns="45699" rIns="45699" bIns="45699">
-            <a:normAutofit fontScale="100000" lnSpcReduction="0"/>
+            <a:normAutofit/>
           </a:bodyPr>
           <a:lstStyle>
             <a:lvl1pPr>
@@ -4174,7 +4347,9 @@
       <p:sp>
         <p:nvSpPr>
           <p:cNvPr id="95" name="Shape 95"/>
-          <p:cNvSpPr/>
+          <p:cNvSpPr>
+            <a:spLocks noGrp="1"/>
+          </p:cNvSpPr>
           <p:nvPr>
             <p:ph type="body" idx="1"/>
           </p:nvPr>
@@ -4190,7 +4365,7 @@
         </p:spPr>
         <p:txBody>
           <a:bodyPr lIns="45699" tIns="45699" rIns="45699" bIns="45699">
-            <a:normAutofit fontScale="100000" lnSpcReduction="0"/>
+            <a:normAutofit/>
           </a:bodyPr>
           <a:lstStyle/>
           <a:p>
@@ -4206,7 +4381,6 @@
               <a:rPr sz="1800"/>
               <a:t>http://en.wikipedia.org/wiki/Gpl</a:t>
             </a:r>
-            <a:endParaRPr sz="1800"/>
           </a:p>
           <a:p>
             <a:pPr marL="0" indent="0">
@@ -4234,7 +4408,6 @@
               <a:rPr sz="1800"/>
               <a:t>Basis for all of the GNU software  development, including Linux </a:t>
             </a:r>
-            <a:endParaRPr sz="1800"/>
           </a:p>
           <a:p>
             <a:pPr marL="0" indent="0">
@@ -4262,7 +4435,6 @@
               <a:rPr sz="1800"/>
               <a:t>Allows users to modify software as they see the need </a:t>
             </a:r>
-            <a:endParaRPr sz="1800"/>
           </a:p>
           <a:p>
             <a:pPr marL="0" indent="0">
@@ -4277,7 +4449,6 @@
               <a:rPr sz="1800"/>
               <a:t>Requires source code be distributed with binaries </a:t>
             </a:r>
-            <a:endParaRPr sz="1800"/>
           </a:p>
           <a:p>
             <a:pPr marL="0" indent="0">
@@ -4300,7 +4471,7 @@
             </a:endParaRPr>
           </a:p>
           <a:p>
-            <a:pPr lvl="1" marL="791935" indent="-220435">
+            <a:pPr marL="791935" lvl="1" indent="-220435">
               <a:buFont typeface="Courier New"/>
               <a:buChar char="o"/>
               <a:defRPr sz="2800">
@@ -4333,7 +4504,7 @@
                 <a:ea typeface="Comic Sans MS"/>
                 <a:cs typeface="Comic Sans MS"/>
                 <a:sym typeface="Comic Sans MS"/>
-                <a:hlinkClick r:id="rId2" invalidUrl="" action="" tgtFrame="" tooltip="" history="1" highlightClick="0" endSnd="0"/>
+                <a:hlinkClick r:id="rId2"/>
               </a:rPr>
               <a:t>http://lwn.net/Articles/154602/</a:t>
             </a:r>
@@ -4366,12 +4537,19 @@
   <p:clrMapOvr>
     <a:masterClrMapping/>
   </p:clrMapOvr>
-  <p:transition xmlns:p14="http://schemas.microsoft.com/office/powerpoint/2010/main" spd="med" advClick="1"/>
+  <p:transition spd="med"/>
+  <p:timing>
+    <p:tnLst>
+      <p:par>
+        <p:cTn id="1" dur="indefinite" restart="never" nodeType="tmRoot"/>
+      </p:par>
+    </p:tnLst>
+  </p:timing>
 </p:sld>
 </file>
 
 <file path=ppt/slides/slide2.xml><?xml version="1.0" encoding="utf-8"?>
-<p:sld xmlns:a="http://schemas.openxmlformats.org/drawingml/2006/main" xmlns:r="http://schemas.openxmlformats.org/officeDocument/2006/relationships" xmlns:p="http://schemas.openxmlformats.org/presentationml/2006/main" showMasterSp="1" showMasterPhAnim="1">
+<p:sld xmlns:a="http://schemas.openxmlformats.org/drawingml/2006/main" xmlns:r="http://schemas.openxmlformats.org/officeDocument/2006/relationships" xmlns:p="http://schemas.openxmlformats.org/presentationml/2006/main">
   <p:cSld>
     <p:spTree>
       <p:nvGrpSpPr>
@@ -4390,7 +4568,9 @@
       <p:sp>
         <p:nvSpPr>
           <p:cNvPr id="34" name="Shape 34"/>
-          <p:cNvSpPr/>
+          <p:cNvSpPr>
+            <a:spLocks noGrp="1"/>
+          </p:cNvSpPr>
           <p:nvPr>
             <p:ph type="title"/>
           </p:nvPr>
@@ -4406,7 +4586,7 @@
         </p:spPr>
         <p:txBody>
           <a:bodyPr lIns="45699" tIns="45699" rIns="45699" bIns="45699">
-            <a:normAutofit fontScale="100000" lnSpcReduction="0"/>
+            <a:normAutofit/>
           </a:bodyPr>
           <a:lstStyle>
             <a:lvl1pPr>
@@ -4427,7 +4607,9 @@
       <p:sp>
         <p:nvSpPr>
           <p:cNvPr id="35" name="Shape 35"/>
-          <p:cNvSpPr/>
+          <p:cNvSpPr>
+            <a:spLocks noGrp="1"/>
+          </p:cNvSpPr>
           <p:nvPr>
             <p:ph type="body" idx="1"/>
           </p:nvPr>
@@ -4443,7 +4625,7 @@
         </p:spPr>
         <p:txBody>
           <a:bodyPr lIns="45699" tIns="45699" rIns="45699" bIns="45699">
-            <a:normAutofit fontScale="100000" lnSpcReduction="0"/>
+            <a:normAutofit/>
           </a:bodyPr>
           <a:lstStyle/>
           <a:p>
@@ -4457,7 +4639,6 @@
               <a:rPr sz="2800"/>
               <a:t>Allow code to be added to the kernel, dynamically </a:t>
             </a:r>
-            <a:endParaRPr sz="2800"/>
           </a:p>
           <a:p>
             <a:pPr marL="0" indent="120650">
@@ -4477,7 +4658,6 @@
               <a:rPr sz="2800"/>
               <a:t>Only those modules that are needed are loaded. Unload when no longer required - frees up memory and other resources</a:t>
             </a:r>
-            <a:endParaRPr sz="2800"/>
           </a:p>
           <a:p>
             <a:pPr marL="0" indent="120650">
@@ -4497,7 +4677,6 @@
               <a:rPr sz="2800"/>
               <a:t>Reduces kernel size.</a:t>
             </a:r>
-            <a:endParaRPr sz="2800"/>
           </a:p>
           <a:p>
             <a:pPr marL="0" indent="0">
@@ -4528,12 +4707,19 @@
   <p:clrMapOvr>
     <a:masterClrMapping/>
   </p:clrMapOvr>
-  <p:transition xmlns:p14="http://schemas.microsoft.com/office/powerpoint/2010/main" spd="med" advClick="1"/>
+  <p:transition spd="med"/>
+  <p:timing>
+    <p:tnLst>
+      <p:par>
+        <p:cTn id="1" dur="indefinite" restart="never" nodeType="tmRoot"/>
+      </p:par>
+    </p:tnLst>
+  </p:timing>
 </p:sld>
 </file>
 
 <file path=ppt/slides/slide3.xml><?xml version="1.0" encoding="utf-8"?>
-<p:sld xmlns:a="http://schemas.openxmlformats.org/drawingml/2006/main" xmlns:r="http://schemas.openxmlformats.org/officeDocument/2006/relationships" xmlns:p="http://schemas.openxmlformats.org/presentationml/2006/main" showMasterSp="1" showMasterPhAnim="1">
+<p:sld xmlns:a="http://schemas.openxmlformats.org/drawingml/2006/main" xmlns:r="http://schemas.openxmlformats.org/officeDocument/2006/relationships" xmlns:p="http://schemas.openxmlformats.org/presentationml/2006/main">
   <p:cSld>
     <p:spTree>
       <p:nvGrpSpPr>
@@ -4552,7 +4738,9 @@
       <p:sp>
         <p:nvSpPr>
           <p:cNvPr id="37" name="Shape 37"/>
-          <p:cNvSpPr/>
+          <p:cNvSpPr>
+            <a:spLocks noGrp="1"/>
+          </p:cNvSpPr>
           <p:nvPr>
             <p:ph type="title"/>
           </p:nvPr>
@@ -4568,7 +4756,7 @@
         </p:spPr>
         <p:txBody>
           <a:bodyPr lIns="45699" tIns="45699" rIns="45699" bIns="45699">
-            <a:normAutofit fontScale="100000" lnSpcReduction="0"/>
+            <a:normAutofit/>
           </a:bodyPr>
           <a:lstStyle>
             <a:lvl1pPr>
@@ -4620,12 +4808,19 @@
   <p:clrMapOvr>
     <a:masterClrMapping/>
   </p:clrMapOvr>
-  <p:transition xmlns:p14="http://schemas.microsoft.com/office/powerpoint/2010/main" spd="med" advClick="1"/>
+  <p:transition spd="med"/>
+  <p:timing>
+    <p:tnLst>
+      <p:par>
+        <p:cTn id="1" dur="indefinite" restart="never" nodeType="tmRoot"/>
+      </p:par>
+    </p:tnLst>
+  </p:timing>
 </p:sld>
 </file>
 
 <file path=ppt/slides/slide4.xml><?xml version="1.0" encoding="utf-8"?>
-<p:sld xmlns:a="http://schemas.openxmlformats.org/drawingml/2006/main" xmlns:r="http://schemas.openxmlformats.org/officeDocument/2006/relationships" xmlns:p="http://schemas.openxmlformats.org/presentationml/2006/main" showMasterSp="1" showMasterPhAnim="1">
+<p:sld xmlns:a="http://schemas.openxmlformats.org/drawingml/2006/main" xmlns:r="http://schemas.openxmlformats.org/officeDocument/2006/relationships" xmlns:p="http://schemas.openxmlformats.org/presentationml/2006/main">
   <p:cSld>
     <p:spTree>
       <p:nvGrpSpPr>
@@ -4644,7 +4839,9 @@
       <p:sp>
         <p:nvSpPr>
           <p:cNvPr id="40" name="Shape 40"/>
-          <p:cNvSpPr/>
+          <p:cNvSpPr>
+            <a:spLocks noGrp="1"/>
+          </p:cNvSpPr>
           <p:nvPr>
             <p:ph type="title"/>
           </p:nvPr>
@@ -4660,7 +4857,7 @@
         </p:spPr>
         <p:txBody>
           <a:bodyPr lIns="45699" tIns="45699" rIns="45699" bIns="45699">
-            <a:normAutofit fontScale="100000" lnSpcReduction="0"/>
+            <a:normAutofit/>
           </a:bodyPr>
           <a:lstStyle>
             <a:lvl1pPr>
@@ -4681,7 +4878,9 @@
       <p:sp>
         <p:nvSpPr>
           <p:cNvPr id="41" name="Shape 41"/>
-          <p:cNvSpPr/>
+          <p:cNvSpPr>
+            <a:spLocks noGrp="1"/>
+          </p:cNvSpPr>
           <p:nvPr>
             <p:ph type="body" idx="1"/>
           </p:nvPr>
@@ -4697,7 +4896,7 @@
         </p:spPr>
         <p:txBody>
           <a:bodyPr lIns="45699" tIns="45699" rIns="45699" bIns="45699">
-            <a:normAutofit fontScale="100000" lnSpcReduction="0"/>
+            <a:normAutofit/>
           </a:bodyPr>
           <a:lstStyle/>
           <a:p>
@@ -4712,6 +4911,7 @@
               <a:defRPr sz="2500"/>
             </a:pPr>
             <a:r>
+              <a:rPr dirty="0"/>
               <a:t>http://oscourse.github.io/examples/module/</a:t>
             </a:r>
           </a:p>
@@ -4726,7 +4926,7 @@
               <a:buSzTx/>
               <a:buNone/>
             </a:pPr>
-            <a:endParaRPr sz="1600"/>
+            <a:endParaRPr sz="1600" dirty="0"/>
           </a:p>
           <a:p>
             <a:pPr marL="0" indent="0">
@@ -4740,10 +4940,9 @@
               <a:buNone/>
             </a:pPr>
             <a:r>
-              <a:rPr sz="1600"/>
+              <a:rPr sz="1600" dirty="0"/>
               <a:t>#include &lt;linux/init.h&gt;</a:t>
             </a:r>
-            <a:endParaRPr sz="1600"/>
           </a:p>
           <a:p>
             <a:pPr marL="0" indent="0">
@@ -4757,10 +4956,9 @@
               <a:buNone/>
             </a:pPr>
             <a:r>
-              <a:rPr sz="1600"/>
+              <a:rPr sz="1600" dirty="0"/>
               <a:t>#include &lt;linux/module.h&gt;</a:t>
             </a:r>
-            <a:endParaRPr sz="1600"/>
           </a:p>
           <a:p>
             <a:pPr marL="0" indent="0">
@@ -4774,10 +4972,9 @@
               <a:buNone/>
             </a:pPr>
             <a:r>
-              <a:rPr sz="1600"/>
+              <a:rPr sz="1600" dirty="0"/>
               <a:t>MODULE_LICENSE("DUAL BSD/GPL");</a:t>
             </a:r>
-            <a:endParaRPr sz="1600"/>
           </a:p>
           <a:p>
             <a:pPr marL="0" indent="0">
@@ -4791,10 +4988,9 @@
               <a:buNone/>
             </a:pPr>
             <a:r>
-              <a:rPr sz="1600"/>
+              <a:rPr sz="1600" dirty="0"/>
               <a:t>// called when module is installed</a:t>
             </a:r>
-            <a:endParaRPr sz="1600"/>
           </a:p>
           <a:p>
             <a:pPr marL="0" indent="0">
@@ -4808,11 +5004,11 @@
               <a:buNone/>
             </a:pPr>
             <a:r>
-              <a:rPr sz="1600"/>
+              <a:rPr sz="1600" dirty="0"/>
               <a:t>int </a:t>
             </a:r>
             <a:r>
-              <a:rPr sz="1600">
+              <a:rPr sz="1600" dirty="0">
                 <a:solidFill>
                   <a:srgbClr val="0000FF"/>
                 </a:solidFill>
@@ -4820,11 +5016,11 @@
               <a:t>__init</a:t>
             </a:r>
             <a:r>
-              <a:rPr sz="1600"/>
+              <a:rPr sz="1600" dirty="0"/>
               <a:t> </a:t>
             </a:r>
             <a:r>
-              <a:rPr sz="1600">
+              <a:rPr sz="1600" dirty="0">
                 <a:solidFill>
                   <a:srgbClr val="FF0000"/>
                 </a:solidFill>
@@ -4832,10 +5028,9 @@
               <a:t>hello_init</a:t>
             </a:r>
             <a:r>
-              <a:rPr sz="1600"/>
+              <a:rPr sz="1600" dirty="0"/>
               <a:t>()</a:t>
             </a:r>
-            <a:endParaRPr sz="1600"/>
           </a:p>
           <a:p>
             <a:pPr marL="0" indent="0">
@@ -4849,10 +5044,9 @@
               <a:buNone/>
             </a:pPr>
             <a:r>
-              <a:rPr sz="1600"/>
+              <a:rPr sz="1600" dirty="0"/>
               <a:t>{</a:t>
             </a:r>
-            <a:endParaRPr sz="1600"/>
           </a:p>
           <a:p>
             <a:pPr marL="0" indent="0">
@@ -4866,10 +5060,9 @@
               <a:buNone/>
             </a:pPr>
             <a:r>
-              <a:rPr sz="1600"/>
+              <a:rPr sz="1600" dirty="0"/>
               <a:t>        printk(KERN_ALERT "mymodule: Hello World!\n");        </a:t>
             </a:r>
-            <a:endParaRPr sz="1600"/>
           </a:p>
           <a:p>
             <a:pPr marL="0" indent="0">
@@ -4883,10 +5076,9 @@
               <a:buNone/>
             </a:pPr>
             <a:r>
-              <a:rPr sz="1600"/>
+              <a:rPr sz="1600" dirty="0"/>
               <a:t>        return 0;</a:t>
             </a:r>
-            <a:endParaRPr sz="1600"/>
           </a:p>
           <a:p>
             <a:pPr marL="0" indent="0">
@@ -4900,17 +5092,16 @@
               <a:buNone/>
             </a:pPr>
             <a:r>
-              <a:rPr sz="1600"/>
+              <a:rPr sz="1600" dirty="0"/>
               <a:t>}</a:t>
             </a:r>
-            <a:endParaRPr sz="1600"/>
           </a:p>
           <a:p>
             <a:pPr marL="0" indent="120650">
               <a:buSzTx/>
               <a:buNone/>
             </a:pPr>
-            <a:endParaRPr sz="1600"/>
+            <a:endParaRPr sz="1600" dirty="0"/>
           </a:p>
           <a:p>
             <a:pPr marL="0" indent="0">
@@ -4924,10 +5115,9 @@
               <a:buNone/>
             </a:pPr>
             <a:r>
-              <a:rPr sz="1600"/>
+              <a:rPr sz="1600" dirty="0"/>
               <a:t>// called when module is removed</a:t>
             </a:r>
-            <a:endParaRPr sz="1600"/>
           </a:p>
           <a:p>
             <a:pPr marL="0" indent="0">
@@ -4941,11 +5131,11 @@
               <a:buNone/>
             </a:pPr>
             <a:r>
-              <a:rPr sz="1600"/>
+              <a:rPr sz="1600" dirty="0"/>
               <a:t>void __exit </a:t>
             </a:r>
             <a:r>
-              <a:rPr sz="1600">
+              <a:rPr sz="1600" dirty="0">
                 <a:solidFill>
                   <a:srgbClr val="FF0000"/>
                 </a:solidFill>
@@ -4953,10 +5143,9 @@
               <a:t>hello_exit</a:t>
             </a:r>
             <a:r>
-              <a:rPr sz="1600"/>
+              <a:rPr sz="1600" dirty="0"/>
               <a:t>()</a:t>
             </a:r>
-            <a:endParaRPr sz="1600"/>
           </a:p>
           <a:p>
             <a:pPr marL="0" indent="0">
@@ -4970,10 +5159,9 @@
               <a:buNone/>
             </a:pPr>
             <a:r>
-              <a:rPr sz="1600"/>
+              <a:rPr sz="1600" dirty="0"/>
               <a:t>{</a:t>
             </a:r>
-            <a:endParaRPr sz="1600"/>
           </a:p>
           <a:p>
             <a:pPr marL="0" indent="0">
@@ -4987,10 +5175,9 @@
               <a:buNone/>
             </a:pPr>
             <a:r>
-              <a:rPr sz="1600"/>
+              <a:rPr sz="1600" dirty="0"/>
               <a:t>        printk(KERN_ALERT "mymodule: Goodbye, cruel world!!\n");</a:t>
             </a:r>
-            <a:endParaRPr sz="1600"/>
           </a:p>
           <a:p>
             <a:pPr marL="0" indent="0">
@@ -5004,10 +5191,9 @@
               <a:buNone/>
             </a:pPr>
             <a:r>
-              <a:rPr sz="1600"/>
+              <a:rPr sz="1600" dirty="0"/>
               <a:t>}</a:t>
             </a:r>
-            <a:endParaRPr sz="1600"/>
           </a:p>
           <a:p>
             <a:pPr marL="0" indent="0">
@@ -5020,7 +5206,7 @@
               <a:buSzTx/>
               <a:buNone/>
             </a:pPr>
-            <a:endParaRPr sz="1600"/>
+            <a:endParaRPr sz="1600" dirty="0"/>
           </a:p>
           <a:p>
             <a:pPr marL="0" indent="0">
@@ -5031,10 +5217,9 @@
               <a:buNone/>
             </a:pPr>
             <a:r>
-              <a:rPr sz="1600"/>
+              <a:rPr sz="1600" dirty="0"/>
               <a:t>module_init(hello_init);</a:t>
             </a:r>
-            <a:endParaRPr sz="1600"/>
           </a:p>
           <a:p>
             <a:pPr marL="0" indent="0">
@@ -5045,7 +5230,7 @@
               <a:buNone/>
             </a:pPr>
             <a:r>
-              <a:rPr sz="1600"/>
+              <a:rPr sz="1600" dirty="0"/>
               <a:t>module_exit(hello_exit);</a:t>
             </a:r>
           </a:p>
@@ -5056,12 +5241,19 @@
   <p:clrMapOvr>
     <a:masterClrMapping/>
   </p:clrMapOvr>
-  <p:transition xmlns:p14="http://schemas.microsoft.com/office/powerpoint/2010/main" spd="med" advClick="1"/>
+  <p:transition spd="med"/>
+  <p:timing>
+    <p:tnLst>
+      <p:par>
+        <p:cTn id="1" dur="indefinite" restart="never" nodeType="tmRoot"/>
+      </p:par>
+    </p:tnLst>
+  </p:timing>
 </p:sld>
 </file>
 
 <file path=ppt/slides/slide5.xml><?xml version="1.0" encoding="utf-8"?>
-<p:sld xmlns:a="http://schemas.openxmlformats.org/drawingml/2006/main" xmlns:r="http://schemas.openxmlformats.org/officeDocument/2006/relationships" xmlns:p="http://schemas.openxmlformats.org/presentationml/2006/main" showMasterSp="1" showMasterPhAnim="1">
+<p:sld xmlns:a="http://schemas.openxmlformats.org/drawingml/2006/main" xmlns:r="http://schemas.openxmlformats.org/officeDocument/2006/relationships" xmlns:p="http://schemas.openxmlformats.org/presentationml/2006/main">
   <p:cSld>
     <p:spTree>
       <p:nvGrpSpPr>
@@ -5080,7 +5272,9 @@
       <p:sp>
         <p:nvSpPr>
           <p:cNvPr id="43" name="Shape 43"/>
-          <p:cNvSpPr/>
+          <p:cNvSpPr>
+            <a:spLocks noGrp="1"/>
+          </p:cNvSpPr>
           <p:nvPr>
             <p:ph type="title"/>
           </p:nvPr>
@@ -5096,7 +5290,7 @@
         </p:spPr>
         <p:txBody>
           <a:bodyPr>
-            <a:normAutofit fontScale="100000" lnSpcReduction="0"/>
+            <a:normAutofit/>
           </a:bodyPr>
           <a:lstStyle>
             <a:lvl1pPr>
@@ -5117,7 +5311,9 @@
       <p:sp>
         <p:nvSpPr>
           <p:cNvPr id="44" name="Shape 44"/>
-          <p:cNvSpPr/>
+          <p:cNvSpPr>
+            <a:spLocks noGrp="1"/>
+          </p:cNvSpPr>
           <p:nvPr>
             <p:ph type="body" idx="1"/>
           </p:nvPr>
@@ -5133,7 +5329,7 @@
         </p:spPr>
         <p:txBody>
           <a:bodyPr>
-            <a:normAutofit fontScale="100000" lnSpcReduction="0"/>
+            <a:normAutofit/>
           </a:bodyPr>
           <a:lstStyle/>
           <a:p>
@@ -5155,15 +5351,9 @@
               </a:rPr>
               <a:t>Makefile</a:t>
             </a:r>
-            <a:endParaRPr sz="1800">
-              <a:latin typeface="Calibri"/>
-              <a:ea typeface="Calibri"/>
-              <a:cs typeface="Calibri"/>
-              <a:sym typeface="Calibri"/>
-            </a:endParaRPr>
-          </a:p>
-          <a:p>
-            <a:pPr lvl="1" marL="801007" indent="-204107">
+          </a:p>
+          <a:p>
+            <a:pPr marL="801007" lvl="1" indent="-204107">
               <a:spcBef>
                 <a:spcPts val="0"/>
               </a:spcBef>
@@ -5194,7 +5384,7 @@
             </a:r>
           </a:p>
           <a:p>
-            <a:pPr lvl="1" marL="801007" indent="-204107">
+            <a:pPr marL="801007" lvl="1" indent="-204107">
               <a:spcBef>
                 <a:spcPts val="0"/>
               </a:spcBef>
@@ -5273,15 +5463,9 @@
               </a:rPr>
               <a:t>Compiling:</a:t>
             </a:r>
-            <a:endParaRPr sz="1800">
-              <a:latin typeface="Calibri"/>
-              <a:ea typeface="Calibri"/>
-              <a:cs typeface="Calibri"/>
-              <a:sym typeface="Calibri"/>
-            </a:endParaRPr>
-          </a:p>
-          <a:p>
-            <a:pPr lvl="2" marL="1292225" indent="-238125">
+          </a:p>
+          <a:p>
+            <a:pPr marL="1292225" lvl="2" indent="-238125">
               <a:spcBef>
                 <a:spcPts val="0"/>
               </a:spcBef>
@@ -5354,15 +5538,9 @@
               </a:rPr>
               <a:t>More details on kernel Makefiles</a:t>
             </a:r>
-            <a:endParaRPr sz="1800">
-              <a:latin typeface="Calibri"/>
-              <a:ea typeface="Calibri"/>
-              <a:cs typeface="Calibri"/>
-              <a:sym typeface="Calibri"/>
-            </a:endParaRPr>
-          </a:p>
-          <a:p>
-            <a:pPr lvl="1" marL="801007" indent="-204107">
+          </a:p>
+          <a:p>
+            <a:pPr marL="801007" lvl="1" indent="-204107">
               <a:spcBef>
                 <a:spcPts val="0"/>
               </a:spcBef>
@@ -5388,15 +5566,9 @@
               </a:rPr>
               <a:t>https://www.kernel.org/doc/Documentation/kbuild/makefiles.txt </a:t>
             </a:r>
-            <a:endParaRPr sz="1800">
-              <a:latin typeface="Calibri"/>
-              <a:ea typeface="Calibri"/>
-              <a:cs typeface="Calibri"/>
-              <a:sym typeface="Calibri"/>
-            </a:endParaRPr>
-          </a:p>
-          <a:p>
-            <a:pPr lvl="1" marL="823685" indent="-226785">
+          </a:p>
+          <a:p>
+            <a:pPr marL="823685" lvl="1" indent="-226785">
               <a:spcBef>
                 <a:spcPts val="0"/>
               </a:spcBef>
@@ -5424,12 +5596,19 @@
   <p:clrMapOvr>
     <a:masterClrMapping/>
   </p:clrMapOvr>
-  <p:transition xmlns:p14="http://schemas.microsoft.com/office/powerpoint/2010/main" spd="med" advClick="1"/>
+  <p:transition spd="med"/>
+  <p:timing>
+    <p:tnLst>
+      <p:par>
+        <p:cTn id="1" dur="indefinite" restart="never" nodeType="tmRoot"/>
+      </p:par>
+    </p:tnLst>
+  </p:timing>
 </p:sld>
 </file>
 
 <file path=ppt/slides/slide6.xml><?xml version="1.0" encoding="utf-8"?>
-<p:sld xmlns:a="http://schemas.openxmlformats.org/drawingml/2006/main" xmlns:r="http://schemas.openxmlformats.org/officeDocument/2006/relationships" xmlns:p="http://schemas.openxmlformats.org/presentationml/2006/main" showMasterSp="1" showMasterPhAnim="1">
+<p:sld xmlns:a="http://schemas.openxmlformats.org/drawingml/2006/main" xmlns:r="http://schemas.openxmlformats.org/officeDocument/2006/relationships" xmlns:p="http://schemas.openxmlformats.org/presentationml/2006/main">
   <p:cSld>
     <p:spTree>
       <p:nvGrpSpPr>
@@ -5448,7 +5627,9 @@
       <p:sp>
         <p:nvSpPr>
           <p:cNvPr id="46" name="Shape 46"/>
-          <p:cNvSpPr/>
+          <p:cNvSpPr>
+            <a:spLocks noGrp="1"/>
+          </p:cNvSpPr>
           <p:nvPr>
             <p:ph type="title"/>
           </p:nvPr>
@@ -5464,7 +5645,7 @@
         </p:spPr>
         <p:txBody>
           <a:bodyPr lIns="45699" tIns="45699" rIns="45699" bIns="45699">
-            <a:normAutofit fontScale="100000" lnSpcReduction="0"/>
+            <a:normAutofit/>
           </a:bodyPr>
           <a:lstStyle>
             <a:lvl1pPr>
@@ -5485,7 +5666,9 @@
       <p:sp>
         <p:nvSpPr>
           <p:cNvPr id="47" name="Shape 47"/>
-          <p:cNvSpPr/>
+          <p:cNvSpPr>
+            <a:spLocks noGrp="1"/>
+          </p:cNvSpPr>
           <p:nvPr>
             <p:ph type="body" idx="1"/>
           </p:nvPr>
@@ -5501,7 +5684,7 @@
         </p:spPr>
         <p:txBody>
           <a:bodyPr lIns="45699" tIns="45699" rIns="45699" bIns="45699">
-            <a:normAutofit fontScale="100000" lnSpcReduction="0"/>
+            <a:normAutofit/>
           </a:bodyPr>
           <a:lstStyle/>
           <a:p>
@@ -5526,10 +5709,9 @@
               <a:rPr sz="2000"/>
               <a:t> </a:t>
             </a:r>
-            <a:endParaRPr sz="2000"/>
-          </a:p>
-          <a:p>
-            <a:pPr lvl="1" marL="801007" indent="-204107">
+          </a:p>
+          <a:p>
+            <a:pPr marL="801007" lvl="1" indent="-204107">
               <a:lnSpc>
                 <a:spcPct val="80000"/>
               </a:lnSpc>
@@ -5547,7 +5729,7 @@
             </a:r>
           </a:p>
           <a:p>
-            <a:pPr lvl="1" marL="801007" indent="-204107">
+            <a:pPr marL="801007" lvl="1" indent="-204107">
               <a:lnSpc>
                 <a:spcPct val="80000"/>
               </a:lnSpc>
@@ -5565,7 +5747,7 @@
             </a:r>
           </a:p>
           <a:p>
-            <a:pPr lvl="1" marL="801007" indent="-204107">
+            <a:pPr marL="801007" lvl="1" indent="-204107">
               <a:lnSpc>
                 <a:spcPct val="80000"/>
               </a:lnSpc>
@@ -5583,7 +5765,7 @@
             </a:r>
           </a:p>
           <a:p>
-            <a:pPr lvl="1" marL="801007" indent="-204107">
+            <a:pPr marL="801007" lvl="1" indent="-204107">
               <a:lnSpc>
                 <a:spcPct val="80000"/>
               </a:lnSpc>
@@ -5601,7 +5783,7 @@
             </a:r>
           </a:p>
           <a:p>
-            <a:pPr lvl="1" marL="801007" indent="-204107">
+            <a:pPr marL="801007" lvl="1" indent="-204107">
               <a:lnSpc>
                 <a:spcPct val="80000"/>
               </a:lnSpc>
@@ -5619,7 +5801,7 @@
             </a:r>
           </a:p>
           <a:p>
-            <a:pPr lvl="1" marL="801007" indent="-204107">
+            <a:pPr marL="801007" lvl="1" indent="-204107">
               <a:lnSpc>
                 <a:spcPct val="80000"/>
               </a:lnSpc>
@@ -5661,14 +5843,9 @@
               </a:rPr>
               <a:t>modprobe hello.ko</a:t>
             </a:r>
-            <a:endParaRPr sz="2000">
-              <a:solidFill>
-                <a:srgbClr val="0000FF"/>
-              </a:solidFill>
-            </a:endParaRPr>
-          </a:p>
-          <a:p>
-            <a:pPr lvl="1" marL="801007" indent="-204107">
+          </a:p>
+          <a:p>
+            <a:pPr marL="801007" lvl="1" indent="-204107">
               <a:lnSpc>
                 <a:spcPct val="80000"/>
               </a:lnSpc>
@@ -5720,10 +5897,9 @@
               <a:rPr sz="2000"/>
               <a:t> </a:t>
             </a:r>
-            <a:endParaRPr sz="2000"/>
-          </a:p>
-          <a:p>
-            <a:pPr lvl="1" marL="801007" indent="-204107">
+          </a:p>
+          <a:p>
+            <a:pPr marL="801007" lvl="1" indent="-204107">
               <a:lnSpc>
                 <a:spcPct val="80000"/>
               </a:lnSpc>
@@ -5741,7 +5917,7 @@
             </a:r>
           </a:p>
           <a:p>
-            <a:pPr lvl="1" marL="801007" indent="-204107">
+            <a:pPr marL="801007" lvl="1" indent="-204107">
               <a:lnSpc>
                 <a:spcPct val="80000"/>
               </a:lnSpc>
@@ -5759,7 +5935,7 @@
             </a:r>
           </a:p>
           <a:p>
-            <a:pPr lvl="1" marL="914400" indent="-317500">
+            <a:pPr marL="914400" lvl="1" indent="-317500">
               <a:lnSpc>
                 <a:spcPct val="80000"/>
               </a:lnSpc>
@@ -5790,14 +5966,9 @@
               </a:rPr>
               <a:t>lsmod </a:t>
             </a:r>
-            <a:endParaRPr sz="2000">
-              <a:solidFill>
-                <a:srgbClr val="0000FF"/>
-              </a:solidFill>
-            </a:endParaRPr>
-          </a:p>
-          <a:p>
-            <a:pPr lvl="1" marL="801007" indent="-204107">
+          </a:p>
+          <a:p>
+            <a:pPr marL="801007" lvl="1" indent="-204107">
               <a:lnSpc>
                 <a:spcPct val="80000"/>
               </a:lnSpc>
@@ -5815,7 +5986,7 @@
             </a:r>
           </a:p>
           <a:p>
-            <a:pPr lvl="1" marL="801007" indent="-204107">
+            <a:pPr marL="801007" lvl="1" indent="-204107">
               <a:lnSpc>
                 <a:spcPct val="80000"/>
               </a:lnSpc>
@@ -5839,12 +6010,19 @@
   <p:clrMapOvr>
     <a:masterClrMapping/>
   </p:clrMapOvr>
-  <p:transition xmlns:p14="http://schemas.microsoft.com/office/powerpoint/2010/main" spd="med" advClick="1"/>
+  <p:transition spd="med"/>
+  <p:timing>
+    <p:tnLst>
+      <p:par>
+        <p:cTn id="1" dur="indefinite" restart="never" nodeType="tmRoot"/>
+      </p:par>
+    </p:tnLst>
+  </p:timing>
 </p:sld>
 </file>
 
 <file path=ppt/slides/slide7.xml><?xml version="1.0" encoding="utf-8"?>
-<p:sld xmlns:a="http://schemas.openxmlformats.org/drawingml/2006/main" xmlns:r="http://schemas.openxmlformats.org/officeDocument/2006/relationships" xmlns:p="http://schemas.openxmlformats.org/presentationml/2006/main" showMasterSp="1" showMasterPhAnim="1">
+<p:sld xmlns:a="http://schemas.openxmlformats.org/drawingml/2006/main" xmlns:r="http://schemas.openxmlformats.org/officeDocument/2006/relationships" xmlns:p="http://schemas.openxmlformats.org/presentationml/2006/main">
   <p:cSld>
     <p:spTree>
       <p:nvGrpSpPr>
@@ -5863,7 +6041,9 @@
       <p:sp>
         <p:nvSpPr>
           <p:cNvPr id="49" name="Shape 49"/>
-          <p:cNvSpPr/>
+          <p:cNvSpPr>
+            <a:spLocks noGrp="1"/>
+          </p:cNvSpPr>
           <p:nvPr>
             <p:ph type="title"/>
           </p:nvPr>
@@ -5879,7 +6059,7 @@
         </p:spPr>
         <p:txBody>
           <a:bodyPr lIns="45699" tIns="45699" rIns="45699" bIns="45699">
-            <a:normAutofit fontScale="100000" lnSpcReduction="0"/>
+            <a:normAutofit/>
           </a:bodyPr>
           <a:lstStyle>
             <a:lvl1pPr>
@@ -5900,7 +6080,9 @@
       <p:sp>
         <p:nvSpPr>
           <p:cNvPr id="50" name="Shape 50"/>
-          <p:cNvSpPr/>
+          <p:cNvSpPr>
+            <a:spLocks noGrp="1"/>
+          </p:cNvSpPr>
           <p:nvPr>
             <p:ph type="body" idx="1"/>
           </p:nvPr>
@@ -5916,7 +6098,7 @@
         </p:spPr>
         <p:txBody>
           <a:bodyPr lIns="45699" tIns="45699" rIns="45699" bIns="45699">
-            <a:normAutofit fontScale="100000" lnSpcReduction="0"/>
+            <a:normAutofit/>
           </a:bodyPr>
           <a:lstStyle/>
           <a:p>
@@ -5934,10 +6116,9 @@
               <a:rPr sz="1870"/>
               <a:t>Modules can call other kernel functions</a:t>
             </a:r>
-            <a:endParaRPr sz="1870"/>
-          </a:p>
-          <a:p>
-            <a:pPr lvl="1" marL="719409" indent="-212044" defTabSz="777240">
+          </a:p>
+          <a:p>
+            <a:pPr marL="719409" lvl="1" indent="-212044" defTabSz="777240">
               <a:lnSpc>
                 <a:spcPct val="80000"/>
               </a:lnSpc>
@@ -5963,15 +6144,9 @@
               </a:rPr>
               <a:t>Such as printk, kmalloc, kfree etc.</a:t>
             </a:r>
-            <a:endParaRPr sz="1870">
-              <a:latin typeface="Comic Sans MS"/>
-              <a:ea typeface="Comic Sans MS"/>
-              <a:cs typeface="Comic Sans MS"/>
-              <a:sym typeface="Comic Sans MS"/>
-            </a:endParaRPr>
-          </a:p>
-          <a:p>
-            <a:pPr lvl="1" marL="719409" indent="-212044" defTabSz="777240">
+          </a:p>
+          <a:p>
+            <a:pPr marL="719409" lvl="1" indent="-212044" defTabSz="777240">
               <a:lnSpc>
                 <a:spcPct val="80000"/>
               </a:lnSpc>
@@ -5997,15 +6172,9 @@
               </a:rPr>
               <a:t>But only the functions that are EXPORTed by the kernel</a:t>
             </a:r>
-            <a:endParaRPr sz="1870">
-              <a:latin typeface="Comic Sans MS"/>
-              <a:ea typeface="Comic Sans MS"/>
-              <a:cs typeface="Comic Sans MS"/>
-              <a:sym typeface="Comic Sans MS"/>
-            </a:endParaRPr>
-          </a:p>
-          <a:p>
-            <a:pPr lvl="2" marL="1067548" indent="-212044" defTabSz="777240">
+          </a:p>
+          <a:p>
+            <a:pPr marL="1067548" lvl="2" indent="-212044" defTabSz="777240">
               <a:lnSpc>
                 <a:spcPct val="80000"/>
               </a:lnSpc>
@@ -6061,10 +6230,9 @@
               <a:rPr sz="1870"/>
               <a:t>Modules (or any kernel code for that matter) cannot call user-space library functions</a:t>
             </a:r>
-            <a:endParaRPr sz="1870"/>
-          </a:p>
-          <a:p>
-            <a:pPr lvl="1" marL="719409" indent="-212044" defTabSz="777240">
+          </a:p>
+          <a:p>
+            <a:pPr marL="719409" lvl="1" indent="-212044" defTabSz="777240">
               <a:lnSpc>
                 <a:spcPct val="80000"/>
               </a:lnSpc>
@@ -6120,10 +6288,9 @@
               <a:rPr sz="1870"/>
               <a:t>Modules should not include standard header files</a:t>
             </a:r>
-            <a:endParaRPr sz="1870"/>
-          </a:p>
-          <a:p>
-            <a:pPr lvl="1" marL="719409" indent="-212044" defTabSz="777240">
+          </a:p>
+          <a:p>
+            <a:pPr marL="719409" lvl="1" indent="-212044" defTabSz="777240">
               <a:lnSpc>
                 <a:spcPct val="80000"/>
               </a:lnSpc>
@@ -6176,10 +6343,9 @@
               <a:rPr sz="1870"/>
               <a:t>Segmentation fault may be harmless in user space</a:t>
             </a:r>
-            <a:endParaRPr sz="1870"/>
-          </a:p>
-          <a:p>
-            <a:pPr lvl="1" marL="719409" indent="-212044" defTabSz="777240">
+          </a:p>
+          <a:p>
+            <a:pPr marL="719409" lvl="1" indent="-212044" defTabSz="777240">
               <a:lnSpc>
                 <a:spcPct val="80000"/>
               </a:lnSpc>
@@ -6232,10 +6398,9 @@
               <a:rPr sz="1870"/>
               <a:t>Version Dependency:</a:t>
             </a:r>
-            <a:endParaRPr sz="1870"/>
-          </a:p>
-          <a:p>
-            <a:pPr lvl="1" marL="719409" indent="-212044" defTabSz="777240">
+          </a:p>
+          <a:p>
+            <a:pPr marL="719409" lvl="1" indent="-212044" defTabSz="777240">
               <a:lnSpc>
                 <a:spcPct val="80000"/>
               </a:lnSpc>
@@ -6269,12 +6434,19 @@
   <p:clrMapOvr>
     <a:masterClrMapping/>
   </p:clrMapOvr>
-  <p:transition xmlns:p14="http://schemas.microsoft.com/office/powerpoint/2010/main" spd="med" advClick="1"/>
+  <p:transition spd="med"/>
+  <p:timing>
+    <p:tnLst>
+      <p:par>
+        <p:cTn id="1" dur="indefinite" restart="never" nodeType="tmRoot"/>
+      </p:par>
+    </p:tnLst>
+  </p:timing>
 </p:sld>
 </file>
 
 <file path=ppt/slides/slide8.xml><?xml version="1.0" encoding="utf-8"?>
-<p:sld xmlns:a="http://schemas.openxmlformats.org/drawingml/2006/main" xmlns:r="http://schemas.openxmlformats.org/officeDocument/2006/relationships" xmlns:p="http://schemas.openxmlformats.org/presentationml/2006/main" showMasterSp="1" showMasterPhAnim="1">
+<p:sld xmlns:a="http://schemas.openxmlformats.org/drawingml/2006/main" xmlns:r="http://schemas.openxmlformats.org/officeDocument/2006/relationships" xmlns:p="http://schemas.openxmlformats.org/presentationml/2006/main">
   <p:cSld>
     <p:spTree>
       <p:nvGrpSpPr>
@@ -6293,7 +6465,9 @@
       <p:sp>
         <p:nvSpPr>
           <p:cNvPr id="52" name="Shape 52"/>
-          <p:cNvSpPr/>
+          <p:cNvSpPr>
+            <a:spLocks noGrp="1"/>
+          </p:cNvSpPr>
           <p:nvPr>
             <p:ph type="title"/>
           </p:nvPr>
@@ -6309,7 +6483,7 @@
         </p:spPr>
         <p:txBody>
           <a:bodyPr lIns="45699" tIns="45699" rIns="45699" bIns="45699">
-            <a:normAutofit fontScale="100000" lnSpcReduction="0"/>
+            <a:normAutofit/>
           </a:bodyPr>
           <a:lstStyle>
             <a:lvl1pPr>
@@ -6330,7 +6504,9 @@
       <p:sp>
         <p:nvSpPr>
           <p:cNvPr id="53" name="Shape 53"/>
-          <p:cNvSpPr/>
+          <p:cNvSpPr>
+            <a:spLocks noGrp="1"/>
+          </p:cNvSpPr>
           <p:nvPr>
             <p:ph type="body" idx="1"/>
           </p:nvPr>
@@ -6346,7 +6522,7 @@
         </p:spPr>
         <p:txBody>
           <a:bodyPr lIns="45699" tIns="45699" rIns="45699" bIns="45699">
-            <a:normAutofit fontScale="100000" lnSpcReduction="0"/>
+            <a:normAutofit/>
           </a:bodyPr>
           <a:lstStyle/>
           <a:p>
@@ -6364,10 +6540,9 @@
               <a:rPr sz="2156"/>
               <a:t>Many processes could try to access your module concurrently.</a:t>
             </a:r>
-            <a:endParaRPr sz="2156"/>
-          </a:p>
-          <a:p>
-            <a:pPr lvl="1" marL="829436" indent="-244474" defTabSz="896111">
+          </a:p>
+          <a:p>
+            <a:pPr marL="829436" lvl="1" indent="-244474" defTabSz="896111">
               <a:lnSpc>
                 <a:spcPct val="80000"/>
               </a:lnSpc>
@@ -6413,10 +6588,9 @@
               <a:rPr sz="2156"/>
               <a:t>Device interrupts can trigger Interrupt Service Routines (ISR)</a:t>
             </a:r>
-            <a:endParaRPr sz="2156"/>
-          </a:p>
-          <a:p>
-            <a:pPr lvl="1" marL="829436" indent="-244474" defTabSz="896111">
+          </a:p>
+          <a:p>
+            <a:pPr marL="829436" lvl="1" indent="-244474" defTabSz="896111">
               <a:lnSpc>
                 <a:spcPct val="80000"/>
               </a:lnSpc>
@@ -6462,7 +6636,6 @@
               <a:rPr sz="2156"/>
               <a:t>Kernel timers can concurrently execute with your module and access common data.</a:t>
             </a:r>
-            <a:endParaRPr sz="2156"/>
           </a:p>
           <a:p>
             <a:pPr marL="0" indent="0" defTabSz="896111">
@@ -6505,7 +6678,6 @@
               <a:rPr sz="2156"/>
               <a:t>(not just concurrently).</a:t>
             </a:r>
-            <a:endParaRPr sz="2156"/>
           </a:p>
           <a:p>
             <a:pPr marL="0" indent="0" defTabSz="896111">
@@ -6544,14 +6716,9 @@
               </a:rPr>
               <a:t>re-enterant</a:t>
             </a:r>
-            <a:endParaRPr sz="2156">
-              <a:solidFill>
-                <a:srgbClr val="0000FF"/>
-              </a:solidFill>
-            </a:endParaRPr>
-          </a:p>
-          <a:p>
-            <a:pPr lvl="1" marL="829436" indent="-244474" defTabSz="896111">
+          </a:p>
+          <a:p>
+            <a:pPr marL="829436" lvl="1" indent="-244474" defTabSz="896111">
               <a:lnSpc>
                 <a:spcPct val="80000"/>
               </a:lnSpc>
@@ -6575,12 +6742,19 @@
   <p:clrMapOvr>
     <a:masterClrMapping/>
   </p:clrMapOvr>
-  <p:transition xmlns:p14="http://schemas.microsoft.com/office/powerpoint/2010/main" spd="med" advClick="1"/>
+  <p:transition spd="med"/>
+  <p:timing>
+    <p:tnLst>
+      <p:par>
+        <p:cTn id="1" dur="indefinite" restart="never" nodeType="tmRoot"/>
+      </p:par>
+    </p:tnLst>
+  </p:timing>
 </p:sld>
 </file>
 
 <file path=ppt/slides/slide9.xml><?xml version="1.0" encoding="utf-8"?>
-<p:sld xmlns:a="http://schemas.openxmlformats.org/drawingml/2006/main" xmlns:r="http://schemas.openxmlformats.org/officeDocument/2006/relationships" xmlns:p="http://schemas.openxmlformats.org/presentationml/2006/main" showMasterSp="1" showMasterPhAnim="1">
+<p:sld xmlns:a="http://schemas.openxmlformats.org/drawingml/2006/main" xmlns:r="http://schemas.openxmlformats.org/officeDocument/2006/relationships" xmlns:p="http://schemas.openxmlformats.org/presentationml/2006/main">
   <p:cSld>
     <p:spTree>
       <p:nvGrpSpPr>
@@ -6628,7 +6802,9 @@
       <p:sp>
         <p:nvSpPr>
           <p:cNvPr id="56" name="Shape 56"/>
-          <p:cNvSpPr/>
+          <p:cNvSpPr>
+            <a:spLocks noGrp="1"/>
+          </p:cNvSpPr>
           <p:nvPr>
             <p:ph type="title"/>
           </p:nvPr>
@@ -6640,7 +6816,7 @@
         </p:spPr>
         <p:txBody>
           <a:bodyPr lIns="45699" tIns="45699" rIns="45699" bIns="45699">
-            <a:normAutofit fontScale="100000" lnSpcReduction="0"/>
+            <a:normAutofit/>
           </a:bodyPr>
           <a:lstStyle>
             <a:lvl1pPr>
@@ -6683,7 +6859,7 @@
           <a:bodyPr lIns="45719" rIns="45719" anchor="ctr"/>
           <a:lstStyle/>
           <a:p>
-            <a:pPr/>
+            <a:endParaRPr/>
           </a:p>
         </p:txBody>
       </p:sp>
@@ -6741,14 +6917,16 @@
           <a:bodyPr lIns="45719" rIns="45719" anchor="ctr"/>
           <a:lstStyle/>
           <a:p>
-            <a:pPr/>
+            <a:endParaRPr/>
           </a:p>
         </p:txBody>
       </p:sp>
       <p:sp>
         <p:nvSpPr>
           <p:cNvPr id="60" name="Shape 60"/>
-          <p:cNvSpPr/>
+          <p:cNvSpPr>
+            <a:spLocks noGrp="1"/>
+          </p:cNvSpPr>
           <p:nvPr>
             <p:ph type="body" sz="quarter" idx="1"/>
           </p:nvPr>
@@ -6764,7 +6942,7 @@
         </p:spPr>
         <p:txBody>
           <a:bodyPr lIns="45699" tIns="45699" rIns="45699" bIns="45699">
-            <a:normAutofit fontScale="100000" lnSpcReduction="0"/>
+            <a:normAutofit/>
           </a:bodyPr>
           <a:lstStyle/>
           <a:p>
@@ -6790,15 +6968,6 @@
               </a:rPr>
               <a:t>In case of failure to go ahead; undo every registration activity</a:t>
             </a:r>
-            <a:endParaRPr sz="2064">
-              <a:solidFill>
-                <a:srgbClr val="0000FF"/>
-              </a:solidFill>
-              <a:latin typeface="Calibri"/>
-              <a:ea typeface="Calibri"/>
-              <a:cs typeface="Calibri"/>
-              <a:sym typeface="Calibri"/>
-            </a:endParaRPr>
           </a:p>
           <a:p>
             <a:pPr marL="324929" indent="-204787" defTabSz="786384">
@@ -6829,7 +6998,9 @@
       <p:sp>
         <p:nvSpPr>
           <p:cNvPr id="61" name="Shape 61"/>
-          <p:cNvSpPr/>
+          <p:cNvSpPr>
+            <a:spLocks noGrp="1"/>
+          </p:cNvSpPr>
           <p:nvPr>
             <p:ph type="sldNum" sz="quarter" idx="2"/>
           </p:nvPr>
@@ -6848,8 +7019,10 @@
           <a:bodyPr/>
           <a:lstStyle/>
           <a:p>
-            <a:pPr/>
-            <a:fld id="{86CB4B4D-7CA3-9044-876B-883B54F8677D}" type="slidenum"/>
+            <a:fld id="{86CB4B4D-7CA3-9044-876B-883B54F8677D}" type="slidenum">
+              <a:t>9</a:t>
+            </a:fld>
+            <a:endParaRPr/>
           </a:p>
         </p:txBody>
       </p:sp>
@@ -6858,12 +7031,19 @@
   <p:clrMapOvr>
     <a:masterClrMapping/>
   </p:clrMapOvr>
-  <p:transition xmlns:p14="http://schemas.microsoft.com/office/powerpoint/2010/main" spd="med" advClick="1"/>
+  <p:transition spd="med"/>
+  <p:timing>
+    <p:tnLst>
+      <p:par>
+        <p:cTn id="1" dur="indefinite" restart="never" nodeType="tmRoot"/>
+      </p:par>
+    </p:tnLst>
+  </p:timing>
 </p:sld>
 </file>
 
 <file path=ppt/theme/theme1.xml><?xml version="1.0" encoding="utf-8"?>
-<a:theme xmlns:a="http://schemas.openxmlformats.org/drawingml/2006/main" xmlns:r="http://schemas.openxmlformats.org/officeDocument/2006/relationships" name="Default">
+<a:theme xmlns:a="http://schemas.openxmlformats.org/drawingml/2006/main" name="Default">
   <a:themeElements>
     <a:clrScheme name="Default">
       <a:dk1>
@@ -6989,7 +7169,7 @@
       <a:effectStyleLst>
         <a:effectStyle>
           <a:effectLst>
-            <a:outerShdw sx="100000" sy="100000" kx="0" ky="0" algn="b" rotWithShape="0" blurRad="38100" dist="23000" dir="5400000">
+            <a:outerShdw blurRad="38100" dist="23000" dir="5400000" rotWithShape="0">
               <a:srgbClr val="000000">
                 <a:alpha val="35000"/>
               </a:srgbClr>
@@ -6998,7 +7178,7 @@
         </a:effectStyle>
         <a:effectStyle>
           <a:effectLst>
-            <a:outerShdw sx="100000" sy="100000" kx="0" ky="0" algn="b" rotWithShape="0" blurRad="38100" dist="23000" dir="5400000">
+            <a:outerShdw blurRad="38100" dist="23000" dir="5400000" rotWithShape="0">
               <a:srgbClr val="000000">
                 <a:alpha val="35000"/>
               </a:srgbClr>
@@ -7007,7 +7187,7 @@
         </a:effectStyle>
         <a:effectStyle>
           <a:effectLst>
-            <a:outerShdw sx="100000" sy="100000" kx="0" ky="0" algn="b" rotWithShape="0" blurRad="38100" dist="20000" dir="5400000">
+            <a:outerShdw blurRad="38100" dist="20000" dir="5400000" rotWithShape="0">
               <a:srgbClr val="000000">
                 <a:alpha val="38000"/>
               </a:srgbClr>
@@ -7083,7 +7263,7 @@
           <a:bevel/>
         </a:ln>
         <a:effectLst>
-          <a:outerShdw sx="100000" sy="100000" kx="0" ky="0" algn="b" rotWithShape="0" blurRad="38100" dist="23000" dir="5400000">
+          <a:outerShdw blurRad="38100" dist="23000" dir="5400000" rotWithShape="0">
             <a:srgbClr val="000000">
               <a:alpha val="35000"/>
             </a:srgbClr>
@@ -7091,7 +7271,7 @@
         </a:effectLst>
         <a:sp3d/>
       </a:spPr>
-      <a:bodyPr rot="0" spcFirstLastPara="1" vertOverflow="overflow" horzOverflow="overflow" vert="horz" wrap="square" lIns="45719" tIns="45719" rIns="45719" bIns="45719" numCol="1" spcCol="38100" rtlCol="0" anchor="ctr" upright="0">
+      <a:bodyPr rot="0" spcFirstLastPara="1" vertOverflow="overflow" horzOverflow="overflow" vert="horz" wrap="square" lIns="45719" tIns="45719" rIns="45719" bIns="45719" numCol="1" spcCol="38100" rtlCol="0" anchor="ctr">
         <a:spAutoFit/>
       </a:bodyPr>
       <a:lstStyle>
@@ -7110,7 +7290,7 @@
           <a:buFontTx/>
           <a:buNone/>
           <a:tabLst/>
-          <a:defRPr b="0" baseline="0" cap="none" i="0" spc="0" strike="noStrike" sz="1400" u="none" kumimoji="0" normalizeH="0">
+          <a:defRPr kumimoji="0" sz="1400" b="0" i="0" u="none" strike="noStrike" cap="none" spc="0" normalizeH="0" baseline="0">
             <a:ln>
               <a:noFill/>
             </a:ln>
@@ -7140,7 +7320,7 @@
           <a:buFontTx/>
           <a:buNone/>
           <a:tabLst/>
-          <a:defRPr b="0" baseline="0" cap="none" i="0" spc="0" strike="noStrike" sz="1800" u="none" kumimoji="0" normalizeH="0">
+          <a:defRPr kumimoji="0" sz="1800" b="0" i="0" u="none" strike="noStrike" cap="none" spc="0" normalizeH="0" baseline="0">
             <a:ln>
               <a:noFill/>
             </a:ln>
@@ -7166,7 +7346,7 @@
           <a:buFontTx/>
           <a:buNone/>
           <a:tabLst/>
-          <a:defRPr b="0" baseline="0" cap="none" i="0" spc="0" strike="noStrike" sz="1800" u="none" kumimoji="0" normalizeH="0">
+          <a:defRPr kumimoji="0" sz="1800" b="0" i="0" u="none" strike="noStrike" cap="none" spc="0" normalizeH="0" baseline="0">
             <a:ln>
               <a:noFill/>
             </a:ln>
@@ -7192,7 +7372,7 @@
           <a:buFontTx/>
           <a:buNone/>
           <a:tabLst/>
-          <a:defRPr b="0" baseline="0" cap="none" i="0" spc="0" strike="noStrike" sz="1800" u="none" kumimoji="0" normalizeH="0">
+          <a:defRPr kumimoji="0" sz="1800" b="0" i="0" u="none" strike="noStrike" cap="none" spc="0" normalizeH="0" baseline="0">
             <a:ln>
               <a:noFill/>
             </a:ln>
@@ -7218,7 +7398,7 @@
           <a:buFontTx/>
           <a:buNone/>
           <a:tabLst/>
-          <a:defRPr b="0" baseline="0" cap="none" i="0" spc="0" strike="noStrike" sz="1800" u="none" kumimoji="0" normalizeH="0">
+          <a:defRPr kumimoji="0" sz="1800" b="0" i="0" u="none" strike="noStrike" cap="none" spc="0" normalizeH="0" baseline="0">
             <a:ln>
               <a:noFill/>
             </a:ln>
@@ -7244,7 +7424,7 @@
           <a:buFontTx/>
           <a:buNone/>
           <a:tabLst/>
-          <a:defRPr b="0" baseline="0" cap="none" i="0" spc="0" strike="noStrike" sz="1800" u="none" kumimoji="0" normalizeH="0">
+          <a:defRPr kumimoji="0" sz="1800" b="0" i="0" u="none" strike="noStrike" cap="none" spc="0" normalizeH="0" baseline="0">
             <a:ln>
               <a:noFill/>
             </a:ln>
@@ -7270,7 +7450,7 @@
           <a:buFontTx/>
           <a:buNone/>
           <a:tabLst/>
-          <a:defRPr b="0" baseline="0" cap="none" i="0" spc="0" strike="noStrike" sz="1800" u="none" kumimoji="0" normalizeH="0">
+          <a:defRPr kumimoji="0" sz="1800" b="0" i="0" u="none" strike="noStrike" cap="none" spc="0" normalizeH="0" baseline="0">
             <a:ln>
               <a:noFill/>
             </a:ln>
@@ -7296,7 +7476,7 @@
           <a:buFontTx/>
           <a:buNone/>
           <a:tabLst/>
-          <a:defRPr b="0" baseline="0" cap="none" i="0" spc="0" strike="noStrike" sz="1800" u="none" kumimoji="0" normalizeH="0">
+          <a:defRPr kumimoji="0" sz="1800" b="0" i="0" u="none" strike="noStrike" cap="none" spc="0" normalizeH="0" baseline="0">
             <a:ln>
               <a:noFill/>
             </a:ln>
@@ -7322,7 +7502,7 @@
           <a:buFontTx/>
           <a:buNone/>
           <a:tabLst/>
-          <a:defRPr b="0" baseline="0" cap="none" i="0" spc="0" strike="noStrike" sz="1800" u="none" kumimoji="0" normalizeH="0">
+          <a:defRPr kumimoji="0" sz="1800" b="0" i="0" u="none" strike="noStrike" cap="none" spc="0" normalizeH="0" baseline="0">
             <a:ln>
               <a:noFill/>
             </a:ln>
@@ -7348,7 +7528,7 @@
           <a:buFontTx/>
           <a:buNone/>
           <a:tabLst/>
-          <a:defRPr b="0" baseline="0" cap="none" i="0" spc="0" strike="noStrike" sz="1800" u="none" kumimoji="0" normalizeH="0">
+          <a:defRPr kumimoji="0" sz="1800" b="0" i="0" u="none" strike="noStrike" cap="none" spc="0" normalizeH="0" baseline="0">
             <a:ln>
               <a:noFill/>
             </a:ln>
@@ -7361,9 +7541,15 @@
         </a:lvl9pPr>
       </a:lstStyle>
       <a:style>
-        <a:lnRef idx="0"/>
-        <a:fillRef idx="0"/>
-        <a:effectRef idx="0"/>
+        <a:lnRef idx="0">
+          <a:scrgbClr r="0" g="0" b="0"/>
+        </a:lnRef>
+        <a:fillRef idx="0">
+          <a:scrgbClr r="0" g="0" b="0"/>
+        </a:fillRef>
+        <a:effectRef idx="0">
+          <a:scrgbClr r="0" g="0" b="0"/>
+        </a:effectRef>
         <a:fontRef idx="none"/>
       </a:style>
     </a:spDef>
@@ -7378,7 +7564,7 @@
           <a:bevel/>
         </a:ln>
         <a:effectLst>
-          <a:outerShdw sx="100000" sy="100000" kx="0" ky="0" algn="b" rotWithShape="0" blurRad="38100" dist="20000" dir="5400000">
+          <a:outerShdw blurRad="38100" dist="20000" dir="5400000" rotWithShape="0">
             <a:srgbClr val="000000">
               <a:alpha val="38000"/>
             </a:srgbClr>
@@ -7386,7 +7572,7 @@
         </a:effectLst>
         <a:sp3d/>
       </a:spPr>
-      <a:bodyPr rot="0" spcFirstLastPara="1" vertOverflow="overflow" horzOverflow="overflow" vert="horz" wrap="square" lIns="91439" tIns="45719" rIns="91439" bIns="45719" numCol="1" spcCol="38100" rtlCol="0" anchor="t" upright="0">
+      <a:bodyPr rot="0" spcFirstLastPara="1" vertOverflow="overflow" horzOverflow="overflow" vert="horz" wrap="square" lIns="91439" tIns="45719" rIns="91439" bIns="45719" numCol="1" spcCol="38100" rtlCol="0" anchor="t">
         <a:noAutofit/>
       </a:bodyPr>
       <a:lstStyle>
@@ -7405,7 +7591,7 @@
           <a:buFontTx/>
           <a:buNone/>
           <a:tabLst/>
-          <a:defRPr b="0" baseline="0" cap="none" i="0" spc="0" strike="noStrike" sz="1800" u="none" kumimoji="0" normalizeH="0">
+          <a:defRPr kumimoji="0" sz="1800" b="0" i="0" u="none" strike="noStrike" cap="none" spc="0" normalizeH="0" baseline="0">
             <a:ln>
               <a:noFill/>
             </a:ln>
@@ -7431,7 +7617,7 @@
           <a:buFontTx/>
           <a:buNone/>
           <a:tabLst/>
-          <a:defRPr b="0" baseline="0" cap="none" i="0" spc="0" strike="noStrike" sz="1800" u="none" kumimoji="0" normalizeH="0">
+          <a:defRPr kumimoji="0" sz="1800" b="0" i="0" u="none" strike="noStrike" cap="none" spc="0" normalizeH="0" baseline="0">
             <a:ln>
               <a:noFill/>
             </a:ln>
@@ -7457,7 +7643,7 @@
           <a:buFontTx/>
           <a:buNone/>
           <a:tabLst/>
-          <a:defRPr b="0" baseline="0" cap="none" i="0" spc="0" strike="noStrike" sz="1800" u="none" kumimoji="0" normalizeH="0">
+          <a:defRPr kumimoji="0" sz="1800" b="0" i="0" u="none" strike="noStrike" cap="none" spc="0" normalizeH="0" baseline="0">
             <a:ln>
               <a:noFill/>
             </a:ln>
@@ -7483,7 +7669,7 @@
           <a:buFontTx/>
           <a:buNone/>
           <a:tabLst/>
-          <a:defRPr b="0" baseline="0" cap="none" i="0" spc="0" strike="noStrike" sz="1800" u="none" kumimoji="0" normalizeH="0">
+          <a:defRPr kumimoji="0" sz="1800" b="0" i="0" u="none" strike="noStrike" cap="none" spc="0" normalizeH="0" baseline="0">
             <a:ln>
               <a:noFill/>
             </a:ln>
@@ -7509,7 +7695,7 @@
           <a:buFontTx/>
           <a:buNone/>
           <a:tabLst/>
-          <a:defRPr b="0" baseline="0" cap="none" i="0" spc="0" strike="noStrike" sz="1800" u="none" kumimoji="0" normalizeH="0">
+          <a:defRPr kumimoji="0" sz="1800" b="0" i="0" u="none" strike="noStrike" cap="none" spc="0" normalizeH="0" baseline="0">
             <a:ln>
               <a:noFill/>
             </a:ln>
@@ -7535,7 +7721,7 @@
           <a:buFontTx/>
           <a:buNone/>
           <a:tabLst/>
-          <a:defRPr b="0" baseline="0" cap="none" i="0" spc="0" strike="noStrike" sz="1800" u="none" kumimoji="0" normalizeH="0">
+          <a:defRPr kumimoji="0" sz="1800" b="0" i="0" u="none" strike="noStrike" cap="none" spc="0" normalizeH="0" baseline="0">
             <a:ln>
               <a:noFill/>
             </a:ln>
@@ -7561,7 +7747,7 @@
           <a:buFontTx/>
           <a:buNone/>
           <a:tabLst/>
-          <a:defRPr b="0" baseline="0" cap="none" i="0" spc="0" strike="noStrike" sz="1800" u="none" kumimoji="0" normalizeH="0">
+          <a:defRPr kumimoji="0" sz="1800" b="0" i="0" u="none" strike="noStrike" cap="none" spc="0" normalizeH="0" baseline="0">
             <a:ln>
               <a:noFill/>
             </a:ln>
@@ -7587,7 +7773,7 @@
           <a:buFontTx/>
           <a:buNone/>
           <a:tabLst/>
-          <a:defRPr b="0" baseline="0" cap="none" i="0" spc="0" strike="noStrike" sz="1800" u="none" kumimoji="0" normalizeH="0">
+          <a:defRPr kumimoji="0" sz="1800" b="0" i="0" u="none" strike="noStrike" cap="none" spc="0" normalizeH="0" baseline="0">
             <a:ln>
               <a:noFill/>
             </a:ln>
@@ -7613,7 +7799,7 @@
           <a:buFontTx/>
           <a:buNone/>
           <a:tabLst/>
-          <a:defRPr b="0" baseline="0" cap="none" i="0" spc="0" strike="noStrike" sz="1800" u="none" kumimoji="0" normalizeH="0">
+          <a:defRPr kumimoji="0" sz="1800" b="0" i="0" u="none" strike="noStrike" cap="none" spc="0" normalizeH="0" baseline="0">
             <a:ln>
               <a:noFill/>
             </a:ln>
@@ -7639,7 +7825,7 @@
           <a:buFontTx/>
           <a:buNone/>
           <a:tabLst/>
-          <a:defRPr b="0" baseline="0" cap="none" i="0" spc="0" strike="noStrike" sz="1800" u="none" kumimoji="0" normalizeH="0">
+          <a:defRPr kumimoji="0" sz="1800" b="0" i="0" u="none" strike="noStrike" cap="none" spc="0" normalizeH="0" baseline="0">
             <a:ln>
               <a:noFill/>
             </a:ln>
@@ -7652,9 +7838,15 @@
         </a:lvl9pPr>
       </a:lstStyle>
       <a:style>
-        <a:lnRef idx="0"/>
-        <a:fillRef idx="0"/>
-        <a:effectRef idx="0"/>
+        <a:lnRef idx="0">
+          <a:scrgbClr r="0" g="0" b="0"/>
+        </a:lnRef>
+        <a:fillRef idx="0">
+          <a:scrgbClr r="0" g="0" b="0"/>
+        </a:fillRef>
+        <a:effectRef idx="0">
+          <a:scrgbClr r="0" g="0" b="0"/>
+        </a:effectRef>
         <a:fontRef idx="none"/>
       </a:style>
     </a:lnDef>
@@ -7668,7 +7860,7 @@
         <a:effectLst/>
         <a:sp3d/>
       </a:spPr>
-      <a:bodyPr rot="0" spcFirstLastPara="1" vertOverflow="overflow" horzOverflow="overflow" vert="horz" wrap="square" lIns="45719" tIns="45719" rIns="45719" bIns="45719" numCol="1" spcCol="38100" rtlCol="0" anchor="t" upright="0">
+      <a:bodyPr rot="0" spcFirstLastPara="1" vertOverflow="overflow" horzOverflow="overflow" vert="horz" wrap="square" lIns="45719" tIns="45719" rIns="45719" bIns="45719" numCol="1" spcCol="38100" rtlCol="0" anchor="t">
         <a:spAutoFit/>
       </a:bodyPr>
       <a:lstStyle>
@@ -7687,7 +7879,7 @@
           <a:buFontTx/>
           <a:buNone/>
           <a:tabLst/>
-          <a:defRPr b="0" baseline="0" cap="none" i="0" spc="0" strike="noStrike" sz="1400" u="none" kumimoji="0" normalizeH="0">
+          <a:defRPr kumimoji="0" sz="1400" b="0" i="0" u="none" strike="noStrike" cap="none" spc="0" normalizeH="0" baseline="0">
             <a:ln>
               <a:noFill/>
             </a:ln>
@@ -7717,7 +7909,7 @@
           <a:buFontTx/>
           <a:buNone/>
           <a:tabLst/>
-          <a:defRPr b="0" baseline="0" cap="none" i="0" spc="0" strike="noStrike" sz="1800" u="none" kumimoji="0" normalizeH="0">
+          <a:defRPr kumimoji="0" sz="1800" b="0" i="0" u="none" strike="noStrike" cap="none" spc="0" normalizeH="0" baseline="0">
             <a:ln>
               <a:noFill/>
             </a:ln>
@@ -7743,7 +7935,7 @@
           <a:buFontTx/>
           <a:buNone/>
           <a:tabLst/>
-          <a:defRPr b="0" baseline="0" cap="none" i="0" spc="0" strike="noStrike" sz="1800" u="none" kumimoji="0" normalizeH="0">
+          <a:defRPr kumimoji="0" sz="1800" b="0" i="0" u="none" strike="noStrike" cap="none" spc="0" normalizeH="0" baseline="0">
             <a:ln>
               <a:noFill/>
             </a:ln>
@@ -7769,7 +7961,7 @@
           <a:buFontTx/>
           <a:buNone/>
           <a:tabLst/>
-          <a:defRPr b="0" baseline="0" cap="none" i="0" spc="0" strike="noStrike" sz="1800" u="none" kumimoji="0" normalizeH="0">
+          <a:defRPr kumimoji="0" sz="1800" b="0" i="0" u="none" strike="noStrike" cap="none" spc="0" normalizeH="0" baseline="0">
             <a:ln>
               <a:noFill/>
             </a:ln>
@@ -7795,7 +7987,7 @@
           <a:buFontTx/>
           <a:buNone/>
           <a:tabLst/>
-          <a:defRPr b="0" baseline="0" cap="none" i="0" spc="0" strike="noStrike" sz="1800" u="none" kumimoji="0" normalizeH="0">
+          <a:defRPr kumimoji="0" sz="1800" b="0" i="0" u="none" strike="noStrike" cap="none" spc="0" normalizeH="0" baseline="0">
             <a:ln>
               <a:noFill/>
             </a:ln>
@@ -7821,7 +8013,7 @@
           <a:buFontTx/>
           <a:buNone/>
           <a:tabLst/>
-          <a:defRPr b="0" baseline="0" cap="none" i="0" spc="0" strike="noStrike" sz="1800" u="none" kumimoji="0" normalizeH="0">
+          <a:defRPr kumimoji="0" sz="1800" b="0" i="0" u="none" strike="noStrike" cap="none" spc="0" normalizeH="0" baseline="0">
             <a:ln>
               <a:noFill/>
             </a:ln>
@@ -7847,7 +8039,7 @@
           <a:buFontTx/>
           <a:buNone/>
           <a:tabLst/>
-          <a:defRPr b="0" baseline="0" cap="none" i="0" spc="0" strike="noStrike" sz="1800" u="none" kumimoji="0" normalizeH="0">
+          <a:defRPr kumimoji="0" sz="1800" b="0" i="0" u="none" strike="noStrike" cap="none" spc="0" normalizeH="0" baseline="0">
             <a:ln>
               <a:noFill/>
             </a:ln>
@@ -7873,7 +8065,7 @@
           <a:buFontTx/>
           <a:buNone/>
           <a:tabLst/>
-          <a:defRPr b="0" baseline="0" cap="none" i="0" spc="0" strike="noStrike" sz="1800" u="none" kumimoji="0" normalizeH="0">
+          <a:defRPr kumimoji="0" sz="1800" b="0" i="0" u="none" strike="noStrike" cap="none" spc="0" normalizeH="0" baseline="0">
             <a:ln>
               <a:noFill/>
             </a:ln>
@@ -7899,7 +8091,7 @@
           <a:buFontTx/>
           <a:buNone/>
           <a:tabLst/>
-          <a:defRPr b="0" baseline="0" cap="none" i="0" spc="0" strike="noStrike" sz="1800" u="none" kumimoji="0" normalizeH="0">
+          <a:defRPr kumimoji="0" sz="1800" b="0" i="0" u="none" strike="noStrike" cap="none" spc="0" normalizeH="0" baseline="0">
             <a:ln>
               <a:noFill/>
             </a:ln>
@@ -7925,7 +8117,7 @@
           <a:buFontTx/>
           <a:buNone/>
           <a:tabLst/>
-          <a:defRPr b="0" baseline="0" cap="none" i="0" spc="0" strike="noStrike" sz="1800" u="none" kumimoji="0" normalizeH="0">
+          <a:defRPr kumimoji="0" sz="1800" b="0" i="0" u="none" strike="noStrike" cap="none" spc="0" normalizeH="0" baseline="0">
             <a:ln>
               <a:noFill/>
             </a:ln>
@@ -7938,18 +8130,25 @@
         </a:lvl9pPr>
       </a:lstStyle>
       <a:style>
-        <a:lnRef idx="0"/>
-        <a:fillRef idx="0"/>
-        <a:effectRef idx="0"/>
+        <a:lnRef idx="0">
+          <a:scrgbClr r="0" g="0" b="0"/>
+        </a:lnRef>
+        <a:fillRef idx="0">
+          <a:scrgbClr r="0" g="0" b="0"/>
+        </a:fillRef>
+        <a:effectRef idx="0">
+          <a:scrgbClr r="0" g="0" b="0"/>
+        </a:effectRef>
         <a:fontRef idx="none"/>
       </a:style>
     </a:txDef>
   </a:objectDefaults>
+  <a:extraClrSchemeLst/>
 </a:theme>
 </file>
 
 <file path=ppt/theme/theme2.xml><?xml version="1.0" encoding="utf-8"?>
-<a:theme xmlns:a="http://schemas.openxmlformats.org/drawingml/2006/main" xmlns:r="http://schemas.openxmlformats.org/officeDocument/2006/relationships" name="Default">
+<a:theme xmlns:a="http://schemas.openxmlformats.org/drawingml/2006/main" name="Default">
   <a:themeElements>
     <a:clrScheme name="Default">
       <a:dk1>
@@ -8075,7 +8274,7 @@
       <a:effectStyleLst>
         <a:effectStyle>
           <a:effectLst>
-            <a:outerShdw sx="100000" sy="100000" kx="0" ky="0" algn="b" rotWithShape="0" blurRad="38100" dist="23000" dir="5400000">
+            <a:outerShdw blurRad="38100" dist="23000" dir="5400000" rotWithShape="0">
               <a:srgbClr val="000000">
                 <a:alpha val="35000"/>
               </a:srgbClr>
@@ -8084,7 +8283,7 @@
         </a:effectStyle>
         <a:effectStyle>
           <a:effectLst>
-            <a:outerShdw sx="100000" sy="100000" kx="0" ky="0" algn="b" rotWithShape="0" blurRad="38100" dist="23000" dir="5400000">
+            <a:outerShdw blurRad="38100" dist="23000" dir="5400000" rotWithShape="0">
               <a:srgbClr val="000000">
                 <a:alpha val="35000"/>
               </a:srgbClr>
@@ -8093,7 +8292,7 @@
         </a:effectStyle>
         <a:effectStyle>
           <a:effectLst>
-            <a:outerShdw sx="100000" sy="100000" kx="0" ky="0" algn="b" rotWithShape="0" blurRad="38100" dist="20000" dir="5400000">
+            <a:outerShdw blurRad="38100" dist="20000" dir="5400000" rotWithShape="0">
               <a:srgbClr val="000000">
                 <a:alpha val="38000"/>
               </a:srgbClr>
@@ -8169,7 +8368,7 @@
           <a:bevel/>
         </a:ln>
         <a:effectLst>
-          <a:outerShdw sx="100000" sy="100000" kx="0" ky="0" algn="b" rotWithShape="0" blurRad="38100" dist="23000" dir="5400000">
+          <a:outerShdw blurRad="38100" dist="23000" dir="5400000" rotWithShape="0">
             <a:srgbClr val="000000">
               <a:alpha val="35000"/>
             </a:srgbClr>
@@ -8177,7 +8376,7 @@
         </a:effectLst>
         <a:sp3d/>
       </a:spPr>
-      <a:bodyPr rot="0" spcFirstLastPara="1" vertOverflow="overflow" horzOverflow="overflow" vert="horz" wrap="square" lIns="45719" tIns="45719" rIns="45719" bIns="45719" numCol="1" spcCol="38100" rtlCol="0" anchor="ctr" upright="0">
+      <a:bodyPr rot="0" spcFirstLastPara="1" vertOverflow="overflow" horzOverflow="overflow" vert="horz" wrap="square" lIns="45719" tIns="45719" rIns="45719" bIns="45719" numCol="1" spcCol="38100" rtlCol="0" anchor="ctr">
         <a:spAutoFit/>
       </a:bodyPr>
       <a:lstStyle>
@@ -8196,7 +8395,7 @@
           <a:buFontTx/>
           <a:buNone/>
           <a:tabLst/>
-          <a:defRPr b="0" baseline="0" cap="none" i="0" spc="0" strike="noStrike" sz="1400" u="none" kumimoji="0" normalizeH="0">
+          <a:defRPr kumimoji="0" sz="1400" b="0" i="0" u="none" strike="noStrike" cap="none" spc="0" normalizeH="0" baseline="0">
             <a:ln>
               <a:noFill/>
             </a:ln>
@@ -8226,7 +8425,7 @@
           <a:buFontTx/>
           <a:buNone/>
           <a:tabLst/>
-          <a:defRPr b="0" baseline="0" cap="none" i="0" spc="0" strike="noStrike" sz="1800" u="none" kumimoji="0" normalizeH="0">
+          <a:defRPr kumimoji="0" sz="1800" b="0" i="0" u="none" strike="noStrike" cap="none" spc="0" normalizeH="0" baseline="0">
             <a:ln>
               <a:noFill/>
             </a:ln>
@@ -8252,7 +8451,7 @@
           <a:buFontTx/>
           <a:buNone/>
           <a:tabLst/>
-          <a:defRPr b="0" baseline="0" cap="none" i="0" spc="0" strike="noStrike" sz="1800" u="none" kumimoji="0" normalizeH="0">
+          <a:defRPr kumimoji="0" sz="1800" b="0" i="0" u="none" strike="noStrike" cap="none" spc="0" normalizeH="0" baseline="0">
             <a:ln>
               <a:noFill/>
             </a:ln>
@@ -8278,7 +8477,7 @@
           <a:buFontTx/>
           <a:buNone/>
           <a:tabLst/>
-          <a:defRPr b="0" baseline="0" cap="none" i="0" spc="0" strike="noStrike" sz="1800" u="none" kumimoji="0" normalizeH="0">
+          <a:defRPr kumimoji="0" sz="1800" b="0" i="0" u="none" strike="noStrike" cap="none" spc="0" normalizeH="0" baseline="0">
             <a:ln>
               <a:noFill/>
             </a:ln>
@@ -8304,7 +8503,7 @@
           <a:buFontTx/>
           <a:buNone/>
           <a:tabLst/>
-          <a:defRPr b="0" baseline="0" cap="none" i="0" spc="0" strike="noStrike" sz="1800" u="none" kumimoji="0" normalizeH="0">
+          <a:defRPr kumimoji="0" sz="1800" b="0" i="0" u="none" strike="noStrike" cap="none" spc="0" normalizeH="0" baseline="0">
             <a:ln>
               <a:noFill/>
             </a:ln>
@@ -8330,7 +8529,7 @@
           <a:buFontTx/>
           <a:buNone/>
           <a:tabLst/>
-          <a:defRPr b="0" baseline="0" cap="none" i="0" spc="0" strike="noStrike" sz="1800" u="none" kumimoji="0" normalizeH="0">
+          <a:defRPr kumimoji="0" sz="1800" b="0" i="0" u="none" strike="noStrike" cap="none" spc="0" normalizeH="0" baseline="0">
             <a:ln>
               <a:noFill/>
             </a:ln>
@@ -8356,7 +8555,7 @@
           <a:buFontTx/>
           <a:buNone/>
           <a:tabLst/>
-          <a:defRPr b="0" baseline="0" cap="none" i="0" spc="0" strike="noStrike" sz="1800" u="none" kumimoji="0" normalizeH="0">
+          <a:defRPr kumimoji="0" sz="1800" b="0" i="0" u="none" strike="noStrike" cap="none" spc="0" normalizeH="0" baseline="0">
             <a:ln>
               <a:noFill/>
             </a:ln>
@@ -8382,7 +8581,7 @@
           <a:buFontTx/>
           <a:buNone/>
           <a:tabLst/>
-          <a:defRPr b="0" baseline="0" cap="none" i="0" spc="0" strike="noStrike" sz="1800" u="none" kumimoji="0" normalizeH="0">
+          <a:defRPr kumimoji="0" sz="1800" b="0" i="0" u="none" strike="noStrike" cap="none" spc="0" normalizeH="0" baseline="0">
             <a:ln>
               <a:noFill/>
             </a:ln>
@@ -8408,7 +8607,7 @@
           <a:buFontTx/>
           <a:buNone/>
           <a:tabLst/>
-          <a:defRPr b="0" baseline="0" cap="none" i="0" spc="0" strike="noStrike" sz="1800" u="none" kumimoji="0" normalizeH="0">
+          <a:defRPr kumimoji="0" sz="1800" b="0" i="0" u="none" strike="noStrike" cap="none" spc="0" normalizeH="0" baseline="0">
             <a:ln>
               <a:noFill/>
             </a:ln>
@@ -8434,7 +8633,7 @@
           <a:buFontTx/>
           <a:buNone/>
           <a:tabLst/>
-          <a:defRPr b="0" baseline="0" cap="none" i="0" spc="0" strike="noStrike" sz="1800" u="none" kumimoji="0" normalizeH="0">
+          <a:defRPr kumimoji="0" sz="1800" b="0" i="0" u="none" strike="noStrike" cap="none" spc="0" normalizeH="0" baseline="0">
             <a:ln>
               <a:noFill/>
             </a:ln>
@@ -8447,9 +8646,15 @@
         </a:lvl9pPr>
       </a:lstStyle>
       <a:style>
-        <a:lnRef idx="0"/>
-        <a:fillRef idx="0"/>
-        <a:effectRef idx="0"/>
+        <a:lnRef idx="0">
+          <a:scrgbClr r="0" g="0" b="0"/>
+        </a:lnRef>
+        <a:fillRef idx="0">
+          <a:scrgbClr r="0" g="0" b="0"/>
+        </a:fillRef>
+        <a:effectRef idx="0">
+          <a:scrgbClr r="0" g="0" b="0"/>
+        </a:effectRef>
         <a:fontRef idx="none"/>
       </a:style>
     </a:spDef>
@@ -8464,7 +8669,7 @@
           <a:bevel/>
         </a:ln>
         <a:effectLst>
-          <a:outerShdw sx="100000" sy="100000" kx="0" ky="0" algn="b" rotWithShape="0" blurRad="38100" dist="20000" dir="5400000">
+          <a:outerShdw blurRad="38100" dist="20000" dir="5400000" rotWithShape="0">
             <a:srgbClr val="000000">
               <a:alpha val="38000"/>
             </a:srgbClr>
@@ -8472,7 +8677,7 @@
         </a:effectLst>
         <a:sp3d/>
       </a:spPr>
-      <a:bodyPr rot="0" spcFirstLastPara="1" vertOverflow="overflow" horzOverflow="overflow" vert="horz" wrap="square" lIns="91439" tIns="45719" rIns="91439" bIns="45719" numCol="1" spcCol="38100" rtlCol="0" anchor="t" upright="0">
+      <a:bodyPr rot="0" spcFirstLastPara="1" vertOverflow="overflow" horzOverflow="overflow" vert="horz" wrap="square" lIns="91439" tIns="45719" rIns="91439" bIns="45719" numCol="1" spcCol="38100" rtlCol="0" anchor="t">
         <a:noAutofit/>
       </a:bodyPr>
       <a:lstStyle>
@@ -8491,7 +8696,7 @@
           <a:buFontTx/>
           <a:buNone/>
           <a:tabLst/>
-          <a:defRPr b="0" baseline="0" cap="none" i="0" spc="0" strike="noStrike" sz="1800" u="none" kumimoji="0" normalizeH="0">
+          <a:defRPr kumimoji="0" sz="1800" b="0" i="0" u="none" strike="noStrike" cap="none" spc="0" normalizeH="0" baseline="0">
             <a:ln>
               <a:noFill/>
             </a:ln>
@@ -8517,7 +8722,7 @@
           <a:buFontTx/>
           <a:buNone/>
           <a:tabLst/>
-          <a:defRPr b="0" baseline="0" cap="none" i="0" spc="0" strike="noStrike" sz="1800" u="none" kumimoji="0" normalizeH="0">
+          <a:defRPr kumimoji="0" sz="1800" b="0" i="0" u="none" strike="noStrike" cap="none" spc="0" normalizeH="0" baseline="0">
             <a:ln>
               <a:noFill/>
             </a:ln>
@@ -8543,7 +8748,7 @@
           <a:buFontTx/>
           <a:buNone/>
           <a:tabLst/>
-          <a:defRPr b="0" baseline="0" cap="none" i="0" spc="0" strike="noStrike" sz="1800" u="none" kumimoji="0" normalizeH="0">
+          <a:defRPr kumimoji="0" sz="1800" b="0" i="0" u="none" strike="noStrike" cap="none" spc="0" normalizeH="0" baseline="0">
             <a:ln>
               <a:noFill/>
             </a:ln>
@@ -8569,7 +8774,7 @@
           <a:buFontTx/>
           <a:buNone/>
           <a:tabLst/>
-          <a:defRPr b="0" baseline="0" cap="none" i="0" spc="0" strike="noStrike" sz="1800" u="none" kumimoji="0" normalizeH="0">
+          <a:defRPr kumimoji="0" sz="1800" b="0" i="0" u="none" strike="noStrike" cap="none" spc="0" normalizeH="0" baseline="0">
             <a:ln>
               <a:noFill/>
             </a:ln>
@@ -8595,7 +8800,7 @@
           <a:buFontTx/>
           <a:buNone/>
           <a:tabLst/>
-          <a:defRPr b="0" baseline="0" cap="none" i="0" spc="0" strike="noStrike" sz="1800" u="none" kumimoji="0" normalizeH="0">
+          <a:defRPr kumimoji="0" sz="1800" b="0" i="0" u="none" strike="noStrike" cap="none" spc="0" normalizeH="0" baseline="0">
             <a:ln>
               <a:noFill/>
             </a:ln>
@@ -8621,7 +8826,7 @@
           <a:buFontTx/>
           <a:buNone/>
           <a:tabLst/>
-          <a:defRPr b="0" baseline="0" cap="none" i="0" spc="0" strike="noStrike" sz="1800" u="none" kumimoji="0" normalizeH="0">
+          <a:defRPr kumimoji="0" sz="1800" b="0" i="0" u="none" strike="noStrike" cap="none" spc="0" normalizeH="0" baseline="0">
             <a:ln>
               <a:noFill/>
             </a:ln>
@@ -8647,7 +8852,7 @@
           <a:buFontTx/>
           <a:buNone/>
           <a:tabLst/>
-          <a:defRPr b="0" baseline="0" cap="none" i="0" spc="0" strike="noStrike" sz="1800" u="none" kumimoji="0" normalizeH="0">
+          <a:defRPr kumimoji="0" sz="1800" b="0" i="0" u="none" strike="noStrike" cap="none" spc="0" normalizeH="0" baseline="0">
             <a:ln>
               <a:noFill/>
             </a:ln>
@@ -8673,7 +8878,7 @@
           <a:buFontTx/>
           <a:buNone/>
           <a:tabLst/>
-          <a:defRPr b="0" baseline="0" cap="none" i="0" spc="0" strike="noStrike" sz="1800" u="none" kumimoji="0" normalizeH="0">
+          <a:defRPr kumimoji="0" sz="1800" b="0" i="0" u="none" strike="noStrike" cap="none" spc="0" normalizeH="0" baseline="0">
             <a:ln>
               <a:noFill/>
             </a:ln>
@@ -8699,7 +8904,7 @@
           <a:buFontTx/>
           <a:buNone/>
           <a:tabLst/>
-          <a:defRPr b="0" baseline="0" cap="none" i="0" spc="0" strike="noStrike" sz="1800" u="none" kumimoji="0" normalizeH="0">
+          <a:defRPr kumimoji="0" sz="1800" b="0" i="0" u="none" strike="noStrike" cap="none" spc="0" normalizeH="0" baseline="0">
             <a:ln>
               <a:noFill/>
             </a:ln>
@@ -8725,7 +8930,7 @@
           <a:buFontTx/>
           <a:buNone/>
           <a:tabLst/>
-          <a:defRPr b="0" baseline="0" cap="none" i="0" spc="0" strike="noStrike" sz="1800" u="none" kumimoji="0" normalizeH="0">
+          <a:defRPr kumimoji="0" sz="1800" b="0" i="0" u="none" strike="noStrike" cap="none" spc="0" normalizeH="0" baseline="0">
             <a:ln>
               <a:noFill/>
             </a:ln>
@@ -8738,9 +8943,15 @@
         </a:lvl9pPr>
       </a:lstStyle>
       <a:style>
-        <a:lnRef idx="0"/>
-        <a:fillRef idx="0"/>
-        <a:effectRef idx="0"/>
+        <a:lnRef idx="0">
+          <a:scrgbClr r="0" g="0" b="0"/>
+        </a:lnRef>
+        <a:fillRef idx="0">
+          <a:scrgbClr r="0" g="0" b="0"/>
+        </a:fillRef>
+        <a:effectRef idx="0">
+          <a:scrgbClr r="0" g="0" b="0"/>
+        </a:effectRef>
         <a:fontRef idx="none"/>
       </a:style>
     </a:lnDef>
@@ -8754,7 +8965,7 @@
         <a:effectLst/>
         <a:sp3d/>
       </a:spPr>
-      <a:bodyPr rot="0" spcFirstLastPara="1" vertOverflow="overflow" horzOverflow="overflow" vert="horz" wrap="square" lIns="45719" tIns="45719" rIns="45719" bIns="45719" numCol="1" spcCol="38100" rtlCol="0" anchor="t" upright="0">
+      <a:bodyPr rot="0" spcFirstLastPara="1" vertOverflow="overflow" horzOverflow="overflow" vert="horz" wrap="square" lIns="45719" tIns="45719" rIns="45719" bIns="45719" numCol="1" spcCol="38100" rtlCol="0" anchor="t">
         <a:spAutoFit/>
       </a:bodyPr>
       <a:lstStyle>
@@ -8773,7 +8984,7 @@
           <a:buFontTx/>
           <a:buNone/>
           <a:tabLst/>
-          <a:defRPr b="0" baseline="0" cap="none" i="0" spc="0" strike="noStrike" sz="1400" u="none" kumimoji="0" normalizeH="0">
+          <a:defRPr kumimoji="0" sz="1400" b="0" i="0" u="none" strike="noStrike" cap="none" spc="0" normalizeH="0" baseline="0">
             <a:ln>
               <a:noFill/>
             </a:ln>
@@ -8803,7 +9014,7 @@
           <a:buFontTx/>
           <a:buNone/>
           <a:tabLst/>
-          <a:defRPr b="0" baseline="0" cap="none" i="0" spc="0" strike="noStrike" sz="1800" u="none" kumimoji="0" normalizeH="0">
+          <a:defRPr kumimoji="0" sz="1800" b="0" i="0" u="none" strike="noStrike" cap="none" spc="0" normalizeH="0" baseline="0">
             <a:ln>
               <a:noFill/>
             </a:ln>
@@ -8829,7 +9040,7 @@
           <a:buFontTx/>
           <a:buNone/>
           <a:tabLst/>
-          <a:defRPr b="0" baseline="0" cap="none" i="0" spc="0" strike="noStrike" sz="1800" u="none" kumimoji="0" normalizeH="0">
+          <a:defRPr kumimoji="0" sz="1800" b="0" i="0" u="none" strike="noStrike" cap="none" spc="0" normalizeH="0" baseline="0">
             <a:ln>
               <a:noFill/>
             </a:ln>
@@ -8855,7 +9066,7 @@
           <a:buFontTx/>
           <a:buNone/>
           <a:tabLst/>
-          <a:defRPr b="0" baseline="0" cap="none" i="0" spc="0" strike="noStrike" sz="1800" u="none" kumimoji="0" normalizeH="0">
+          <a:defRPr kumimoji="0" sz="1800" b="0" i="0" u="none" strike="noStrike" cap="none" spc="0" normalizeH="0" baseline="0">
             <a:ln>
               <a:noFill/>
             </a:ln>
@@ -8881,7 +9092,7 @@
           <a:buFontTx/>
           <a:buNone/>
           <a:tabLst/>
-          <a:defRPr b="0" baseline="0" cap="none" i="0" spc="0" strike="noStrike" sz="1800" u="none" kumimoji="0" normalizeH="0">
+          <a:defRPr kumimoji="0" sz="1800" b="0" i="0" u="none" strike="noStrike" cap="none" spc="0" normalizeH="0" baseline="0">
             <a:ln>
               <a:noFill/>
             </a:ln>
@@ -8907,7 +9118,7 @@
           <a:buFontTx/>
           <a:buNone/>
           <a:tabLst/>
-          <a:defRPr b="0" baseline="0" cap="none" i="0" spc="0" strike="noStrike" sz="1800" u="none" kumimoji="0" normalizeH="0">
+          <a:defRPr kumimoji="0" sz="1800" b="0" i="0" u="none" strike="noStrike" cap="none" spc="0" normalizeH="0" baseline="0">
             <a:ln>
               <a:noFill/>
             </a:ln>
@@ -8933,7 +9144,7 @@
           <a:buFontTx/>
           <a:buNone/>
           <a:tabLst/>
-          <a:defRPr b="0" baseline="0" cap="none" i="0" spc="0" strike="noStrike" sz="1800" u="none" kumimoji="0" normalizeH="0">
+          <a:defRPr kumimoji="0" sz="1800" b="0" i="0" u="none" strike="noStrike" cap="none" spc="0" normalizeH="0" baseline="0">
             <a:ln>
               <a:noFill/>
             </a:ln>
@@ -8959,7 +9170,7 @@
           <a:buFontTx/>
           <a:buNone/>
           <a:tabLst/>
-          <a:defRPr b="0" baseline="0" cap="none" i="0" spc="0" strike="noStrike" sz="1800" u="none" kumimoji="0" normalizeH="0">
+          <a:defRPr kumimoji="0" sz="1800" b="0" i="0" u="none" strike="noStrike" cap="none" spc="0" normalizeH="0" baseline="0">
             <a:ln>
               <a:noFill/>
             </a:ln>
@@ -8985,7 +9196,7 @@
           <a:buFontTx/>
           <a:buNone/>
           <a:tabLst/>
-          <a:defRPr b="0" baseline="0" cap="none" i="0" spc="0" strike="noStrike" sz="1800" u="none" kumimoji="0" normalizeH="0">
+          <a:defRPr kumimoji="0" sz="1800" b="0" i="0" u="none" strike="noStrike" cap="none" spc="0" normalizeH="0" baseline="0">
             <a:ln>
               <a:noFill/>
             </a:ln>
@@ -9011,7 +9222,7 @@
           <a:buFontTx/>
           <a:buNone/>
           <a:tabLst/>
-          <a:defRPr b="0" baseline="0" cap="none" i="0" spc="0" strike="noStrike" sz="1800" u="none" kumimoji="0" normalizeH="0">
+          <a:defRPr kumimoji="0" sz="1800" b="0" i="0" u="none" strike="noStrike" cap="none" spc="0" normalizeH="0" baseline="0">
             <a:ln>
               <a:noFill/>
             </a:ln>
@@ -9024,12 +9235,19 @@
         </a:lvl9pPr>
       </a:lstStyle>
       <a:style>
-        <a:lnRef idx="0"/>
-        <a:fillRef idx="0"/>
-        <a:effectRef idx="0"/>
+        <a:lnRef idx="0">
+          <a:scrgbClr r="0" g="0" b="0"/>
+        </a:lnRef>
+        <a:fillRef idx="0">
+          <a:scrgbClr r="0" g="0" b="0"/>
+        </a:fillRef>
+        <a:effectRef idx="0">
+          <a:scrgbClr r="0" g="0" b="0"/>
+        </a:effectRef>
         <a:fontRef idx="none"/>
       </a:style>
     </a:txDef>
   </a:objectDefaults>
+  <a:extraClrSchemeLst/>
 </a:theme>
 </file>
--- a/slides/kernel_modules.pptx
+++ b/slides/kernel_modules.pptx
@@ -5,7 +5,7 @@
     <p:sldMasterId id="2147483648" r:id="rId1"/>
   </p:sldMasterIdLst>
   <p:notesMasterIdLst>
-    <p:notesMasterId r:id="rId20"/>
+    <p:notesMasterId r:id="rId24"/>
   </p:notesMasterIdLst>
   <p:sldIdLst>
     <p:sldId id="256" r:id="rId2"/>
@@ -20,12 +20,16 @@
     <p:sldId id="265" r:id="rId11"/>
     <p:sldId id="266" r:id="rId12"/>
     <p:sldId id="267" r:id="rId13"/>
-    <p:sldId id="268" r:id="rId14"/>
-    <p:sldId id="269" r:id="rId15"/>
-    <p:sldId id="270" r:id="rId16"/>
-    <p:sldId id="271" r:id="rId17"/>
-    <p:sldId id="272" r:id="rId18"/>
-    <p:sldId id="273" r:id="rId19"/>
+    <p:sldId id="274" r:id="rId14"/>
+    <p:sldId id="268" r:id="rId15"/>
+    <p:sldId id="269" r:id="rId16"/>
+    <p:sldId id="270" r:id="rId17"/>
+    <p:sldId id="275" r:id="rId18"/>
+    <p:sldId id="271" r:id="rId19"/>
+    <p:sldId id="272" r:id="rId20"/>
+    <p:sldId id="277" r:id="rId21"/>
+    <p:sldId id="276" r:id="rId22"/>
+    <p:sldId id="273" r:id="rId23"/>
   </p:sldIdLst>
   <p:sldSz cx="9144000" cy="6858000" type="screen4x3"/>
   <p:notesSz cx="6858000" cy="9144000"/>
@@ -327,6 +331,11 @@
       </a:defRPr>
     </a:lvl9pPr>
   </p:defaultTextStyle>
+  <p:extLst>
+    <p:ext uri="{EFAFB233-063F-42B5-8137-9DF3F51BA10A}">
+      <p15:sldGuideLst xmlns:p15="http://schemas.microsoft.com/office/powerpoint/2012/main"/>
+    </p:ext>
+  </p:extLst>
 </p:presentation>
 </file>
 
@@ -2405,7 +2414,7 @@
         </p:spPr>
         <p:txBody>
           <a:bodyPr>
-            <a:normAutofit/>
+            <a:normAutofit lnSpcReduction="10000"/>
           </a:bodyPr>
           <a:lstStyle/>
           <a:p>
@@ -2602,7 +2611,7 @@
         </p:spPr>
         <p:txBody>
           <a:bodyPr>
-            <a:normAutofit/>
+            <a:normAutofit lnSpcReduction="10000"/>
           </a:bodyPr>
           <a:lstStyle/>
           <a:p>
@@ -2634,6 +2643,853 @@
 </file>
 
 <file path=ppt/slides/slide13.xml><?xml version="1.0" encoding="utf-8"?>
+<p:sld xmlns:a="http://schemas.openxmlformats.org/drawingml/2006/main" xmlns:r="http://schemas.openxmlformats.org/officeDocument/2006/relationships" xmlns:p="http://schemas.openxmlformats.org/presentationml/2006/main">
+  <p:cSld>
+    <p:spTree>
+      <p:nvGrpSpPr>
+        <p:cNvPr id="1" name=""/>
+        <p:cNvGrpSpPr/>
+        <p:nvPr/>
+      </p:nvGrpSpPr>
+      <p:grpSpPr>
+        <a:xfrm>
+          <a:off x="0" y="0"/>
+          <a:ext cx="0" cy="0"/>
+          <a:chOff x="0" y="0"/>
+          <a:chExt cx="0" cy="0"/>
+        </a:xfrm>
+      </p:grpSpPr>
+      <p:sp>
+        <p:nvSpPr>
+          <p:cNvPr id="69" name="Shape 69"/>
+          <p:cNvSpPr>
+            <a:spLocks noGrp="1"/>
+          </p:cNvSpPr>
+          <p:nvPr>
+            <p:ph type="title"/>
+          </p:nvPr>
+        </p:nvSpPr>
+        <p:spPr>
+          <a:xfrm>
+            <a:off x="457200" y="1063228"/>
+            <a:ext cx="8229600" cy="857400"/>
+          </a:xfrm>
+          <a:prstGeom prst="rect">
+            <a:avLst/>
+          </a:prstGeom>
+          <a:extLst>
+            <a:ext uri="{C572A759-6A51-4108-AA02-DFA0A04FC94B}">
+              <ma14:wrappingTextBoxFlag xmlns:ma14="http://schemas.microsoft.com/office/mac/drawingml/2011/main" val="1"/>
+            </a:ext>
+          </a:extLst>
+        </p:spPr>
+        <p:txBody>
+          <a:bodyPr lIns="0" tIns="0" rIns="0" bIns="0">
+            <a:normAutofit/>
+          </a:bodyPr>
+          <a:lstStyle>
+            <a:lvl1pPr algn="ctr"/>
+          </a:lstStyle>
+          <a:p>
+            <a:pPr lvl="0">
+              <a:defRPr sz="1800"/>
+            </a:pPr>
+            <a:r>
+              <a:rPr sz="1400"/>
+              <a:t>Major and Minor Number</a:t>
+            </a:r>
+          </a:p>
+        </p:txBody>
+      </p:sp>
+      <p:pic>
+        <p:nvPicPr>
+          <p:cNvPr id="70" name="image02.png"/>
+          <p:cNvPicPr/>
+          <p:nvPr/>
+        </p:nvPicPr>
+        <p:blipFill>
+          <a:blip r:embed="rId2">
+            <a:extLst/>
+          </a:blip>
+          <a:stretch>
+            <a:fillRect/>
+          </a:stretch>
+        </p:blipFill>
+        <p:spPr>
+          <a:xfrm>
+            <a:off x="7703826" y="1920657"/>
+            <a:ext cx="747201" cy="747176"/>
+          </a:xfrm>
+          <a:prstGeom prst="rect">
+            <a:avLst/>
+          </a:prstGeom>
+          <a:ln w="12700">
+            <a:miter lim="400000"/>
+          </a:ln>
+        </p:spPr>
+      </p:pic>
+      <p:pic>
+        <p:nvPicPr>
+          <p:cNvPr id="71" name="image01.jpg"/>
+          <p:cNvPicPr/>
+          <p:nvPr/>
+        </p:nvPicPr>
+        <p:blipFill>
+          <a:blip r:embed="rId3">
+            <a:extLst/>
+          </a:blip>
+          <a:stretch>
+            <a:fillRect/>
+          </a:stretch>
+        </p:blipFill>
+        <p:spPr>
+          <a:xfrm>
+            <a:off x="7134325" y="2048175"/>
+            <a:ext cx="492151" cy="492151"/>
+          </a:xfrm>
+          <a:prstGeom prst="rect">
+            <a:avLst/>
+          </a:prstGeom>
+          <a:ln w="12700">
+            <a:miter lim="400000"/>
+          </a:ln>
+        </p:spPr>
+      </p:pic>
+      <p:sp>
+        <p:nvSpPr>
+          <p:cNvPr id="72" name="Shape 72"/>
+          <p:cNvSpPr/>
+          <p:nvPr/>
+        </p:nvSpPr>
+        <p:spPr>
+          <a:xfrm>
+            <a:off x="3387726" y="2556749"/>
+            <a:ext cx="2453701" cy="1992000"/>
+          </a:xfrm>
+          <a:prstGeom prst="roundRect">
+            <a:avLst>
+              <a:gd name="adj" fmla="val 16667"/>
+            </a:avLst>
+          </a:prstGeom>
+          <a:solidFill>
+            <a:srgbClr val="CCCCCC"/>
+          </a:solidFill>
+          <a:ln>
+            <a:solidFill>
+              <a:srgbClr val="666666"/>
+            </a:solidFill>
+            <a:round/>
+          </a:ln>
+        </p:spPr>
+        <p:txBody>
+          <a:bodyPr lIns="0" tIns="0" rIns="0" bIns="0" anchor="ctr"/>
+          <a:lstStyle/>
+          <a:p>
+            <a:pPr lvl="0"/>
+            <a:endParaRPr/>
+          </a:p>
+        </p:txBody>
+      </p:sp>
+      <p:sp>
+        <p:nvSpPr>
+          <p:cNvPr id="73" name="Shape 73"/>
+          <p:cNvSpPr/>
+          <p:nvPr/>
+        </p:nvSpPr>
+        <p:spPr>
+          <a:xfrm>
+            <a:off x="4591949" y="2758851"/>
+            <a:ext cx="1043400" cy="738631"/>
+          </a:xfrm>
+          <a:prstGeom prst="rect">
+            <a:avLst/>
+          </a:prstGeom>
+          <a:ln w="12700">
+            <a:miter lim="400000"/>
+          </a:ln>
+          <a:extLst>
+            <a:ext uri="{C572A759-6A51-4108-AA02-DFA0A04FC94B}">
+              <ma14:wrappingTextBoxFlag xmlns:ma14="http://schemas.microsoft.com/office/mac/drawingml/2011/main" val="1"/>
+            </a:ext>
+          </a:extLst>
+        </p:spPr>
+        <p:txBody>
+          <a:bodyPr lIns="91424" tIns="91424" rIns="91424" bIns="91424">
+            <a:spAutoFit/>
+          </a:bodyPr>
+          <a:lstStyle>
+            <a:lvl1pPr algn="ctr"/>
+          </a:lstStyle>
+          <a:p>
+            <a:pPr lvl="0">
+              <a:defRPr sz="1800"/>
+            </a:pPr>
+            <a:r>
+              <a:rPr/>
+              <a:t>mydevice1</a:t>
+            </a:r>
+          </a:p>
+        </p:txBody>
+      </p:sp>
+      <p:pic>
+        <p:nvPicPr>
+          <p:cNvPr id="74" name="image00.jpg"/>
+          <p:cNvPicPr/>
+          <p:nvPr/>
+        </p:nvPicPr>
+        <p:blipFill>
+          <a:blip r:embed="rId4">
+            <a:extLst/>
+          </a:blip>
+          <a:stretch>
+            <a:fillRect/>
+          </a:stretch>
+        </p:blipFill>
+        <p:spPr>
+          <a:xfrm>
+            <a:off x="924225" y="2991774"/>
+            <a:ext cx="1043325" cy="1043325"/>
+          </a:xfrm>
+          <a:prstGeom prst="rect">
+            <a:avLst/>
+          </a:prstGeom>
+          <a:ln w="12700">
+            <a:miter lim="400000"/>
+          </a:ln>
+        </p:spPr>
+      </p:pic>
+      <p:sp>
+        <p:nvSpPr>
+          <p:cNvPr id="75" name="Shape 75"/>
+          <p:cNvSpPr/>
+          <p:nvPr/>
+        </p:nvSpPr>
+        <p:spPr>
+          <a:xfrm>
+            <a:off x="854602" y="4275776"/>
+            <a:ext cx="1043401" cy="738631"/>
+          </a:xfrm>
+          <a:prstGeom prst="rect">
+            <a:avLst/>
+          </a:prstGeom>
+          <a:ln w="12700">
+            <a:miter lim="400000"/>
+          </a:ln>
+          <a:extLst>
+            <a:ext uri="{C572A759-6A51-4108-AA02-DFA0A04FC94B}">
+              <ma14:wrappingTextBoxFlag xmlns:ma14="http://schemas.microsoft.com/office/mac/drawingml/2011/main" val="1"/>
+            </a:ext>
+          </a:extLst>
+        </p:spPr>
+        <p:txBody>
+          <a:bodyPr lIns="91424" tIns="91424" rIns="91424" bIns="91424">
+            <a:spAutoFit/>
+          </a:bodyPr>
+          <a:lstStyle>
+            <a:lvl1pPr algn="ctr"/>
+          </a:lstStyle>
+          <a:p>
+            <a:pPr lvl="0">
+              <a:defRPr sz="1800"/>
+            </a:pPr>
+            <a:r>
+              <a:rPr/>
+              <a:t>Userspace Code</a:t>
+            </a:r>
+          </a:p>
+        </p:txBody>
+      </p:sp>
+      <p:sp>
+        <p:nvSpPr>
+          <p:cNvPr id="76" name="Shape 76"/>
+          <p:cNvSpPr/>
+          <p:nvPr/>
+        </p:nvSpPr>
+        <p:spPr>
+          <a:xfrm>
+            <a:off x="1967526" y="3552750"/>
+            <a:ext cx="1420201" cy="1"/>
+          </a:xfrm>
+          <a:prstGeom prst="line">
+            <a:avLst/>
+          </a:prstGeom>
+          <a:ln>
+            <a:solidFill>
+              <a:srgbClr val="666666"/>
+            </a:solidFill>
+            <a:round/>
+            <a:tailEnd type="triangle"/>
+          </a:ln>
+        </p:spPr>
+        <p:txBody>
+          <a:bodyPr lIns="0" tIns="0" rIns="0" bIns="0"/>
+          <a:lstStyle/>
+          <a:p>
+            <a:pPr defTabSz="457200">
+              <a:defRPr sz="1200">
+                <a:latin typeface="+mj-lt"/>
+                <a:ea typeface="+mj-ea"/>
+                <a:cs typeface="+mj-cs"/>
+                <a:sym typeface="Helvetica"/>
+              </a:defRPr>
+            </a:pPr>
+            <a:endParaRPr sz="1200"/>
+          </a:p>
+        </p:txBody>
+      </p:sp>
+      <p:sp>
+        <p:nvSpPr>
+          <p:cNvPr id="77" name="Shape 77"/>
+          <p:cNvSpPr/>
+          <p:nvPr/>
+        </p:nvSpPr>
+        <p:spPr>
+          <a:xfrm>
+            <a:off x="1900024" y="3584076"/>
+            <a:ext cx="1420200" cy="738631"/>
+          </a:xfrm>
+          <a:prstGeom prst="rect">
+            <a:avLst/>
+          </a:prstGeom>
+          <a:ln w="12700">
+            <a:miter lim="400000"/>
+          </a:ln>
+          <a:extLst>
+            <a:ext uri="{C572A759-6A51-4108-AA02-DFA0A04FC94B}">
+              <ma14:wrappingTextBoxFlag xmlns:ma14="http://schemas.microsoft.com/office/mac/drawingml/2011/main" val="1"/>
+            </a:ext>
+          </a:extLst>
+        </p:spPr>
+        <p:txBody>
+          <a:bodyPr lIns="91424" tIns="91424" rIns="91424" bIns="91424">
+            <a:spAutoFit/>
+          </a:bodyPr>
+          <a:lstStyle>
+            <a:lvl1pPr algn="ctr"/>
+          </a:lstStyle>
+          <a:p>
+            <a:pPr lvl="0">
+              <a:defRPr sz="1800"/>
+            </a:pPr>
+            <a:r>
+              <a:rPr/>
+              <a:t>/dev/mydevice1</a:t>
+            </a:r>
+          </a:p>
+        </p:txBody>
+      </p:sp>
+      <p:sp>
+        <p:nvSpPr>
+          <p:cNvPr id="78" name="Shape 78"/>
+          <p:cNvSpPr/>
+          <p:nvPr/>
+        </p:nvSpPr>
+        <p:spPr>
+          <a:xfrm>
+            <a:off x="3091625" y="2184950"/>
+            <a:ext cx="1352700" cy="461633"/>
+          </a:xfrm>
+          <a:prstGeom prst="rect">
+            <a:avLst/>
+          </a:prstGeom>
+          <a:ln w="12700">
+            <a:miter lim="400000"/>
+          </a:ln>
+          <a:extLst>
+            <a:ext uri="{C572A759-6A51-4108-AA02-DFA0A04FC94B}">
+              <ma14:wrappingTextBoxFlag xmlns:ma14="http://schemas.microsoft.com/office/mac/drawingml/2011/main" val="1"/>
+            </a:ext>
+          </a:extLst>
+        </p:spPr>
+        <p:txBody>
+          <a:bodyPr lIns="91424" tIns="91424" rIns="91424" bIns="91424">
+            <a:spAutoFit/>
+          </a:bodyPr>
+          <a:lstStyle>
+            <a:lvl1pPr algn="ctr"/>
+          </a:lstStyle>
+          <a:p>
+            <a:pPr lvl="0">
+              <a:defRPr sz="1800"/>
+            </a:pPr>
+            <a:r>
+              <a:rPr/>
+              <a:t>Kernel</a:t>
+            </a:r>
+          </a:p>
+        </p:txBody>
+      </p:sp>
+      <p:sp>
+        <p:nvSpPr>
+          <p:cNvPr id="79" name="Shape 79"/>
+          <p:cNvSpPr/>
+          <p:nvPr/>
+        </p:nvSpPr>
+        <p:spPr>
+          <a:xfrm>
+            <a:off x="3388200" y="3831688"/>
+            <a:ext cx="1352700" cy="461633"/>
+          </a:xfrm>
+          <a:prstGeom prst="rect">
+            <a:avLst/>
+          </a:prstGeom>
+          <a:ln w="12700">
+            <a:miter lim="400000"/>
+          </a:ln>
+          <a:extLst>
+            <a:ext uri="{C572A759-6A51-4108-AA02-DFA0A04FC94B}">
+              <ma14:wrappingTextBoxFlag xmlns:ma14="http://schemas.microsoft.com/office/mac/drawingml/2011/main" val="1"/>
+            </a:ext>
+          </a:extLst>
+        </p:spPr>
+        <p:txBody>
+          <a:bodyPr lIns="91424" tIns="91424" rIns="91424" bIns="91424">
+            <a:spAutoFit/>
+          </a:bodyPr>
+          <a:lstStyle>
+            <a:lvl1pPr algn="ctr"/>
+          </a:lstStyle>
+          <a:p>
+            <a:pPr lvl="0">
+              <a:defRPr sz="1800"/>
+            </a:pPr>
+            <a:r>
+              <a:rPr/>
+              <a:t>Driver</a:t>
+            </a:r>
+          </a:p>
+        </p:txBody>
+      </p:sp>
+      <p:pic>
+        <p:nvPicPr>
+          <p:cNvPr id="80" name="image02.png"/>
+          <p:cNvPicPr/>
+          <p:nvPr/>
+        </p:nvPicPr>
+        <p:blipFill>
+          <a:blip r:embed="rId2">
+            <a:extLst/>
+          </a:blip>
+          <a:stretch>
+            <a:fillRect/>
+          </a:stretch>
+        </p:blipFill>
+        <p:spPr>
+          <a:xfrm>
+            <a:off x="7780026" y="3901857"/>
+            <a:ext cx="747201" cy="747176"/>
+          </a:xfrm>
+          <a:prstGeom prst="rect">
+            <a:avLst/>
+          </a:prstGeom>
+          <a:ln w="12700">
+            <a:miter lim="400000"/>
+          </a:ln>
+        </p:spPr>
+      </p:pic>
+      <p:pic>
+        <p:nvPicPr>
+          <p:cNvPr id="81" name="image01.jpg"/>
+          <p:cNvPicPr/>
+          <p:nvPr/>
+        </p:nvPicPr>
+        <p:blipFill>
+          <a:blip r:embed="rId3">
+            <a:extLst/>
+          </a:blip>
+          <a:stretch>
+            <a:fillRect/>
+          </a:stretch>
+        </p:blipFill>
+        <p:spPr>
+          <a:xfrm>
+            <a:off x="7210525" y="4029375"/>
+            <a:ext cx="492151" cy="492151"/>
+          </a:xfrm>
+          <a:prstGeom prst="rect">
+            <a:avLst/>
+          </a:prstGeom>
+          <a:ln w="12700">
+            <a:miter lim="400000"/>
+          </a:ln>
+        </p:spPr>
+      </p:pic>
+      <p:sp>
+        <p:nvSpPr>
+          <p:cNvPr id="82" name="Shape 82"/>
+          <p:cNvSpPr/>
+          <p:nvPr/>
+        </p:nvSpPr>
+        <p:spPr>
+          <a:xfrm>
+            <a:off x="7017700" y="4649026"/>
+            <a:ext cx="1043400" cy="738631"/>
+          </a:xfrm>
+          <a:prstGeom prst="rect">
+            <a:avLst/>
+          </a:prstGeom>
+          <a:ln w="12700">
+            <a:miter lim="400000"/>
+          </a:ln>
+          <a:extLst>
+            <a:ext uri="{C572A759-6A51-4108-AA02-DFA0A04FC94B}">
+              <ma14:wrappingTextBoxFlag xmlns:ma14="http://schemas.microsoft.com/office/mac/drawingml/2011/main" val="1"/>
+            </a:ext>
+          </a:extLst>
+        </p:spPr>
+        <p:txBody>
+          <a:bodyPr lIns="91424" tIns="91424" rIns="91424" bIns="91424">
+            <a:spAutoFit/>
+          </a:bodyPr>
+          <a:lstStyle>
+            <a:lvl1pPr algn="ctr"/>
+          </a:lstStyle>
+          <a:p>
+            <a:pPr lvl="0">
+              <a:defRPr sz="1800"/>
+            </a:pPr>
+            <a:r>
+              <a:rPr/>
+              <a:t>mydevice2</a:t>
+            </a:r>
+          </a:p>
+        </p:txBody>
+      </p:sp>
+      <p:sp>
+        <p:nvSpPr>
+          <p:cNvPr id="83" name="Shape 83"/>
+          <p:cNvSpPr/>
+          <p:nvPr/>
+        </p:nvSpPr>
+        <p:spPr>
+          <a:xfrm>
+            <a:off x="3769201" y="2667824"/>
+            <a:ext cx="1948199" cy="1207800"/>
+          </a:xfrm>
+          <a:prstGeom prst="rect">
+            <a:avLst/>
+          </a:prstGeom>
+          <a:solidFill>
+            <a:srgbClr val="CCCCCC"/>
+          </a:solidFill>
+          <a:ln>
+            <a:solidFill>
+              <a:srgbClr val="666666"/>
+            </a:solidFill>
+            <a:round/>
+          </a:ln>
+        </p:spPr>
+        <p:txBody>
+          <a:bodyPr lIns="0" tIns="0" rIns="0" bIns="0" anchor="ctr"/>
+          <a:lstStyle/>
+          <a:p>
+            <a:pPr lvl="0"/>
+            <a:endParaRPr/>
+          </a:p>
+        </p:txBody>
+      </p:sp>
+      <p:sp>
+        <p:nvSpPr>
+          <p:cNvPr id="84" name="Shape 84"/>
+          <p:cNvSpPr/>
+          <p:nvPr/>
+        </p:nvSpPr>
+        <p:spPr>
+          <a:xfrm>
+            <a:off x="3749550" y="2958425"/>
+            <a:ext cx="842401" cy="1015630"/>
+          </a:xfrm>
+          <a:prstGeom prst="rect">
+            <a:avLst/>
+          </a:prstGeom>
+          <a:ln w="12700">
+            <a:miter lim="400000"/>
+          </a:ln>
+          <a:extLst>
+            <a:ext uri="{C572A759-6A51-4108-AA02-DFA0A04FC94B}">
+              <ma14:wrappingTextBoxFlag xmlns:ma14="http://schemas.microsoft.com/office/mac/drawingml/2011/main" val="1"/>
+            </a:ext>
+          </a:extLst>
+        </p:spPr>
+        <p:txBody>
+          <a:bodyPr lIns="91424" tIns="91424" rIns="91424" bIns="91424">
+            <a:spAutoFit/>
+          </a:bodyPr>
+          <a:lstStyle/>
+          <a:p>
+            <a:pPr lvl="0" algn="ctr">
+              <a:defRPr sz="1800"/>
+            </a:pPr>
+            <a:r>
+              <a:rPr/>
+              <a:t>Major </a:t>
+            </a:r>
+          </a:p>
+          <a:p>
+            <a:pPr lvl="0" algn="ctr">
+              <a:defRPr sz="1800"/>
+            </a:pPr>
+            <a:r>
+              <a:rPr/>
+              <a:t>Number</a:t>
+            </a:r>
+          </a:p>
+        </p:txBody>
+      </p:sp>
+      <p:sp>
+        <p:nvSpPr>
+          <p:cNvPr id="85" name="Shape 85"/>
+          <p:cNvSpPr/>
+          <p:nvPr/>
+        </p:nvSpPr>
+        <p:spPr>
+          <a:xfrm>
+            <a:off x="4817100" y="2629450"/>
+            <a:ext cx="747300" cy="1292629"/>
+          </a:xfrm>
+          <a:prstGeom prst="rect">
+            <a:avLst/>
+          </a:prstGeom>
+          <a:ln w="12700">
+            <a:miter lim="400000"/>
+          </a:ln>
+          <a:extLst>
+            <a:ext uri="{C572A759-6A51-4108-AA02-DFA0A04FC94B}">
+              <ma14:wrappingTextBoxFlag xmlns:ma14="http://schemas.microsoft.com/office/mac/drawingml/2011/main" val="1"/>
+            </a:ext>
+          </a:extLst>
+        </p:spPr>
+        <p:txBody>
+          <a:bodyPr lIns="91424" tIns="91424" rIns="91424" bIns="91424">
+            <a:spAutoFit/>
+          </a:bodyPr>
+          <a:lstStyle/>
+          <a:p>
+            <a:pPr lvl="0">
+              <a:defRPr sz="1800"/>
+            </a:pPr>
+            <a:r>
+              <a:rPr/>
+              <a:t>Minor Num 1</a:t>
+            </a:r>
+          </a:p>
+        </p:txBody>
+      </p:sp>
+      <p:sp>
+        <p:nvSpPr>
+          <p:cNvPr id="86" name="Shape 86"/>
+          <p:cNvSpPr/>
+          <p:nvPr/>
+        </p:nvSpPr>
+        <p:spPr>
+          <a:xfrm>
+            <a:off x="4811174" y="3306600"/>
+            <a:ext cx="747300" cy="1292629"/>
+          </a:xfrm>
+          <a:prstGeom prst="rect">
+            <a:avLst/>
+          </a:prstGeom>
+          <a:ln w="12700">
+            <a:miter lim="400000"/>
+          </a:ln>
+          <a:extLst>
+            <a:ext uri="{C572A759-6A51-4108-AA02-DFA0A04FC94B}">
+              <ma14:wrappingTextBoxFlag xmlns:ma14="http://schemas.microsoft.com/office/mac/drawingml/2011/main" val="1"/>
+            </a:ext>
+          </a:extLst>
+        </p:spPr>
+        <p:txBody>
+          <a:bodyPr lIns="91424" tIns="91424" rIns="91424" bIns="91424">
+            <a:spAutoFit/>
+          </a:bodyPr>
+          <a:lstStyle/>
+          <a:p>
+            <a:pPr lvl="0">
+              <a:defRPr sz="1800"/>
+            </a:pPr>
+            <a:r>
+              <a:rPr/>
+              <a:t>Minor Num 2</a:t>
+            </a:r>
+          </a:p>
+        </p:txBody>
+      </p:sp>
+      <p:sp>
+        <p:nvSpPr>
+          <p:cNvPr id="87" name="Shape 87"/>
+          <p:cNvSpPr/>
+          <p:nvPr/>
+        </p:nvSpPr>
+        <p:spPr>
+          <a:xfrm>
+            <a:off x="7017700" y="2667825"/>
+            <a:ext cx="1043400" cy="738631"/>
+          </a:xfrm>
+          <a:prstGeom prst="rect">
+            <a:avLst/>
+          </a:prstGeom>
+          <a:ln w="12700">
+            <a:miter lim="400000"/>
+          </a:ln>
+          <a:extLst>
+            <a:ext uri="{C572A759-6A51-4108-AA02-DFA0A04FC94B}">
+              <ma14:wrappingTextBoxFlag xmlns:ma14="http://schemas.microsoft.com/office/mac/drawingml/2011/main" val="1"/>
+            </a:ext>
+          </a:extLst>
+        </p:spPr>
+        <p:txBody>
+          <a:bodyPr lIns="91424" tIns="91424" rIns="91424" bIns="91424">
+            <a:spAutoFit/>
+          </a:bodyPr>
+          <a:lstStyle>
+            <a:lvl1pPr algn="ctr"/>
+          </a:lstStyle>
+          <a:p>
+            <a:pPr lvl="0">
+              <a:defRPr sz="1800"/>
+            </a:pPr>
+            <a:r>
+              <a:rPr/>
+              <a:t>mydevice1</a:t>
+            </a:r>
+          </a:p>
+        </p:txBody>
+      </p:sp>
+      <p:sp>
+        <p:nvSpPr>
+          <p:cNvPr id="90" name="Shape 90"/>
+          <p:cNvSpPr/>
+          <p:nvPr/>
+        </p:nvSpPr>
+        <p:spPr>
+          <a:xfrm>
+            <a:off x="5558491" y="3709693"/>
+            <a:ext cx="1652035" cy="492413"/>
+          </a:xfrm>
+          <a:custGeom>
+            <a:avLst/>
+            <a:gdLst/>
+            <a:ahLst/>
+            <a:cxnLst>
+              <a:cxn ang="0">
+                <a:pos x="wd2" y="hd2"/>
+              </a:cxn>
+              <a:cxn ang="5400000">
+                <a:pos x="wd2" y="hd2"/>
+              </a:cxn>
+              <a:cxn ang="10800000">
+                <a:pos x="wd2" y="hd2"/>
+              </a:cxn>
+              <a:cxn ang="16200000">
+                <a:pos x="wd2" y="hd2"/>
+              </a:cxn>
+            </a:cxnLst>
+            <a:rect l="0" t="0" r="r" b="b"/>
+            <a:pathLst>
+              <a:path w="21600" h="21600" extrusionOk="0">
+                <a:moveTo>
+                  <a:pt x="0" y="0"/>
+                </a:moveTo>
+                <a:cubicBezTo>
+                  <a:pt x="7200" y="7200"/>
+                  <a:pt x="14400" y="14400"/>
+                  <a:pt x="21600" y="21600"/>
+                </a:cubicBezTo>
+              </a:path>
+            </a:pathLst>
+          </a:custGeom>
+          <a:ln>
+            <a:solidFill>
+              <a:srgbClr val="666666"/>
+            </a:solidFill>
+            <a:round/>
+            <a:tailEnd type="triangle"/>
+          </a:ln>
+        </p:spPr>
+        <p:txBody>
+          <a:bodyPr/>
+          <a:lstStyle/>
+          <a:p>
+            <a:pPr lvl="0"/>
+            <a:endParaRPr/>
+          </a:p>
+        </p:txBody>
+      </p:sp>
+      <p:sp>
+        <p:nvSpPr>
+          <p:cNvPr id="91" name="Shape 91"/>
+          <p:cNvSpPr/>
+          <p:nvPr/>
+        </p:nvSpPr>
+        <p:spPr>
+          <a:xfrm>
+            <a:off x="5564415" y="2364703"/>
+            <a:ext cx="1569910" cy="449480"/>
+          </a:xfrm>
+          <a:custGeom>
+            <a:avLst/>
+            <a:gdLst/>
+            <a:ahLst/>
+            <a:cxnLst>
+              <a:cxn ang="0">
+                <a:pos x="wd2" y="hd2"/>
+              </a:cxn>
+              <a:cxn ang="5400000">
+                <a:pos x="wd2" y="hd2"/>
+              </a:cxn>
+              <a:cxn ang="10800000">
+                <a:pos x="wd2" y="hd2"/>
+              </a:cxn>
+              <a:cxn ang="16200000">
+                <a:pos x="wd2" y="hd2"/>
+              </a:cxn>
+            </a:cxnLst>
+            <a:rect l="0" t="0" r="r" b="b"/>
+            <a:pathLst>
+              <a:path w="21600" h="21600" extrusionOk="0">
+                <a:moveTo>
+                  <a:pt x="0" y="21600"/>
+                </a:moveTo>
+                <a:cubicBezTo>
+                  <a:pt x="7200" y="14400"/>
+                  <a:pt x="14400" y="7200"/>
+                  <a:pt x="21600" y="0"/>
+                </a:cubicBezTo>
+              </a:path>
+            </a:pathLst>
+          </a:custGeom>
+          <a:ln>
+            <a:solidFill>
+              <a:srgbClr val="666666"/>
+            </a:solidFill>
+            <a:round/>
+            <a:tailEnd type="triangle"/>
+          </a:ln>
+        </p:spPr>
+        <p:txBody>
+          <a:bodyPr/>
+          <a:lstStyle/>
+          <a:p>
+            <a:pPr lvl="0"/>
+            <a:endParaRPr/>
+          </a:p>
+        </p:txBody>
+      </p:sp>
+    </p:spTree>
+    <p:extLst>
+      <p:ext uri="{BB962C8B-B14F-4D97-AF65-F5344CB8AC3E}">
+        <p14:creationId xmlns:p14="http://schemas.microsoft.com/office/powerpoint/2010/main" val="417486241"/>
+      </p:ext>
+    </p:extLst>
+  </p:cSld>
+  <p:clrMapOvr>
+    <a:masterClrMapping/>
+  </p:clrMapOvr>
+  <p:transition spd="med"/>
+</p:sld>
+</file>
+
+<file path=ppt/slides/slide14.xml><?xml version="1.0" encoding="utf-8"?>
 <p:sld xmlns:a="http://schemas.openxmlformats.org/drawingml/2006/main" xmlns:r="http://schemas.openxmlformats.org/officeDocument/2006/relationships" xmlns:p="http://schemas.openxmlformats.org/presentationml/2006/main">
   <p:cSld>
     <p:spTree>
@@ -2761,7 +3617,7 @@
           </a:lstStyle>
           <a:p>
             <a:fld id="{86CB4B4D-7CA3-9044-876B-883B54F8677D}" type="slidenum">
-              <a:t>13</a:t>
+              <a:t>14</a:t>
             </a:fld>
             <a:endParaRPr/>
           </a:p>
@@ -2783,7 +3639,7 @@
 </p:sld>
 </file>
 
-<file path=ppt/slides/slide14.xml><?xml version="1.0" encoding="utf-8"?>
+<file path=ppt/slides/slide15.xml><?xml version="1.0" encoding="utf-8"?>
 <p:sld xmlns:a="http://schemas.openxmlformats.org/drawingml/2006/main" xmlns:r="http://schemas.openxmlformats.org/officeDocument/2006/relationships" xmlns:p="http://schemas.openxmlformats.org/presentationml/2006/main">
   <p:cSld>
     <p:spTree>
@@ -3034,7 +3890,7 @@
           </a:lstStyle>
           <a:p>
             <a:fld id="{86CB4B4D-7CA3-9044-876B-883B54F8677D}" type="slidenum">
-              <a:t>14</a:t>
+              <a:t>15</a:t>
             </a:fld>
             <a:endParaRPr/>
           </a:p>
@@ -3056,7 +3912,7 @@
 </p:sld>
 </file>
 
-<file path=ppt/slides/slide15.xml><?xml version="1.0" encoding="utf-8"?>
+<file path=ppt/slides/slide16.xml><?xml version="1.0" encoding="utf-8"?>
 <p:sld xmlns:a="http://schemas.openxmlformats.org/drawingml/2006/main" xmlns:r="http://schemas.openxmlformats.org/officeDocument/2006/relationships" xmlns:p="http://schemas.openxmlformats.org/presentationml/2006/main">
   <p:cSld>
     <p:spTree>
@@ -3391,7 +4247,7 @@
           </a:lstStyle>
           <a:p>
             <a:fld id="{86CB4B4D-7CA3-9044-876B-883B54F8677D}" type="slidenum">
-              <a:t>15</a:t>
+              <a:t>16</a:t>
             </a:fld>
             <a:endParaRPr/>
           </a:p>
@@ -3413,7 +4269,230 @@
 </p:sld>
 </file>
 
-<file path=ppt/slides/slide16.xml><?xml version="1.0" encoding="utf-8"?>
+<file path=ppt/slides/slide17.xml><?xml version="1.0" encoding="utf-8"?>
+<p:sld xmlns:a="http://schemas.openxmlformats.org/drawingml/2006/main" xmlns:r="http://schemas.openxmlformats.org/officeDocument/2006/relationships" xmlns:p="http://schemas.openxmlformats.org/presentationml/2006/main">
+  <p:cSld>
+    <p:spTree>
+      <p:nvGrpSpPr>
+        <p:cNvPr id="1" name=""/>
+        <p:cNvGrpSpPr/>
+        <p:nvPr/>
+      </p:nvGrpSpPr>
+      <p:grpSpPr>
+        <a:xfrm>
+          <a:off x="0" y="0"/>
+          <a:ext cx="0" cy="0"/>
+          <a:chOff x="0" y="0"/>
+          <a:chExt cx="0" cy="0"/>
+        </a:xfrm>
+      </p:grpSpPr>
+      <p:sp>
+        <p:nvSpPr>
+          <p:cNvPr id="100" name="Shape 100"/>
+          <p:cNvSpPr>
+            <a:spLocks noGrp="1"/>
+          </p:cNvSpPr>
+          <p:nvPr>
+            <p:ph type="body" idx="1"/>
+          </p:nvPr>
+        </p:nvSpPr>
+        <p:spPr>
+          <a:xfrm>
+            <a:off x="451104" y="1255776"/>
+            <a:ext cx="8205216" cy="5205983"/>
+          </a:xfrm>
+          <a:prstGeom prst="rect">
+            <a:avLst/>
+          </a:prstGeom>
+          <a:solidFill>
+            <a:srgbClr val="FFFFFF"/>
+          </a:solidFill>
+          <a:extLst>
+            <a:ext uri="{C572A759-6A51-4108-AA02-DFA0A04FC94B}">
+              <ma14:wrappingTextBoxFlag xmlns:ma14="http://schemas.microsoft.com/office/mac/drawingml/2011/main" val="1"/>
+            </a:ext>
+          </a:extLst>
+        </p:spPr>
+        <p:txBody>
+          <a:bodyPr lIns="0" tIns="0" rIns="0" bIns="0">
+            <a:normAutofit/>
+          </a:bodyPr>
+          <a:lstStyle/>
+          <a:p>
+            <a:pPr marL="140368" indent="-140368">
+              <a:defRPr sz="1800"/>
+            </a:pPr>
+            <a:r>
+              <a:rPr sz="1600" dirty="0"/>
+              <a:t>A file operation on a device file will be handled by the kernel module associated with the device.</a:t>
+            </a:r>
+          </a:p>
+          <a:p>
+            <a:pPr marL="140368" indent="-140368">
+              <a:defRPr sz="1800"/>
+            </a:pPr>
+            <a:endParaRPr sz="1600" dirty="0"/>
+          </a:p>
+          <a:p>
+            <a:pPr marL="140368" indent="-140368">
+              <a:defRPr sz="1800"/>
+            </a:pPr>
+            <a:r>
+              <a:rPr sz="1600" dirty="0"/>
+              <a:t>Call “open” system call to open “mydevice” file</a:t>
+            </a:r>
+          </a:p>
+          <a:p>
+            <a:pPr marL="140368" indent="-140368">
+              <a:defRPr sz="1800"/>
+            </a:pPr>
+            <a:endParaRPr sz="1600" dirty="0"/>
+          </a:p>
+          <a:p>
+            <a:pPr marL="140368" indent="-140368">
+              <a:defRPr sz="1800"/>
+            </a:pPr>
+            <a:r>
+              <a:rPr sz="1600" dirty="0"/>
+              <a:t>Call “read” system call to read from the “mydevice” </a:t>
+            </a:r>
+            <a:r>
+              <a:rPr sz="1600" dirty="0" smtClean="0"/>
+              <a:t>file</a:t>
+            </a:r>
+            <a:endParaRPr sz="1600" dirty="0"/>
+          </a:p>
+          <a:p>
+            <a:pPr indent="457200">
+              <a:defRPr sz="1800"/>
+            </a:pPr>
+            <a:r>
+              <a:rPr sz="1600" dirty="0" smtClean="0"/>
+              <a:t>fd </a:t>
+            </a:r>
+            <a:r>
+              <a:rPr sz="1600" dirty="0"/>
+              <a:t>= open("/dev/mydevice", O_RDWR);</a:t>
+            </a:r>
+          </a:p>
+          <a:p>
+            <a:pPr marL="457200" indent="-317500">
+              <a:buChar char="-"/>
+              <a:defRPr sz="1800"/>
+            </a:pPr>
+            <a:endParaRPr sz="1600" dirty="0"/>
+          </a:p>
+          <a:p>
+            <a:pPr marL="521368" lvl="1" indent="-140368">
+              <a:defRPr sz="1800"/>
+            </a:pPr>
+            <a:r>
+              <a:rPr sz="1600" dirty="0"/>
+              <a:t>opens /dev/mydevice device for read and write operation. </a:t>
+            </a:r>
+          </a:p>
+          <a:p>
+            <a:pPr marL="521368" lvl="1" indent="-140368">
+              <a:defRPr sz="1800"/>
+            </a:pPr>
+            <a:endParaRPr sz="1600" dirty="0"/>
+          </a:p>
+          <a:p>
+            <a:pPr marL="521368" lvl="1" indent="-140368">
+              <a:defRPr sz="1800"/>
+            </a:pPr>
+            <a:r>
+              <a:rPr sz="1600" dirty="0"/>
+              <a:t>OS will call my_open() file operation handler in the kernel module which is associated with the device. </a:t>
+            </a:r>
+          </a:p>
+          <a:p>
+            <a:pPr marL="521368" lvl="1" indent="-140368">
+              <a:defRPr sz="1800"/>
+            </a:pPr>
+            <a:endParaRPr sz="1600" dirty="0"/>
+          </a:p>
+          <a:p>
+            <a:pPr marL="521368" lvl="1" indent="-140368">
+              <a:defRPr sz="1800"/>
+            </a:pPr>
+            <a:r>
+              <a:rPr sz="1600" dirty="0"/>
+              <a:t>misc_register(&amp;my_misc_device) instruction in my_module_init() registers the module. It creates an entry in the “/dev” directory for “mydevice” file and informs the operating system what file-operations handler functions are available for this device.</a:t>
+            </a:r>
+          </a:p>
+        </p:txBody>
+      </p:sp>
+      <p:sp>
+        <p:nvSpPr>
+          <p:cNvPr id="101" name="Shape 101"/>
+          <p:cNvSpPr>
+            <a:spLocks noGrp="1"/>
+          </p:cNvSpPr>
+          <p:nvPr>
+            <p:ph type="title"/>
+          </p:nvPr>
+        </p:nvSpPr>
+        <p:spPr>
+          <a:xfrm>
+            <a:off x="237744" y="148828"/>
+            <a:ext cx="8229600" cy="857400"/>
+          </a:xfrm>
+          <a:prstGeom prst="rect">
+            <a:avLst/>
+          </a:prstGeom>
+          <a:extLst>
+            <a:ext uri="{C572A759-6A51-4108-AA02-DFA0A04FC94B}">
+              <ma14:wrappingTextBoxFlag xmlns:ma14="http://schemas.microsoft.com/office/mac/drawingml/2011/main" val="1"/>
+            </a:ext>
+          </a:extLst>
+        </p:spPr>
+        <p:txBody>
+          <a:bodyPr lIns="0" tIns="0" rIns="0" bIns="0">
+            <a:noAutofit/>
+          </a:bodyPr>
+          <a:lstStyle>
+            <a:lvl1pPr algn="ctr">
+              <a:lnSpc>
+                <a:spcPct val="115000"/>
+              </a:lnSpc>
+              <a:spcBef>
+                <a:spcPts val="2400"/>
+              </a:spcBef>
+              <a:defRPr sz="3000"/>
+            </a:lvl1pPr>
+          </a:lstStyle>
+          <a:p>
+            <a:pPr lvl="0">
+              <a:defRPr sz="1800"/>
+            </a:pPr>
+            <a:r>
+              <a:rPr sz="3600" dirty="0"/>
+              <a:t>How do file ops work on character </a:t>
+            </a:r>
+            <a:r>
+              <a:rPr sz="3600" dirty="0" smtClean="0"/>
+              <a:t>devices</a:t>
+            </a:r>
+            <a:endParaRPr sz="3600" dirty="0"/>
+          </a:p>
+        </p:txBody>
+      </p:sp>
+    </p:spTree>
+    <p:extLst>
+      <p:ext uri="{BB962C8B-B14F-4D97-AF65-F5344CB8AC3E}">
+        <p14:creationId xmlns:p14="http://schemas.microsoft.com/office/powerpoint/2010/main" val="862177738"/>
+      </p:ext>
+    </p:extLst>
+  </p:cSld>
+  <p:clrMapOvr>
+    <a:masterClrMapping/>
+  </p:clrMapOvr>
+  <p:transition spd="med"/>
+</p:sld>
+</file>
+
+<file path=ppt/slides/slide18.xml><?xml version="1.0" encoding="utf-8"?>
 <p:sld xmlns:a="http://schemas.openxmlformats.org/drawingml/2006/main" xmlns:r="http://schemas.openxmlformats.org/officeDocument/2006/relationships" xmlns:p="http://schemas.openxmlformats.org/presentationml/2006/main">
   <p:cSld>
     <p:spTree>
@@ -3833,7 +4912,7 @@
           </a:lstStyle>
           <a:p>
             <a:fld id="{86CB4B4D-7CA3-9044-876B-883B54F8677D}" type="slidenum">
-              <a:t>16</a:t>
+              <a:t>18</a:t>
             </a:fld>
             <a:endParaRPr/>
           </a:p>
@@ -3855,7 +4934,7 @@
 </p:sld>
 </file>
 
-<file path=ppt/slides/slide17.xml><?xml version="1.0" encoding="utf-8"?>
+<file path=ppt/slides/slide19.xml><?xml version="1.0" encoding="utf-8"?>
 <p:sld xmlns:a="http://schemas.openxmlformats.org/drawingml/2006/main" xmlns:r="http://schemas.openxmlformats.org/officeDocument/2006/relationships" xmlns:p="http://schemas.openxmlformats.org/presentationml/2006/main">
   <p:cSld>
     <p:spTree>
@@ -4266,269 +5345,9 @@
           </a:lstStyle>
           <a:p>
             <a:fld id="{86CB4B4D-7CA3-9044-876B-883B54F8677D}" type="slidenum">
-              <a:t>17</a:t>
+              <a:t>19</a:t>
             </a:fld>
             <a:endParaRPr/>
-          </a:p>
-        </p:txBody>
-      </p:sp>
-    </p:spTree>
-  </p:cSld>
-  <p:clrMapOvr>
-    <a:masterClrMapping/>
-  </p:clrMapOvr>
-  <p:transition spd="med"/>
-  <p:timing>
-    <p:tnLst>
-      <p:par>
-        <p:cTn id="1" dur="indefinite" restart="never" nodeType="tmRoot"/>
-      </p:par>
-    </p:tnLst>
-  </p:timing>
-</p:sld>
-</file>
-
-<file path=ppt/slides/slide18.xml><?xml version="1.0" encoding="utf-8"?>
-<p:sld xmlns:a="http://schemas.openxmlformats.org/drawingml/2006/main" xmlns:r="http://schemas.openxmlformats.org/officeDocument/2006/relationships" xmlns:p="http://schemas.openxmlformats.org/presentationml/2006/main">
-  <p:cSld>
-    <p:spTree>
-      <p:nvGrpSpPr>
-        <p:cNvPr id="1" name=""/>
-        <p:cNvGrpSpPr/>
-        <p:nvPr/>
-      </p:nvGrpSpPr>
-      <p:grpSpPr>
-        <a:xfrm>
-          <a:off x="0" y="0"/>
-          <a:ext cx="0" cy="0"/>
-          <a:chOff x="0" y="0"/>
-          <a:chExt cx="0" cy="0"/>
-        </a:xfrm>
-      </p:grpSpPr>
-      <p:sp>
-        <p:nvSpPr>
-          <p:cNvPr id="94" name="Shape 94"/>
-          <p:cNvSpPr>
-            <a:spLocks noGrp="1"/>
-          </p:cNvSpPr>
-          <p:nvPr>
-            <p:ph type="title"/>
-          </p:nvPr>
-        </p:nvSpPr>
-        <p:spPr>
-          <a:xfrm>
-            <a:off x="152400" y="152400"/>
-            <a:ext cx="8991600" cy="1143000"/>
-          </a:xfrm>
-          <a:prstGeom prst="rect">
-            <a:avLst/>
-          </a:prstGeom>
-        </p:spPr>
-        <p:txBody>
-          <a:bodyPr lIns="45699" tIns="45699" rIns="45699" bIns="45699">
-            <a:normAutofit/>
-          </a:bodyPr>
-          <a:lstStyle>
-            <a:lvl1pPr>
-              <a:defRPr sz="3600" u="sng"/>
-            </a:lvl1pPr>
-          </a:lstStyle>
-          <a:p>
-            <a:pPr>
-              <a:defRPr sz="4400" u="none"/>
-            </a:pPr>
-            <a:r>
-              <a:rPr sz="3600" u="sng"/>
-              <a:t>GNU General Public License (GPL)</a:t>
-            </a:r>
-          </a:p>
-        </p:txBody>
-      </p:sp>
-      <p:sp>
-        <p:nvSpPr>
-          <p:cNvPr id="95" name="Shape 95"/>
-          <p:cNvSpPr>
-            <a:spLocks noGrp="1"/>
-          </p:cNvSpPr>
-          <p:nvPr>
-            <p:ph type="body" idx="1"/>
-          </p:nvPr>
-        </p:nvSpPr>
-        <p:spPr>
-          <a:xfrm>
-            <a:off x="76200" y="1182686"/>
-            <a:ext cx="8991600" cy="5399702"/>
-          </a:xfrm>
-          <a:prstGeom prst="rect">
-            <a:avLst/>
-          </a:prstGeom>
-        </p:spPr>
-        <p:txBody>
-          <a:bodyPr lIns="45699" tIns="45699" rIns="45699" bIns="45699">
-            <a:normAutofit/>
-          </a:bodyPr>
-          <a:lstStyle/>
-          <a:p>
-            <a:pPr marL="307181" indent="-192881">
-              <a:lnSpc>
-                <a:spcPct val="80000"/>
-              </a:lnSpc>
-              <a:spcBef>
-                <a:spcPts val="400"/>
-              </a:spcBef>
-            </a:pPr>
-            <a:r>
-              <a:rPr sz="1800"/>
-              <a:t>http://en.wikipedia.org/wiki/Gpl</a:t>
-            </a:r>
-          </a:p>
-          <a:p>
-            <a:pPr marL="0" indent="0">
-              <a:lnSpc>
-                <a:spcPct val="80000"/>
-              </a:lnSpc>
-              <a:spcBef>
-                <a:spcPts val="400"/>
-              </a:spcBef>
-              <a:buSzTx/>
-              <a:buNone/>
-            </a:pPr>
-            <a:endParaRPr sz="1800"/>
-          </a:p>
-          <a:p>
-            <a:pPr marL="307181" indent="-192881">
-              <a:lnSpc>
-                <a:spcPct val="80000"/>
-              </a:lnSpc>
-              <a:spcBef>
-                <a:spcPts val="400"/>
-              </a:spcBef>
-            </a:pPr>
-            <a:r>
-              <a:rPr sz="1800"/>
-              <a:t>Basis for all of the GNU software  development, including Linux </a:t>
-            </a:r>
-          </a:p>
-          <a:p>
-            <a:pPr marL="0" indent="0">
-              <a:lnSpc>
-                <a:spcPct val="80000"/>
-              </a:lnSpc>
-              <a:spcBef>
-                <a:spcPts val="400"/>
-              </a:spcBef>
-              <a:buSzTx/>
-              <a:buNone/>
-            </a:pPr>
-            <a:endParaRPr sz="1800"/>
-          </a:p>
-          <a:p>
-            <a:pPr marL="307181" indent="-192881">
-              <a:lnSpc>
-                <a:spcPct val="80000"/>
-              </a:lnSpc>
-              <a:spcBef>
-                <a:spcPts val="400"/>
-              </a:spcBef>
-            </a:pPr>
-            <a:r>
-              <a:rPr sz="1800"/>
-              <a:t>Allows users to modify software as they see the need </a:t>
-            </a:r>
-          </a:p>
-          <a:p>
-            <a:pPr marL="0" indent="0">
-              <a:buSzTx/>
-              <a:buNone/>
-            </a:pPr>
-            <a:endParaRPr sz="1800"/>
-          </a:p>
-          <a:p>
-            <a:pPr marL="307181" indent="-192881"/>
-            <a:r>
-              <a:rPr sz="1800"/>
-              <a:t>Requires source code be distributed with binaries </a:t>
-            </a:r>
-          </a:p>
-          <a:p>
-            <a:pPr marL="0" indent="0">
-              <a:buSzTx/>
-              <a:buNone/>
-            </a:pPr>
-            <a:endParaRPr sz="1800"/>
-          </a:p>
-          <a:p>
-            <a:pPr marL="307181" indent="-192881"/>
-            <a:r>
-              <a:rPr sz="1800"/>
-              <a:t>EXPORT_SYMBOL Vs EXPORT_SYMBOL_GPL</a:t>
-            </a:r>
-            <a:endParaRPr sz="2800">
-              <a:latin typeface="Arial"/>
-              <a:ea typeface="Arial"/>
-              <a:cs typeface="Arial"/>
-              <a:sym typeface="Arial"/>
-            </a:endParaRPr>
-          </a:p>
-          <a:p>
-            <a:pPr marL="791935" lvl="1" indent="-220435">
-              <a:buFont typeface="Courier New"/>
-              <a:buChar char="o"/>
-              <a:defRPr sz="2800">
-                <a:latin typeface="Arial"/>
-                <a:ea typeface="Arial"/>
-                <a:cs typeface="Arial"/>
-                <a:sym typeface="Arial"/>
-              </a:defRPr>
-            </a:pPr>
-            <a:r>
-              <a:rPr sz="1800">
-                <a:latin typeface="Comic Sans MS"/>
-                <a:ea typeface="Comic Sans MS"/>
-                <a:cs typeface="Comic Sans MS"/>
-                <a:sym typeface="Comic Sans MS"/>
-              </a:rPr>
-              <a:t>Read </a:t>
-            </a:r>
-            <a:r>
-              <a:rPr sz="1800" u="sng">
-                <a:solidFill>
-                  <a:srgbClr val="FF0000"/>
-                </a:solidFill>
-                <a:uFill>
-                  <a:solidFill>
-                    <a:srgbClr val="FF0000"/>
-                  </a:solidFill>
-                </a:uFill>
-                <a:latin typeface="Comic Sans MS"/>
-                <a:ea typeface="Comic Sans MS"/>
-                <a:cs typeface="Comic Sans MS"/>
-                <a:sym typeface="Comic Sans MS"/>
-                <a:hlinkClick r:id="rId2"/>
-              </a:rPr>
-              <a:t>http://lwn.net/Articles/154602/</a:t>
-            </a:r>
-          </a:p>
-          <a:p>
-            <a:pPr marL="0" indent="0">
-              <a:buSzTx/>
-              <a:buNone/>
-            </a:pPr>
-            <a:endParaRPr sz="1800"/>
-          </a:p>
-          <a:p>
-            <a:pPr marL="307181" indent="-192881">
-              <a:lnSpc>
-                <a:spcPct val="80000"/>
-              </a:lnSpc>
-              <a:spcBef>
-                <a:spcPts val="400"/>
-              </a:spcBef>
-            </a:pPr>
-            <a:r>
-              <a:rPr sz="1800"/>
-              <a:t>Device drivers need not be licensed under the GPL, but the mainstream ones are </a:t>
-            </a:r>
           </a:p>
         </p:txBody>
       </p:sp>
@@ -4625,79 +5444,914 @@
         </p:spPr>
         <p:txBody>
           <a:bodyPr lIns="45699" tIns="45699" rIns="45699" bIns="45699">
+            <a:normAutofit lnSpcReduction="10000"/>
+          </a:bodyPr>
+          <a:lstStyle/>
+          <a:p>
+            <a:pPr marL="280736" indent="-280736">
+              <a:spcBef>
+                <a:spcPts val="500"/>
+              </a:spcBef>
+              <a:buSzPct val="60714"/>
+            </a:pPr>
+            <a:r>
+              <a:rPr sz="2800"/>
+              <a:t>Allow code to be added to the kernel, dynamically </a:t>
+            </a:r>
+          </a:p>
+          <a:p>
+            <a:pPr marL="0" indent="120650">
+              <a:buSzTx/>
+              <a:buNone/>
+            </a:pPr>
+            <a:endParaRPr sz="2800"/>
+          </a:p>
+          <a:p>
+            <a:pPr marL="280736" indent="-280736">
+              <a:spcBef>
+                <a:spcPts val="500"/>
+              </a:spcBef>
+              <a:buSzPct val="60714"/>
+            </a:pPr>
+            <a:r>
+              <a:rPr sz="2800"/>
+              <a:t>Only those modules that are needed are loaded. Unload when no longer required - frees up memory and other resources</a:t>
+            </a:r>
+          </a:p>
+          <a:p>
+            <a:pPr marL="0" indent="120650">
+              <a:buSzTx/>
+              <a:buNone/>
+            </a:pPr>
+            <a:endParaRPr sz="2800"/>
+          </a:p>
+          <a:p>
+            <a:pPr marL="280736" indent="-280736">
+              <a:spcBef>
+                <a:spcPts val="500"/>
+              </a:spcBef>
+              <a:buSzPct val="60714"/>
+            </a:pPr>
+            <a:r>
+              <a:rPr sz="2800"/>
+              <a:t>Reduces kernel size.</a:t>
+            </a:r>
+          </a:p>
+          <a:p>
+            <a:pPr marL="0" indent="0">
+              <a:spcBef>
+                <a:spcPts val="500"/>
+              </a:spcBef>
+              <a:buSzTx/>
+              <a:buNone/>
+            </a:pPr>
+            <a:endParaRPr sz="2800"/>
+          </a:p>
+          <a:p>
+            <a:pPr marL="280736" indent="-280736">
+              <a:spcBef>
+                <a:spcPts val="500"/>
+              </a:spcBef>
+              <a:buSzPct val="60714"/>
+            </a:pPr>
+            <a:r>
+              <a:rPr sz="2800"/>
+              <a:t>Enables independent development of drivers for different devices </a:t>
+            </a:r>
+          </a:p>
+        </p:txBody>
+      </p:sp>
+    </p:spTree>
+  </p:cSld>
+  <p:clrMapOvr>
+    <a:masterClrMapping/>
+  </p:clrMapOvr>
+  <p:transition spd="med"/>
+  <p:timing>
+    <p:tnLst>
+      <p:par>
+        <p:cTn id="1" dur="indefinite" restart="never" nodeType="tmRoot"/>
+      </p:par>
+    </p:tnLst>
+  </p:timing>
+</p:sld>
+</file>
+
+<file path=ppt/slides/slide20.xml><?xml version="1.0" encoding="utf-8"?>
+<p:sld xmlns:a="http://schemas.openxmlformats.org/drawingml/2006/main" xmlns:r="http://schemas.openxmlformats.org/officeDocument/2006/relationships" xmlns:p="http://schemas.openxmlformats.org/presentationml/2006/main">
+  <p:cSld>
+    <p:spTree>
+      <p:nvGrpSpPr>
+        <p:cNvPr id="1" name=""/>
+        <p:cNvGrpSpPr/>
+        <p:nvPr/>
+      </p:nvGrpSpPr>
+      <p:grpSpPr>
+        <a:xfrm>
+          <a:off x="0" y="0"/>
+          <a:ext cx="0" cy="0"/>
+          <a:chOff x="0" y="0"/>
+          <a:chExt cx="0" cy="0"/>
+        </a:xfrm>
+      </p:grpSpPr>
+      <p:sp>
+        <p:nvSpPr>
+          <p:cNvPr id="106" name="Shape 106"/>
+          <p:cNvSpPr>
+            <a:spLocks noGrp="1"/>
+          </p:cNvSpPr>
+          <p:nvPr>
+            <p:ph type="title"/>
+          </p:nvPr>
+        </p:nvSpPr>
+        <p:spPr>
+          <a:xfrm>
+            <a:off x="457200" y="112252"/>
+            <a:ext cx="8229600" cy="857400"/>
+          </a:xfrm>
+          <a:prstGeom prst="rect">
+            <a:avLst/>
+          </a:prstGeom>
+          <a:extLst>
+            <a:ext uri="{C572A759-6A51-4108-AA02-DFA0A04FC94B}">
+              <ma14:wrappingTextBoxFlag xmlns:ma14="http://schemas.microsoft.com/office/mac/drawingml/2011/main" val="1"/>
+            </a:ext>
+          </a:extLst>
+        </p:spPr>
+        <p:txBody>
+          <a:bodyPr lIns="0" tIns="0" rIns="0" bIns="0">
+            <a:normAutofit/>
+          </a:bodyPr>
+          <a:lstStyle>
+            <a:lvl1pPr algn="ctr">
+              <a:lnSpc>
+                <a:spcPct val="115000"/>
+              </a:lnSpc>
+              <a:spcBef>
+                <a:spcPts val="2400"/>
+              </a:spcBef>
+              <a:defRPr sz="3000"/>
+            </a:lvl1pPr>
+          </a:lstStyle>
+          <a:p>
+            <a:pPr lvl="0">
+              <a:defRPr sz="1800"/>
+            </a:pPr>
+            <a:r>
+              <a:rPr sz="4000" dirty="0"/>
+              <a:t>Moving data in and out of the Kernel</a:t>
+            </a:r>
+          </a:p>
+        </p:txBody>
+      </p:sp>
+      <p:sp>
+        <p:nvSpPr>
+          <p:cNvPr id="107" name="Shape 107"/>
+          <p:cNvSpPr>
+            <a:spLocks noGrp="1"/>
+          </p:cNvSpPr>
+          <p:nvPr>
+            <p:ph type="body" idx="1"/>
+          </p:nvPr>
+        </p:nvSpPr>
+        <p:spPr>
+          <a:xfrm>
+            <a:off x="457200" y="1109472"/>
+            <a:ext cx="8601456" cy="5315711"/>
+          </a:xfrm>
+          <a:prstGeom prst="rect">
+            <a:avLst/>
+          </a:prstGeom>
+          <a:extLst>
+            <a:ext uri="{C572A759-6A51-4108-AA02-DFA0A04FC94B}">
+              <ma14:wrappingTextBoxFlag xmlns:ma14="http://schemas.microsoft.com/office/mac/drawingml/2011/main" val="1"/>
+            </a:ext>
+          </a:extLst>
+        </p:spPr>
+        <p:txBody>
+          <a:bodyPr lIns="0" tIns="0" rIns="0" bIns="0">
             <a:normAutofit/>
           </a:bodyPr>
           <a:lstStyle/>
           <a:p>
-            <a:pPr marL="280736" indent="-280736">
-              <a:spcBef>
-                <a:spcPts val="500"/>
-              </a:spcBef>
-              <a:buSzPct val="60714"/>
-            </a:pPr>
-            <a:r>
-              <a:rPr sz="2800"/>
-              <a:t>Allow code to be added to the kernel, dynamically </a:t>
-            </a:r>
-          </a:p>
-          <a:p>
-            <a:pPr marL="0" indent="120650">
+            <a:pPr marL="140368" indent="-140368">
+              <a:defRPr sz="1800"/>
+            </a:pPr>
+            <a:r>
+              <a:rPr sz="1600" b="1" dirty="0"/>
+              <a:t>copy_to_user()</a:t>
+            </a:r>
+          </a:p>
+          <a:p>
+            <a:pPr marL="521368" lvl="1" indent="-140368">
+              <a:defRPr sz="1800"/>
+            </a:pPr>
+            <a:r>
+              <a:rPr sz="1600" dirty="0"/>
+              <a:t>unsigned long copy_to_user </a:t>
+            </a:r>
+            <a:r>
+              <a:rPr sz="1600" dirty="0">
+                <a:latin typeface="Verdana"/>
+                <a:ea typeface="Verdana"/>
+                <a:cs typeface="Verdana"/>
+                <a:sym typeface="Verdana"/>
+              </a:rPr>
+              <a:t>(void __user * </a:t>
+            </a:r>
+            <a:r>
+              <a:rPr sz="1600" i="1" dirty="0"/>
+              <a:t>dst</a:t>
+            </a:r>
+            <a:r>
+              <a:rPr sz="1600" dirty="0">
+                <a:latin typeface="Verdana"/>
+                <a:ea typeface="Verdana"/>
+                <a:cs typeface="Verdana"/>
+                <a:sym typeface="Verdana"/>
+              </a:rPr>
+              <a:t>, const void * </a:t>
+            </a:r>
+            <a:r>
+              <a:rPr sz="1600" i="1" dirty="0"/>
+              <a:t>src</a:t>
+            </a:r>
+            <a:r>
+              <a:rPr sz="1600" dirty="0">
+                <a:latin typeface="Verdana"/>
+                <a:ea typeface="Verdana"/>
+                <a:cs typeface="Verdana"/>
+                <a:sym typeface="Verdana"/>
+              </a:rPr>
+              <a:t>, unsigned long </a:t>
+            </a:r>
+            <a:r>
+              <a:rPr sz="1600" i="1" dirty="0"/>
+              <a:t>n</a:t>
+            </a:r>
+            <a:r>
+              <a:rPr sz="1600" dirty="0">
+                <a:latin typeface="Verdana"/>
+                <a:ea typeface="Verdana"/>
+                <a:cs typeface="Verdana"/>
+                <a:sym typeface="Verdana"/>
+              </a:rPr>
+              <a:t>);</a:t>
+            </a:r>
+          </a:p>
+          <a:p>
+            <a:pPr marL="521368" lvl="1" indent="-140368">
+              <a:defRPr sz="1800"/>
+            </a:pPr>
+            <a:r>
+              <a:rPr sz="1600" dirty="0"/>
+              <a:t>Copies data </a:t>
+            </a:r>
+            <a:r>
+              <a:rPr sz="1600" b="1" dirty="0"/>
+              <a:t>from kernel space to user space</a:t>
+            </a:r>
+            <a:endParaRPr sz="1600" dirty="0"/>
+          </a:p>
+          <a:p>
+            <a:pPr marL="521368" lvl="1" indent="-140368">
+              <a:defRPr sz="1800"/>
+            </a:pPr>
+            <a:r>
+              <a:rPr sz="1600" dirty="0"/>
+              <a:t>Returns number of bytes that could not be copied. On success, this will be zero.</a:t>
+            </a:r>
+          </a:p>
+          <a:p>
+            <a:pPr marL="521368" lvl="1" indent="-140368">
+              <a:defRPr sz="1800"/>
+            </a:pPr>
+            <a:r>
+              <a:rPr sz="1600" dirty="0"/>
+              <a:t>Checks that dst is writable by calling access_ok on dst with a type of VERIFY_WRITE. If it returns non-zero, copy_to_user proceeds to copy</a:t>
+            </a:r>
+          </a:p>
+          <a:p>
+            <a:pPr lvl="0">
+              <a:defRPr sz="1800"/>
+            </a:pPr>
+            <a:endParaRPr sz="1600" dirty="0"/>
+          </a:p>
+          <a:p>
+            <a:pPr marL="140368" indent="-140368">
+              <a:defRPr sz="1800"/>
+            </a:pPr>
+            <a:r>
+              <a:rPr sz="1600" b="1" dirty="0"/>
+              <a:t>copy_from_user()</a:t>
+            </a:r>
+          </a:p>
+          <a:p>
+            <a:pPr marL="521368" lvl="1" indent="-140368">
+              <a:defRPr sz="1800"/>
+            </a:pPr>
+            <a:r>
+              <a:rPr sz="1600" dirty="0"/>
+              <a:t>unsigned long copy_from_user </a:t>
+            </a:r>
+            <a:r>
+              <a:rPr sz="1600" dirty="0">
+                <a:latin typeface="Verdana"/>
+                <a:ea typeface="Verdana"/>
+                <a:cs typeface="Verdana"/>
+                <a:sym typeface="Verdana"/>
+              </a:rPr>
+              <a:t>(void * </a:t>
+            </a:r>
+            <a:r>
+              <a:rPr sz="1600" i="1" dirty="0"/>
+              <a:t>dst</a:t>
+            </a:r>
+            <a:r>
+              <a:rPr sz="1600" dirty="0">
+                <a:latin typeface="Verdana"/>
+                <a:ea typeface="Verdana"/>
+                <a:cs typeface="Verdana"/>
+                <a:sym typeface="Verdana"/>
+              </a:rPr>
+              <a:t>, const void __user * </a:t>
+            </a:r>
+            <a:r>
+              <a:rPr sz="1600" i="1" dirty="0"/>
+              <a:t>src</a:t>
+            </a:r>
+            <a:r>
+              <a:rPr sz="1600" dirty="0">
+                <a:latin typeface="Verdana"/>
+                <a:ea typeface="Verdana"/>
+                <a:cs typeface="Verdana"/>
+                <a:sym typeface="Verdana"/>
+              </a:rPr>
+              <a:t>, unsigned long </a:t>
+            </a:r>
+            <a:r>
+              <a:rPr sz="1600" i="1" dirty="0"/>
+              <a:t>n</a:t>
+            </a:r>
+            <a:r>
+              <a:rPr sz="1600" dirty="0">
+                <a:latin typeface="Verdana"/>
+                <a:ea typeface="Verdana"/>
+                <a:cs typeface="Verdana"/>
+                <a:sym typeface="Verdana"/>
+              </a:rPr>
+              <a:t>);</a:t>
+            </a:r>
+          </a:p>
+          <a:p>
+            <a:pPr marL="521368" lvl="1" indent="-140368">
+              <a:defRPr sz="1800"/>
+            </a:pPr>
+            <a:r>
+              <a:rPr sz="1600" dirty="0"/>
+              <a:t>Copies data </a:t>
+            </a:r>
+            <a:r>
+              <a:rPr sz="1600" b="1" dirty="0"/>
+              <a:t>from user space to kernel</a:t>
+            </a:r>
+            <a:endParaRPr sz="1600" dirty="0"/>
+          </a:p>
+          <a:p>
+            <a:pPr marL="521368" lvl="1" indent="-140368">
+              <a:defRPr sz="1800"/>
+            </a:pPr>
+            <a:r>
+              <a:rPr sz="1600" dirty="0"/>
+              <a:t>Returns number of bytes that could not be copied. On success, this will be zero.</a:t>
+            </a:r>
+          </a:p>
+          <a:p>
+            <a:pPr lvl="0">
+              <a:defRPr sz="1800"/>
+            </a:pPr>
+            <a:endParaRPr sz="1600" dirty="0"/>
+          </a:p>
+          <a:p>
+            <a:pPr marL="228600">
+              <a:defRPr sz="1800"/>
+            </a:pPr>
+            <a:endParaRPr sz="1600" dirty="0"/>
+          </a:p>
+          <a:p>
+            <a:pPr marL="228600" indent="-228600">
+              <a:defRPr sz="1800"/>
+            </a:pPr>
+            <a:r>
+              <a:rPr sz="1600" b="1" dirty="0"/>
+              <a:t>Question: </a:t>
+            </a:r>
+            <a:r>
+              <a:rPr sz="1600" dirty="0"/>
+              <a:t>Why shouldn’t you use </a:t>
+            </a:r>
+            <a:r>
+              <a:rPr sz="1600" b="1" dirty="0"/>
+              <a:t>memcpy </a:t>
+            </a:r>
+            <a:r>
+              <a:rPr sz="1600" dirty="0"/>
+              <a:t>or </a:t>
+            </a:r>
+            <a:r>
+              <a:rPr sz="1600" b="1" dirty="0"/>
+              <a:t>call by reference </a:t>
+            </a:r>
+            <a:r>
+              <a:rPr sz="1600" dirty="0"/>
+              <a:t>to access userspace data?</a:t>
+            </a:r>
+          </a:p>
+        </p:txBody>
+      </p:sp>
+    </p:spTree>
+    <p:extLst>
+      <p:ext uri="{BB962C8B-B14F-4D97-AF65-F5344CB8AC3E}">
+        <p14:creationId xmlns:p14="http://schemas.microsoft.com/office/powerpoint/2010/main" val="1034342534"/>
+      </p:ext>
+    </p:extLst>
+  </p:cSld>
+  <p:clrMapOvr>
+    <a:masterClrMapping/>
+  </p:clrMapOvr>
+  <p:transition spd="med"/>
+</p:sld>
+</file>
+
+<file path=ppt/slides/slide21.xml><?xml version="1.0" encoding="utf-8"?>
+<p:sld xmlns:a="http://schemas.openxmlformats.org/drawingml/2006/main" xmlns:r="http://schemas.openxmlformats.org/officeDocument/2006/relationships" xmlns:p="http://schemas.openxmlformats.org/presentationml/2006/main">
+  <p:cSld>
+    <p:spTree>
+      <p:nvGrpSpPr>
+        <p:cNvPr id="1" name=""/>
+        <p:cNvGrpSpPr/>
+        <p:nvPr/>
+      </p:nvGrpSpPr>
+      <p:grpSpPr>
+        <a:xfrm>
+          <a:off x="0" y="0"/>
+          <a:ext cx="0" cy="0"/>
+          <a:chOff x="0" y="0"/>
+          <a:chExt cx="0" cy="0"/>
+        </a:xfrm>
+      </p:grpSpPr>
+      <p:sp>
+        <p:nvSpPr>
+          <p:cNvPr id="103" name="Shape 103"/>
+          <p:cNvSpPr>
+            <a:spLocks noGrp="1"/>
+          </p:cNvSpPr>
+          <p:nvPr>
+            <p:ph type="title"/>
+          </p:nvPr>
+        </p:nvSpPr>
+        <p:spPr>
+          <a:xfrm>
+            <a:off x="457200" y="185404"/>
+            <a:ext cx="8229600" cy="857400"/>
+          </a:xfrm>
+          <a:prstGeom prst="rect">
+            <a:avLst/>
+          </a:prstGeom>
+          <a:extLst>
+            <a:ext uri="{C572A759-6A51-4108-AA02-DFA0A04FC94B}">
+              <ma14:wrappingTextBoxFlag xmlns:ma14="http://schemas.microsoft.com/office/mac/drawingml/2011/main" val="1"/>
+            </a:ext>
+          </a:extLst>
+        </p:spPr>
+        <p:txBody>
+          <a:bodyPr lIns="0" tIns="0" rIns="0" bIns="0">
+            <a:normAutofit/>
+          </a:bodyPr>
+          <a:lstStyle>
+            <a:lvl1pPr algn="ctr">
+              <a:lnSpc>
+                <a:spcPct val="115000"/>
+              </a:lnSpc>
+              <a:spcBef>
+                <a:spcPts val="2400"/>
+              </a:spcBef>
+              <a:defRPr sz="3000"/>
+            </a:lvl1pPr>
+          </a:lstStyle>
+          <a:p>
+            <a:pPr lvl="0">
+              <a:defRPr sz="1800"/>
+            </a:pPr>
+            <a:r>
+              <a:rPr sz="3600" dirty="0"/>
+              <a:t>Memory allocation/deallocation in Kernel</a:t>
+            </a:r>
+          </a:p>
+        </p:txBody>
+      </p:sp>
+      <p:sp>
+        <p:nvSpPr>
+          <p:cNvPr id="104" name="Shape 104"/>
+          <p:cNvSpPr/>
+          <p:nvPr/>
+        </p:nvSpPr>
+        <p:spPr>
+          <a:xfrm>
+            <a:off x="548640" y="1042805"/>
+            <a:ext cx="8138160" cy="4462728"/>
+          </a:xfrm>
+          <a:prstGeom prst="rect">
+            <a:avLst/>
+          </a:prstGeom>
+          <a:ln w="12700">
+            <a:miter lim="400000"/>
+          </a:ln>
+          <a:extLst>
+            <a:ext uri="{C572A759-6A51-4108-AA02-DFA0A04FC94B}">
+              <ma14:wrappingTextBoxFlag xmlns:ma14="http://schemas.microsoft.com/office/mac/drawingml/2011/main" val="1"/>
+            </a:ext>
+          </a:extLst>
+        </p:spPr>
+        <p:txBody>
+          <a:bodyPr wrap="square" lIns="91424" tIns="91424" rIns="91424" bIns="91424">
+            <a:spAutoFit/>
+          </a:bodyPr>
+          <a:lstStyle/>
+          <a:p>
+            <a:pPr lvl="0">
+              <a:defRPr sz="1800"/>
+            </a:pPr>
+            <a:r>
+              <a:rPr sz="2400" dirty="0"/>
+              <a:t>Memory Allocation:</a:t>
+            </a:r>
+          </a:p>
+          <a:p>
+            <a:pPr lvl="1" indent="228600">
+              <a:defRPr sz="1800"/>
+            </a:pPr>
+            <a:endParaRPr sz="2400" dirty="0"/>
+          </a:p>
+          <a:p>
+            <a:pPr lvl="1" indent="228600">
+              <a:defRPr sz="1800"/>
+            </a:pPr>
+            <a:r>
+              <a:rPr sz="2400" dirty="0"/>
+              <a:t>kmalloc(): </a:t>
+            </a:r>
+            <a:r>
+              <a:rPr sz="2400" dirty="0"/>
+              <a:t>Allocates physically contiguous memory</a:t>
+            </a:r>
+          </a:p>
+          <a:p>
+            <a:pPr lvl="0">
+              <a:defRPr sz="1800"/>
+            </a:pPr>
+            <a:r>
+              <a:rPr sz="2400" dirty="0"/>
+              <a:t>	</a:t>
+            </a:r>
+            <a:r>
+              <a:rPr sz="1800" dirty="0">
+                <a:solidFill>
+                  <a:srgbClr val="790029"/>
+                </a:solidFill>
+              </a:rPr>
+              <a:t>void * kmalloc(size_t size, int flags)</a:t>
+            </a:r>
+          </a:p>
+          <a:p>
+            <a:pPr lvl="0">
+              <a:defRPr sz="1800"/>
+            </a:pPr>
+            <a:r>
+              <a:rPr sz="1800" dirty="0">
+                <a:solidFill>
+                  <a:srgbClr val="790029"/>
+                </a:solidFill>
+              </a:rPr>
+              <a:t>	</a:t>
+            </a:r>
+          </a:p>
+          <a:p>
+            <a:pPr lvl="1" indent="228600">
+              <a:defRPr sz="1800"/>
+            </a:pPr>
+            <a:r>
+              <a:rPr sz="2400" dirty="0"/>
+              <a:t>kzalloc(): Allocates memory and sets it to zero</a:t>
+            </a:r>
+          </a:p>
+          <a:p>
+            <a:pPr lvl="1" indent="228600">
+              <a:defRPr sz="1800"/>
+            </a:pPr>
+            <a:endParaRPr sz="2400" dirty="0"/>
+          </a:p>
+          <a:p>
+            <a:pPr lvl="1" indent="228600">
+              <a:defRPr sz="1800"/>
+            </a:pPr>
+            <a:r>
+              <a:rPr sz="2400" dirty="0"/>
+              <a:t>vmalloc(): </a:t>
+            </a:r>
+            <a:r>
+              <a:rPr sz="2400" dirty="0"/>
+              <a:t>Allocates memory that is virtually contiguous and not necessarily physically contiguous. </a:t>
+            </a:r>
+          </a:p>
+          <a:p>
+            <a:pPr lvl="4" indent="914400">
+              <a:defRPr sz="1800"/>
+            </a:pPr>
+            <a:r>
+              <a:rPr sz="1800" dirty="0">
+                <a:solidFill>
+                  <a:srgbClr val="790029"/>
+                </a:solidFill>
+              </a:rPr>
+              <a:t>void * vmalloc(unsigned long size)</a:t>
+            </a:r>
+          </a:p>
+          <a:p>
+            <a:pPr lvl="0">
+              <a:defRPr sz="1800"/>
+            </a:pPr>
+            <a:endParaRPr sz="1800" dirty="0">
+              <a:solidFill>
+                <a:srgbClr val="790029"/>
+              </a:solidFill>
+            </a:endParaRPr>
+          </a:p>
+          <a:p>
+            <a:pPr lvl="0">
+              <a:defRPr sz="1800"/>
+            </a:pPr>
+            <a:r>
+              <a:rPr sz="2400" dirty="0"/>
+              <a:t>Memory Deallocation: kfree()</a:t>
+            </a:r>
+          </a:p>
+        </p:txBody>
+      </p:sp>
+    </p:spTree>
+    <p:extLst>
+      <p:ext uri="{BB962C8B-B14F-4D97-AF65-F5344CB8AC3E}">
+        <p14:creationId xmlns:p14="http://schemas.microsoft.com/office/powerpoint/2010/main" val="1662646014"/>
+      </p:ext>
+    </p:extLst>
+  </p:cSld>
+  <p:clrMapOvr>
+    <a:masterClrMapping/>
+  </p:clrMapOvr>
+  <p:transition spd="med"/>
+</p:sld>
+</file>
+
+<file path=ppt/slides/slide22.xml><?xml version="1.0" encoding="utf-8"?>
+<p:sld xmlns:a="http://schemas.openxmlformats.org/drawingml/2006/main" xmlns:r="http://schemas.openxmlformats.org/officeDocument/2006/relationships" xmlns:p="http://schemas.openxmlformats.org/presentationml/2006/main">
+  <p:cSld>
+    <p:spTree>
+      <p:nvGrpSpPr>
+        <p:cNvPr id="1" name=""/>
+        <p:cNvGrpSpPr/>
+        <p:nvPr/>
+      </p:nvGrpSpPr>
+      <p:grpSpPr>
+        <a:xfrm>
+          <a:off x="0" y="0"/>
+          <a:ext cx="0" cy="0"/>
+          <a:chOff x="0" y="0"/>
+          <a:chExt cx="0" cy="0"/>
+        </a:xfrm>
+      </p:grpSpPr>
+      <p:sp>
+        <p:nvSpPr>
+          <p:cNvPr id="94" name="Shape 94"/>
+          <p:cNvSpPr>
+            <a:spLocks noGrp="1"/>
+          </p:cNvSpPr>
+          <p:nvPr>
+            <p:ph type="title"/>
+          </p:nvPr>
+        </p:nvSpPr>
+        <p:spPr>
+          <a:xfrm>
+            <a:off x="152400" y="152400"/>
+            <a:ext cx="8991600" cy="1143000"/>
+          </a:xfrm>
+          <a:prstGeom prst="rect">
+            <a:avLst/>
+          </a:prstGeom>
+        </p:spPr>
+        <p:txBody>
+          <a:bodyPr lIns="45699" tIns="45699" rIns="45699" bIns="45699">
+            <a:normAutofit/>
+          </a:bodyPr>
+          <a:lstStyle>
+            <a:lvl1pPr>
+              <a:defRPr sz="3600" u="sng"/>
+            </a:lvl1pPr>
+          </a:lstStyle>
+          <a:p>
+            <a:pPr>
+              <a:defRPr sz="4400" u="none"/>
+            </a:pPr>
+            <a:r>
+              <a:rPr sz="3600" u="sng"/>
+              <a:t>GNU General Public License (GPL)</a:t>
+            </a:r>
+          </a:p>
+        </p:txBody>
+      </p:sp>
+      <p:sp>
+        <p:nvSpPr>
+          <p:cNvPr id="95" name="Shape 95"/>
+          <p:cNvSpPr>
+            <a:spLocks noGrp="1"/>
+          </p:cNvSpPr>
+          <p:nvPr>
+            <p:ph type="body" idx="1"/>
+          </p:nvPr>
+        </p:nvSpPr>
+        <p:spPr>
+          <a:xfrm>
+            <a:off x="76200" y="1182686"/>
+            <a:ext cx="8991600" cy="5399702"/>
+          </a:xfrm>
+          <a:prstGeom prst="rect">
+            <a:avLst/>
+          </a:prstGeom>
+        </p:spPr>
+        <p:txBody>
+          <a:bodyPr lIns="45699" tIns="45699" rIns="45699" bIns="45699">
+            <a:normAutofit/>
+          </a:bodyPr>
+          <a:lstStyle/>
+          <a:p>
+            <a:pPr marL="307181" indent="-192881">
+              <a:lnSpc>
+                <a:spcPct val="80000"/>
+              </a:lnSpc>
+              <a:spcBef>
+                <a:spcPts val="400"/>
+              </a:spcBef>
+            </a:pPr>
+            <a:r>
+              <a:rPr sz="1800"/>
+              <a:t>http://en.wikipedia.org/wiki/Gpl</a:t>
+            </a:r>
+          </a:p>
+          <a:p>
+            <a:pPr marL="0" indent="0">
+              <a:lnSpc>
+                <a:spcPct val="80000"/>
+              </a:lnSpc>
+              <a:spcBef>
+                <a:spcPts val="400"/>
+              </a:spcBef>
               <a:buSzTx/>
               <a:buNone/>
             </a:pPr>
-            <a:endParaRPr sz="2800"/>
-          </a:p>
-          <a:p>
-            <a:pPr marL="280736" indent="-280736">
-              <a:spcBef>
-                <a:spcPts val="500"/>
-              </a:spcBef>
-              <a:buSzPct val="60714"/>
-            </a:pPr>
-            <a:r>
-              <a:rPr sz="2800"/>
-              <a:t>Only those modules that are needed are loaded. Unload when no longer required - frees up memory and other resources</a:t>
-            </a:r>
-          </a:p>
-          <a:p>
-            <a:pPr marL="0" indent="120650">
+            <a:endParaRPr sz="1800"/>
+          </a:p>
+          <a:p>
+            <a:pPr marL="307181" indent="-192881">
+              <a:lnSpc>
+                <a:spcPct val="80000"/>
+              </a:lnSpc>
+              <a:spcBef>
+                <a:spcPts val="400"/>
+              </a:spcBef>
+            </a:pPr>
+            <a:r>
+              <a:rPr sz="1800"/>
+              <a:t>Basis for all of the GNU software  development, including Linux </a:t>
+            </a:r>
+          </a:p>
+          <a:p>
+            <a:pPr marL="0" indent="0">
+              <a:lnSpc>
+                <a:spcPct val="80000"/>
+              </a:lnSpc>
+              <a:spcBef>
+                <a:spcPts val="400"/>
+              </a:spcBef>
               <a:buSzTx/>
               <a:buNone/>
             </a:pPr>
-            <a:endParaRPr sz="2800"/>
-          </a:p>
-          <a:p>
-            <a:pPr marL="280736" indent="-280736">
-              <a:spcBef>
-                <a:spcPts val="500"/>
-              </a:spcBef>
-              <a:buSzPct val="60714"/>
-            </a:pPr>
-            <a:r>
-              <a:rPr sz="2800"/>
-              <a:t>Reduces kernel size.</a:t>
+            <a:endParaRPr sz="1800"/>
+          </a:p>
+          <a:p>
+            <a:pPr marL="307181" indent="-192881">
+              <a:lnSpc>
+                <a:spcPct val="80000"/>
+              </a:lnSpc>
+              <a:spcBef>
+                <a:spcPts val="400"/>
+              </a:spcBef>
+            </a:pPr>
+            <a:r>
+              <a:rPr sz="1800"/>
+              <a:t>Allows users to modify software as they see the need </a:t>
             </a:r>
           </a:p>
           <a:p>
             <a:pPr marL="0" indent="0">
-              <a:spcBef>
-                <a:spcPts val="500"/>
-              </a:spcBef>
               <a:buSzTx/>
               <a:buNone/>
             </a:pPr>
-            <a:endParaRPr sz="2800"/>
-          </a:p>
-          <a:p>
-            <a:pPr marL="280736" indent="-280736">
-              <a:spcBef>
-                <a:spcPts val="500"/>
-              </a:spcBef>
-              <a:buSzPct val="60714"/>
-            </a:pPr>
-            <a:r>
-              <a:rPr sz="2800"/>
-              <a:t>Enables independent development of drivers for different devices </a:t>
+            <a:endParaRPr sz="1800"/>
+          </a:p>
+          <a:p>
+            <a:pPr marL="307181" indent="-192881"/>
+            <a:r>
+              <a:rPr sz="1800"/>
+              <a:t>Requires source code be distributed with binaries </a:t>
+            </a:r>
+          </a:p>
+          <a:p>
+            <a:pPr marL="0" indent="0">
+              <a:buSzTx/>
+              <a:buNone/>
+            </a:pPr>
+            <a:endParaRPr sz="1800"/>
+          </a:p>
+          <a:p>
+            <a:pPr marL="307181" indent="-192881"/>
+            <a:r>
+              <a:rPr sz="1800"/>
+              <a:t>EXPORT_SYMBOL Vs EXPORT_SYMBOL_GPL</a:t>
+            </a:r>
+            <a:endParaRPr sz="2800">
+              <a:latin typeface="Arial"/>
+              <a:ea typeface="Arial"/>
+              <a:cs typeface="Arial"/>
+              <a:sym typeface="Arial"/>
+            </a:endParaRPr>
+          </a:p>
+          <a:p>
+            <a:pPr marL="791935" lvl="1" indent="-220435">
+              <a:buFont typeface="Courier New"/>
+              <a:buChar char="o"/>
+              <a:defRPr sz="2800">
+                <a:latin typeface="Arial"/>
+                <a:ea typeface="Arial"/>
+                <a:cs typeface="Arial"/>
+                <a:sym typeface="Arial"/>
+              </a:defRPr>
+            </a:pPr>
+            <a:r>
+              <a:rPr sz="1800">
+                <a:latin typeface="Comic Sans MS"/>
+                <a:ea typeface="Comic Sans MS"/>
+                <a:cs typeface="Comic Sans MS"/>
+                <a:sym typeface="Comic Sans MS"/>
+              </a:rPr>
+              <a:t>Read </a:t>
+            </a:r>
+            <a:r>
+              <a:rPr sz="1800" u="sng">
+                <a:solidFill>
+                  <a:srgbClr val="FF0000"/>
+                </a:solidFill>
+                <a:uFill>
+                  <a:solidFill>
+                    <a:srgbClr val="FF0000"/>
+                  </a:solidFill>
+                </a:uFill>
+                <a:latin typeface="Comic Sans MS"/>
+                <a:ea typeface="Comic Sans MS"/>
+                <a:cs typeface="Comic Sans MS"/>
+                <a:sym typeface="Comic Sans MS"/>
+                <a:hlinkClick r:id="rId2"/>
+              </a:rPr>
+              <a:t>http://lwn.net/Articles/154602/</a:t>
+            </a:r>
+          </a:p>
+          <a:p>
+            <a:pPr marL="0" indent="0">
+              <a:buSzTx/>
+              <a:buNone/>
+            </a:pPr>
+            <a:endParaRPr sz="1800"/>
+          </a:p>
+          <a:p>
+            <a:pPr marL="307181" indent="-192881">
+              <a:lnSpc>
+                <a:spcPct val="80000"/>
+              </a:lnSpc>
+              <a:spcBef>
+                <a:spcPts val="400"/>
+              </a:spcBef>
+            </a:pPr>
+            <a:r>
+              <a:rPr sz="1800"/>
+              <a:t>Device drivers need not be licensed under the GPL, but the mainstream ones are </a:t>
             </a:r>
           </a:p>
         </p:txBody>
